--- a/04相关插件/Java8/Java8高级教程.pptx
+++ b/04相关插件/Java8/Java8高级教程.pptx
@@ -7,53 +7,55 @@
     <p:sldMasterId id="2147483673" r:id="rId3"/>
   </p:sldMasterIdLst>
   <p:notesMasterIdLst>
-    <p:notesMasterId r:id="rId48"/>
+    <p:notesMasterId r:id="rId50"/>
   </p:notesMasterIdLst>
   <p:sldIdLst>
     <p:sldId id="283" r:id="rId4"/>
     <p:sldId id="289" r:id="rId5"/>
     <p:sldId id="273" r:id="rId6"/>
-    <p:sldId id="295" r:id="rId7"/>
-    <p:sldId id="328" r:id="rId8"/>
-    <p:sldId id="327" r:id="rId9"/>
-    <p:sldId id="329" r:id="rId10"/>
-    <p:sldId id="330" r:id="rId11"/>
-    <p:sldId id="290" r:id="rId12"/>
-    <p:sldId id="291" r:id="rId13"/>
-    <p:sldId id="292" r:id="rId14"/>
-    <p:sldId id="293" r:id="rId15"/>
-    <p:sldId id="294" r:id="rId16"/>
-    <p:sldId id="296" r:id="rId17"/>
-    <p:sldId id="297" r:id="rId18"/>
-    <p:sldId id="298" r:id="rId19"/>
-    <p:sldId id="299" r:id="rId20"/>
-    <p:sldId id="300" r:id="rId21"/>
-    <p:sldId id="301" r:id="rId22"/>
-    <p:sldId id="302" r:id="rId23"/>
-    <p:sldId id="303" r:id="rId24"/>
-    <p:sldId id="304" r:id="rId25"/>
-    <p:sldId id="305" r:id="rId26"/>
-    <p:sldId id="306" r:id="rId27"/>
-    <p:sldId id="307" r:id="rId28"/>
-    <p:sldId id="308" r:id="rId29"/>
-    <p:sldId id="309" r:id="rId30"/>
-    <p:sldId id="310" r:id="rId31"/>
-    <p:sldId id="311" r:id="rId32"/>
-    <p:sldId id="312" r:id="rId33"/>
-    <p:sldId id="313" r:id="rId34"/>
-    <p:sldId id="314" r:id="rId35"/>
-    <p:sldId id="315" r:id="rId36"/>
-    <p:sldId id="316" r:id="rId37"/>
-    <p:sldId id="317" r:id="rId38"/>
-    <p:sldId id="318" r:id="rId39"/>
-    <p:sldId id="319" r:id="rId40"/>
-    <p:sldId id="320" r:id="rId41"/>
-    <p:sldId id="321" r:id="rId42"/>
-    <p:sldId id="322" r:id="rId43"/>
-    <p:sldId id="323" r:id="rId44"/>
-    <p:sldId id="324" r:id="rId45"/>
-    <p:sldId id="325" r:id="rId46"/>
-    <p:sldId id="326" r:id="rId47"/>
+    <p:sldId id="331" r:id="rId7"/>
+    <p:sldId id="332" r:id="rId8"/>
+    <p:sldId id="295" r:id="rId9"/>
+    <p:sldId id="328" r:id="rId10"/>
+    <p:sldId id="327" r:id="rId11"/>
+    <p:sldId id="329" r:id="rId12"/>
+    <p:sldId id="330" r:id="rId13"/>
+    <p:sldId id="290" r:id="rId14"/>
+    <p:sldId id="291" r:id="rId15"/>
+    <p:sldId id="292" r:id="rId16"/>
+    <p:sldId id="293" r:id="rId17"/>
+    <p:sldId id="294" r:id="rId18"/>
+    <p:sldId id="296" r:id="rId19"/>
+    <p:sldId id="297" r:id="rId20"/>
+    <p:sldId id="298" r:id="rId21"/>
+    <p:sldId id="299" r:id="rId22"/>
+    <p:sldId id="300" r:id="rId23"/>
+    <p:sldId id="301" r:id="rId24"/>
+    <p:sldId id="302" r:id="rId25"/>
+    <p:sldId id="303" r:id="rId26"/>
+    <p:sldId id="304" r:id="rId27"/>
+    <p:sldId id="305" r:id="rId28"/>
+    <p:sldId id="306" r:id="rId29"/>
+    <p:sldId id="307" r:id="rId30"/>
+    <p:sldId id="308" r:id="rId31"/>
+    <p:sldId id="309" r:id="rId32"/>
+    <p:sldId id="310" r:id="rId33"/>
+    <p:sldId id="311" r:id="rId34"/>
+    <p:sldId id="312" r:id="rId35"/>
+    <p:sldId id="313" r:id="rId36"/>
+    <p:sldId id="314" r:id="rId37"/>
+    <p:sldId id="315" r:id="rId38"/>
+    <p:sldId id="316" r:id="rId39"/>
+    <p:sldId id="317" r:id="rId40"/>
+    <p:sldId id="318" r:id="rId41"/>
+    <p:sldId id="319" r:id="rId42"/>
+    <p:sldId id="320" r:id="rId43"/>
+    <p:sldId id="321" r:id="rId44"/>
+    <p:sldId id="322" r:id="rId45"/>
+    <p:sldId id="323" r:id="rId46"/>
+    <p:sldId id="324" r:id="rId47"/>
+    <p:sldId id="325" r:id="rId48"/>
+    <p:sldId id="326" r:id="rId49"/>
   </p:sldIdLst>
   <p:sldSz cx="9144000" cy="6858000" type="screen4x3"/>
   <p:notesSz cx="6669088" cy="9753600"/>
@@ -327,7 +329,7 @@
           <a:p>
             <a:fld id="{D2A48B96-639E-45A3-A0BA-2464DFDB1FAA}" type="datetimeFigureOut">
               <a:rPr lang="zh-CN" altLang="en-US" smtClean="0"/>
-              <a:t>12/2 Saturday</a:t>
+              <a:t>12/4 Monday</a:t>
             </a:fld>
             <a:endParaRPr lang="zh-CN" altLang="en-US"/>
           </a:p>
@@ -777,7 +779,7 @@
           <a:p>
             <a:fld id="{A6837353-30EB-4A48-80EB-173D804AEFBD}" type="slidenum">
               <a:rPr lang="zh-CN" altLang="en-US" smtClean="0"/>
-              <a:t>15</a:t>
+              <a:t>17</a:t>
             </a:fld>
             <a:endParaRPr lang="zh-CN" altLang="en-US"/>
           </a:p>
@@ -966,7 +968,7 @@
           <a:p>
             <a:fld id="{A6837353-30EB-4A48-80EB-173D804AEFBD}" type="slidenum">
               <a:rPr lang="zh-CN" altLang="en-US" smtClean="0"/>
-              <a:t>16</a:t>
+              <a:t>18</a:t>
             </a:fld>
             <a:endParaRPr lang="zh-CN" altLang="en-US"/>
           </a:p>
@@ -1199,7 +1201,7 @@
           <a:p>
             <a:fld id="{A6837353-30EB-4A48-80EB-173D804AEFBD}" type="slidenum">
               <a:rPr lang="zh-CN" altLang="en-US" smtClean="0"/>
-              <a:t>20</a:t>
+              <a:t>22</a:t>
             </a:fld>
             <a:endParaRPr lang="zh-CN" altLang="en-US"/>
           </a:p>
@@ -8022,147 +8024,306 @@
       </p:grpSpPr>
       <p:sp>
         <p:nvSpPr>
-          <p:cNvPr id="2" name="矩形 1"/>
-          <p:cNvSpPr/>
-          <p:nvPr/>
+          <p:cNvPr id="2" name="标题 1"/>
+          <p:cNvSpPr>
+            <a:spLocks noGrp="1"/>
+          </p:cNvSpPr>
+          <p:nvPr>
+            <p:ph type="title"/>
+          </p:nvPr>
         </p:nvSpPr>
-        <p:spPr>
-          <a:xfrm>
-            <a:off x="1043608" y="1844824"/>
-            <a:ext cx="6912768" cy="2862322"/>
-          </a:xfrm>
-          <a:prstGeom prst="rect">
-            <a:avLst/>
-          </a:prstGeom>
-        </p:spPr>
+        <p:spPr/>
         <p:txBody>
-          <a:bodyPr wrap="square">
-            <a:spAutoFit/>
-          </a:bodyPr>
+          <a:bodyPr/>
           <a:lstStyle/>
           <a:p>
-            <a:r>
-              <a:rPr lang="zh-CN" altLang="en-US" b="0"/>
-              <a:t>类型检查过程可以分解为如下所示。</a:t>
+            <a:endParaRPr lang="zh-CN" altLang="en-US"/>
+          </a:p>
+        </p:txBody>
+      </p:sp>
+      <p:sp>
+        <p:nvSpPr>
+          <p:cNvPr id="3" name="内容占位符 2"/>
+          <p:cNvSpPr>
+            <a:spLocks noGrp="1"/>
+          </p:cNvSpPr>
+          <p:nvPr>
+            <p:ph idx="1"/>
+          </p:nvPr>
+        </p:nvSpPr>
+        <p:spPr/>
+        <p:txBody>
+          <a:bodyPr/>
+          <a:lstStyle/>
+          <a:p>
+            <a:r>
+              <a:rPr lang="en-US" altLang="zh-CN" sz="1400"/>
+              <a:t>Java 8</a:t>
+            </a:r>
+            <a:r>
+              <a:rPr lang="zh-CN" altLang="en-US" sz="1400"/>
+              <a:t>中新增了函数</a:t>
+            </a:r>
+            <a:r>
+              <a:rPr lang="en-US" altLang="zh-CN" sz="1400"/>
+              <a:t>——</a:t>
+            </a:r>
+            <a:r>
+              <a:rPr lang="zh-CN" altLang="en-US" sz="1400"/>
+              <a:t>值的一种新形式。它有助于使用</a:t>
+            </a:r>
+            <a:r>
+              <a:rPr lang="en-US" altLang="zh-CN" sz="1400"/>
+              <a:t>1.3</a:t>
+            </a:r>
+            <a:r>
+              <a:rPr lang="zh-CN" altLang="en-US" sz="1400"/>
+              <a:t>节中谈到的流，有了它， </a:t>
+            </a:r>
+            <a:r>
+              <a:rPr lang="en-US" altLang="zh-CN" sz="1400"/>
+              <a:t>Java 8</a:t>
             </a:r>
             <a:br>
-              <a:rPr lang="zh-CN" altLang="en-US" b="0"/>
+              <a:rPr lang="en-US" altLang="zh-CN" sz="1400"/>
             </a:br>
             <a:r>
-              <a:rPr lang="zh-CN" altLang="en-US" b="0"/>
-              <a:t> 首先，你要找出</a:t>
-            </a:r>
-            <a:r>
-              <a:rPr lang="en-US" altLang="zh-CN" b="0"/>
-              <a:t>filter</a:t>
-            </a:r>
-            <a:r>
-              <a:rPr lang="zh-CN" altLang="en-US" b="0"/>
-              <a:t>方法的声明。</a:t>
+              <a:rPr lang="zh-CN" altLang="en-US" sz="1400"/>
+              <a:t>可以进行多核处理器上的并行编程。我们首先来展示一下作为值的函数本身的有用之处。 </a:t>
             </a:r>
             <a:br>
-              <a:rPr lang="zh-CN" altLang="en-US" b="0"/>
+              <a:rPr lang="zh-CN" altLang="en-US" sz="1400"/>
             </a:br>
             <a:r>
-              <a:rPr lang="zh-CN" altLang="en-US" b="0"/>
-              <a:t> 第二，要求它是</a:t>
-            </a:r>
-            <a:r>
-              <a:rPr lang="en-US" altLang="zh-CN" b="0"/>
-              <a:t>Predicate&lt;Apple&gt;</a:t>
-            </a:r>
-            <a:r>
-              <a:rPr lang="zh-CN" altLang="en-US" b="0"/>
-              <a:t>（目标类型）对象的第二个正式参数。</a:t>
+              <a:rPr lang="zh-CN" altLang="en-US" sz="1400"/>
+              <a:t>想想</a:t>
+            </a:r>
+            <a:r>
+              <a:rPr lang="en-US" altLang="zh-CN" sz="1400"/>
+              <a:t>Java</a:t>
+            </a:r>
+            <a:r>
+              <a:rPr lang="zh-CN" altLang="en-US" sz="1400"/>
+              <a:t>程序可能操作的值吧。首先有原始值，比如</a:t>
+            </a:r>
+            <a:r>
+              <a:rPr lang="en-US" altLang="zh-CN" sz="1400"/>
+              <a:t>42</a:t>
+            </a:r>
+            <a:r>
+              <a:rPr lang="zh-CN" altLang="en-US" sz="1400"/>
+              <a:t>（</a:t>
+            </a:r>
+            <a:r>
+              <a:rPr lang="en-US" altLang="zh-CN" sz="1400" err="1"/>
+              <a:t>int</a:t>
+            </a:r>
+            <a:r>
+              <a:rPr lang="zh-CN" altLang="en-US" sz="1400"/>
+              <a:t>类型）和</a:t>
+            </a:r>
+            <a:r>
+              <a:rPr lang="en-US" altLang="zh-CN" sz="1400"/>
+              <a:t>3.14</a:t>
+            </a:r>
+            <a:r>
+              <a:rPr lang="zh-CN" altLang="en-US" sz="1400"/>
+              <a:t>（</a:t>
+            </a:r>
+            <a:r>
+              <a:rPr lang="en-US" altLang="zh-CN" sz="1400"/>
+              <a:t>double</a:t>
+            </a:r>
+            <a:r>
+              <a:rPr lang="zh-CN" altLang="en-US" sz="1400"/>
+              <a:t>类型）。</a:t>
             </a:r>
             <a:br>
-              <a:rPr lang="zh-CN" altLang="en-US" b="0"/>
+              <a:rPr lang="zh-CN" altLang="en-US" sz="1400"/>
             </a:br>
             <a:r>
-              <a:rPr lang="zh-CN" altLang="en-US" b="0"/>
-              <a:t> 第三， </a:t>
-            </a:r>
-            <a:r>
-              <a:rPr lang="en-US" altLang="zh-CN" b="0"/>
-              <a:t>Predicate&lt;Apple&gt;</a:t>
-            </a:r>
-            <a:r>
-              <a:rPr lang="zh-CN" altLang="en-US" b="0"/>
-              <a:t>是一个函数式接口，定义了一个叫作</a:t>
-            </a:r>
-            <a:r>
-              <a:rPr lang="en-US" altLang="zh-CN" b="0"/>
-              <a:t>test</a:t>
-            </a:r>
-            <a:r>
-              <a:rPr lang="zh-CN" altLang="en-US" b="0"/>
-              <a:t>的抽象方法。</a:t>
+              <a:rPr lang="zh-CN" altLang="en-US" sz="1400"/>
+              <a:t>其次，值可以是对象（更严格地说是对象的引用）。获得对象的唯一途径是利用</a:t>
+            </a:r>
+            <a:r>
+              <a:rPr lang="en-US" altLang="zh-CN" sz="1400"/>
+              <a:t>new</a:t>
+            </a:r>
+            <a:r>
+              <a:rPr lang="zh-CN" altLang="en-US" sz="1400"/>
+              <a:t>，也许是通</a:t>
             </a:r>
             <a:br>
-              <a:rPr lang="zh-CN" altLang="en-US" b="0"/>
+              <a:rPr lang="zh-CN" altLang="en-US" sz="1400"/>
             </a:br>
             <a:r>
-              <a:rPr lang="zh-CN" altLang="en-US" b="0"/>
-              <a:t> 第四， </a:t>
-            </a:r>
-            <a:r>
-              <a:rPr lang="en-US" altLang="zh-CN" b="0"/>
-              <a:t>test</a:t>
-            </a:r>
-            <a:r>
-              <a:rPr lang="zh-CN" altLang="en-US" b="0"/>
-              <a:t>方法描述了一个函数描述符，它可以接受一个</a:t>
-            </a:r>
-            <a:r>
-              <a:rPr lang="en-US" altLang="zh-CN" b="0"/>
-              <a:t>Apple</a:t>
-            </a:r>
-            <a:r>
-              <a:rPr lang="zh-CN" altLang="en-US" b="0"/>
-              <a:t>，并返回一个</a:t>
-            </a:r>
-            <a:r>
-              <a:rPr lang="en-US" altLang="zh-CN" b="0" err="1"/>
-              <a:t>boolean</a:t>
-            </a:r>
-            <a:r>
-              <a:rPr lang="zh-CN" altLang="en-US" b="0"/>
-              <a:t>。</a:t>
+              <a:rPr lang="zh-CN" altLang="en-US" sz="1400"/>
+              <a:t>过工厂方法或库函数实现的；对象引用指向类的一个实例。例子包括</a:t>
+            </a:r>
+            <a:r>
+              <a:rPr lang="en-US" altLang="zh-CN" sz="1400"/>
+              <a:t>"</a:t>
+            </a:r>
+            <a:r>
+              <a:rPr lang="en-US" altLang="zh-CN" sz="1400" err="1"/>
+              <a:t>abc</a:t>
+            </a:r>
+            <a:r>
+              <a:rPr lang="en-US" altLang="zh-CN" sz="1400"/>
+              <a:t>"</a:t>
+            </a:r>
+            <a:r>
+              <a:rPr lang="zh-CN" altLang="en-US" sz="1400"/>
+              <a:t>（</a:t>
+            </a:r>
+            <a:r>
+              <a:rPr lang="en-US" altLang="zh-CN" sz="1400"/>
+              <a:t>String</a:t>
+            </a:r>
+            <a:r>
+              <a:rPr lang="zh-CN" altLang="en-US" sz="1400"/>
+              <a:t>类型）， </a:t>
+            </a:r>
+            <a:r>
+              <a:rPr lang="en-US" altLang="zh-CN" sz="1400"/>
+              <a:t>new</a:t>
             </a:r>
             <a:br>
-              <a:rPr lang="zh-CN" altLang="en-US" b="0"/>
+              <a:rPr lang="en-US" altLang="zh-CN" sz="1400"/>
             </a:br>
             <a:r>
-              <a:rPr lang="en-US" altLang="zh-CN" b="0"/>
-              <a:t> </a:t>
-            </a:r>
-            <a:r>
-              <a:rPr lang="zh-CN" altLang="en-US" b="0"/>
-              <a:t>最后， </a:t>
-            </a:r>
-            <a:r>
-              <a:rPr lang="en-US" altLang="zh-CN" b="0"/>
-              <a:t>filter</a:t>
-            </a:r>
-            <a:r>
-              <a:rPr lang="zh-CN" altLang="en-US" b="0"/>
-              <a:t>的任何实际参数都必须匹配这个要求。</a:t>
-            </a:r>
-            <a:r>
-              <a:rPr lang="zh-CN" altLang="en-US"/>
-              <a:t> </a:t>
+              <a:rPr lang="en-US" altLang="zh-CN" sz="1400"/>
+              <a:t>Integer(1111)</a:t>
+            </a:r>
+            <a:r>
+              <a:rPr lang="zh-CN" altLang="en-US" sz="1400"/>
+              <a:t>（</a:t>
+            </a:r>
+            <a:r>
+              <a:rPr lang="en-US" altLang="zh-CN" sz="1400"/>
+              <a:t>Integer</a:t>
+            </a:r>
+            <a:r>
+              <a:rPr lang="zh-CN" altLang="en-US" sz="1400"/>
+              <a:t>类型），以及</a:t>
+            </a:r>
+            <a:r>
+              <a:rPr lang="en-US" altLang="zh-CN" sz="1400"/>
+              <a:t>new </a:t>
+            </a:r>
+            <a:r>
+              <a:rPr lang="en-US" altLang="zh-CN" sz="1400" err="1"/>
+              <a:t>HashMap</a:t>
+            </a:r>
+            <a:r>
+              <a:rPr lang="en-US" altLang="zh-CN" sz="1400"/>
+              <a:t>&lt;</a:t>
+            </a:r>
+            <a:r>
+              <a:rPr lang="en-US" altLang="zh-CN" sz="1400" err="1"/>
+              <a:t>Integer,String</a:t>
+            </a:r>
+            <a:r>
+              <a:rPr lang="en-US" altLang="zh-CN" sz="1400"/>
+              <a:t>&gt;(100)</a:t>
+            </a:r>
+            <a:r>
+              <a:rPr lang="zh-CN" altLang="en-US" sz="1400"/>
+              <a:t>的结果</a:t>
+            </a:r>
+            <a:r>
+              <a:rPr lang="en-US" altLang="zh-CN" sz="1400"/>
+              <a:t>——</a:t>
+            </a:r>
+            <a:r>
+              <a:rPr lang="zh-CN" altLang="en-US" sz="1400"/>
+              <a:t>它</a:t>
             </a:r>
             <a:br>
-              <a:rPr lang="zh-CN" altLang="en-US"/>
+              <a:rPr lang="zh-CN" altLang="en-US" sz="1400"/>
             </a:br>
-            <a:endParaRPr lang="zh-CN" altLang="en-US"/>
+            <a:r>
+              <a:rPr lang="zh-CN" altLang="en-US" sz="1400"/>
+              <a:t>显然调用了</a:t>
+            </a:r>
+            <a:r>
+              <a:rPr lang="en-US" altLang="zh-CN" sz="1400" err="1"/>
+              <a:t>HashMap</a:t>
+            </a:r>
+            <a:r>
+              <a:rPr lang="zh-CN" altLang="en-US" sz="1400"/>
+              <a:t>的构造函数。甚至数组也是对象。 </a:t>
+            </a:r>
+            <a:br>
+              <a:rPr lang="zh-CN" altLang="en-US" sz="1400"/>
+            </a:br>
+            <a:r>
+              <a:rPr lang="zh-CN" altLang="en-US" sz="1400"/>
+              <a:t>为了帮助回答这个问题，我们要注意到，编程语言的整个目的就在于操作值，要是按照历史</a:t>
+            </a:r>
+            <a:br>
+              <a:rPr lang="zh-CN" altLang="en-US" sz="1400"/>
+            </a:br>
+            <a:r>
+              <a:rPr lang="zh-CN" altLang="en-US" sz="1400"/>
+              <a:t>上编程语言的传统，这些值因此被称为一等值 </a:t>
+            </a:r>
+            <a:endParaRPr lang="en-US" altLang="zh-CN" sz="1400" smtClean="0"/>
+          </a:p>
+          <a:p>
+            <a:r>
+              <a:rPr lang="zh-CN" altLang="en-US" sz="1400"/>
+              <a:t>编程语言中的其他结构也许有助于我们表示值的结构，但在程序执行期间</a:t>
+            </a:r>
+            <a:br>
+              <a:rPr lang="zh-CN" altLang="en-US" sz="1400"/>
+            </a:br>
+            <a:r>
+              <a:rPr lang="zh-CN" altLang="en-US" sz="1400"/>
+              <a:t>不能传递，因而是二等公民。前面所说的值是</a:t>
+            </a:r>
+            <a:r>
+              <a:rPr lang="en-US" altLang="zh-CN" sz="1400"/>
+              <a:t>Java</a:t>
+            </a:r>
+            <a:r>
+              <a:rPr lang="zh-CN" altLang="en-US" sz="1400"/>
+              <a:t>中的一等公民，但其他很多</a:t>
+            </a:r>
+            <a:r>
+              <a:rPr lang="en-US" altLang="zh-CN" sz="1400"/>
+              <a:t>Java</a:t>
+            </a:r>
+            <a:r>
+              <a:rPr lang="zh-CN" altLang="en-US" sz="1400"/>
+              <a:t>概念（如</a:t>
+            </a:r>
+            <a:r>
+              <a:rPr lang="zh-CN" altLang="en-US" sz="1400" smtClean="0"/>
+              <a:t>方法和类等）则是二等公民</a:t>
+            </a:r>
+            <a:r>
+              <a:rPr lang="zh-CN" altLang="en-US" sz="1400"/>
+              <a:t/>
+            </a:r>
+            <a:br>
+              <a:rPr lang="zh-CN" altLang="en-US" sz="1400"/>
+            </a:br>
+            <a:r>
+              <a:rPr lang="zh-CN" altLang="en-US" sz="1400"/>
+              <a:t/>
+            </a:r>
+            <a:br>
+              <a:rPr lang="zh-CN" altLang="en-US" sz="1400"/>
+            </a:br>
+            <a:endParaRPr lang="zh-CN" altLang="en-US" sz="1400"/>
           </a:p>
         </p:txBody>
       </p:sp>
     </p:spTree>
     <p:extLst>
       <p:ext uri="{BB962C8B-B14F-4D97-AF65-F5344CB8AC3E}">
-        <p14:creationId xmlns:p14="http://schemas.microsoft.com/office/powerpoint/2010/main" val="4219819415"/>
+        <p14:creationId xmlns:p14="http://schemas.microsoft.com/office/powerpoint/2010/main" val="2061544340"/>
       </p:ext>
     </p:extLst>
   </p:cSld>
@@ -8189,213 +8350,74 @@
           <a:chExt cx="0" cy="0"/>
         </a:xfrm>
       </p:grpSpPr>
-      <p:sp>
-        <p:nvSpPr>
-          <p:cNvPr id="2" name="矩形 1"/>
-          <p:cNvSpPr/>
+      <p:pic>
+        <p:nvPicPr>
+          <p:cNvPr id="1026" name="Picture 2"/>
+          <p:cNvPicPr>
+            <a:picLocks noChangeAspect="1" noChangeArrowheads="1"/>
+          </p:cNvPicPr>
           <p:nvPr/>
-        </p:nvSpPr>
-        <p:spPr>
+        </p:nvPicPr>
+        <p:blipFill>
+          <a:blip r:embed="rId2">
+            <a:extLst>
+              <a:ext uri="{28A0092B-C50C-407E-A947-70E740481C1C}">
+                <a14:useLocalDpi xmlns:a14="http://schemas.microsoft.com/office/drawing/2010/main" val="0"/>
+              </a:ext>
+            </a:extLst>
+          </a:blip>
+          <a:srcRect/>
+          <a:stretch>
+            <a:fillRect/>
+          </a:stretch>
+        </p:blipFill>
+        <p:spPr bwMode="auto">
           <a:xfrm>
-            <a:off x="1547664" y="692696"/>
-            <a:ext cx="4572000" cy="2585323"/>
+            <a:off x="1259632" y="574416"/>
+            <a:ext cx="6768752" cy="5852741"/>
           </a:xfrm>
           <a:prstGeom prst="rect">
             <a:avLst/>
           </a:prstGeom>
+          <a:noFill/>
+          <a:ln>
+            <a:noFill/>
+          </a:ln>
+          <a:effectLst/>
+          <a:extLst>
+            <a:ext uri="{909E8E84-426E-40DD-AFC4-6F175D3DCCD1}">
+              <a14:hiddenFill xmlns:a14="http://schemas.microsoft.com/office/drawing/2010/main">
+                <a:solidFill>
+                  <a:schemeClr val="accent1"/>
+                </a:solidFill>
+              </a14:hiddenFill>
+            </a:ext>
+            <a:ext uri="{91240B29-F687-4F45-9708-019B960494DF}">
+              <a14:hiddenLine xmlns:a14="http://schemas.microsoft.com/office/drawing/2010/main" w="9525">
+                <a:solidFill>
+                  <a:schemeClr val="tx1"/>
+                </a:solidFill>
+                <a:miter lim="800000"/>
+                <a:headEnd/>
+                <a:tailEnd/>
+              </a14:hiddenLine>
+            </a:ext>
+            <a:ext uri="{AF507438-7753-43E0-B8FC-AC1667EBCBE1}">
+              <a14:hiddenEffects xmlns:a14="http://schemas.microsoft.com/office/drawing/2010/main">
+                <a:effectLst>
+                  <a:outerShdw dist="35921" dir="2700000" algn="ctr" rotWithShape="0">
+                    <a:schemeClr val="bg2"/>
+                  </a:outerShdw>
+                </a:effectLst>
+              </a14:hiddenEffects>
+            </a:ext>
+          </a:extLst>
         </p:spPr>
-        <p:txBody>
-          <a:bodyPr>
-            <a:spAutoFit/>
-          </a:bodyPr>
-          <a:lstStyle/>
-          <a:p>
-            <a:r>
-              <a:rPr lang="zh-CN" altLang="en-US" b="0"/>
-              <a:t>如果一个</a:t>
-            </a:r>
-            <a:r>
-              <a:rPr lang="en-US" altLang="zh-CN" b="0"/>
-              <a:t>Lambda</a:t>
-            </a:r>
-            <a:r>
-              <a:rPr lang="zh-CN" altLang="en-US" b="0"/>
-              <a:t>的主体是一个语句表达式， 它就和一个返回</a:t>
-            </a:r>
-            <a:r>
-              <a:rPr lang="en-US" altLang="zh-CN" b="0"/>
-              <a:t>void</a:t>
-            </a:r>
-            <a:r>
-              <a:rPr lang="zh-CN" altLang="en-US" b="0"/>
-              <a:t>的函数描述符兼容（当</a:t>
-            </a:r>
-            <a:br>
-              <a:rPr lang="zh-CN" altLang="en-US" b="0"/>
-            </a:br>
-            <a:r>
-              <a:rPr lang="zh-CN" altLang="en-US" b="0"/>
-              <a:t>然需要参数列表也兼容）。例如，以下两行都是合法的，尽管</a:t>
-            </a:r>
-            <a:r>
-              <a:rPr lang="en-US" altLang="zh-CN" b="0"/>
-              <a:t>List</a:t>
-            </a:r>
-            <a:r>
-              <a:rPr lang="zh-CN" altLang="en-US" b="0"/>
-              <a:t>的</a:t>
-            </a:r>
-            <a:r>
-              <a:rPr lang="en-US" altLang="zh-CN" b="0"/>
-              <a:t>add</a:t>
-            </a:r>
-            <a:r>
-              <a:rPr lang="zh-CN" altLang="en-US" b="0"/>
-              <a:t>方法返回了一个</a:t>
-            </a:r>
-            <a:br>
-              <a:rPr lang="zh-CN" altLang="en-US" b="0"/>
-            </a:br>
-            <a:r>
-              <a:rPr lang="en-US" altLang="zh-CN" b="0" err="1"/>
-              <a:t>boolean</a:t>
-            </a:r>
-            <a:r>
-              <a:rPr lang="zh-CN" altLang="en-US" b="0"/>
-              <a:t>，而不是</a:t>
-            </a:r>
-            <a:r>
-              <a:rPr lang="en-US" altLang="zh-CN" b="0"/>
-              <a:t>Consumer</a:t>
-            </a:r>
-            <a:r>
-              <a:rPr lang="zh-CN" altLang="en-US" b="0"/>
-              <a:t>上下文（</a:t>
-            </a:r>
-            <a:r>
-              <a:rPr lang="en-US" altLang="zh-CN" b="0"/>
-              <a:t>T -&gt; void</a:t>
-            </a:r>
-            <a:r>
-              <a:rPr lang="zh-CN" altLang="en-US" b="0"/>
-              <a:t>）所要求的</a:t>
-            </a:r>
-            <a:r>
-              <a:rPr lang="en-US" altLang="zh-CN" b="0"/>
-              <a:t>void</a:t>
-            </a:r>
-            <a:r>
-              <a:rPr lang="zh-CN" altLang="en-US" b="0"/>
-              <a:t>：</a:t>
-            </a:r>
-            <a:r>
-              <a:rPr lang="zh-CN" altLang="en-US"/>
-              <a:t> </a:t>
-            </a:r>
-            <a:br>
-              <a:rPr lang="zh-CN" altLang="en-US"/>
-            </a:br>
-            <a:endParaRPr lang="zh-CN" altLang="en-US"/>
-          </a:p>
-        </p:txBody>
-      </p:sp>
-      <p:sp>
-        <p:nvSpPr>
-          <p:cNvPr id="3" name="矩形 2"/>
-          <p:cNvSpPr/>
-          <p:nvPr/>
-        </p:nvSpPr>
-        <p:spPr>
-          <a:xfrm>
-            <a:off x="1403648" y="4221088"/>
-            <a:ext cx="4572000" cy="1477328"/>
-          </a:xfrm>
-          <a:prstGeom prst="rect">
-            <a:avLst/>
-          </a:prstGeom>
-        </p:spPr>
-        <p:txBody>
-          <a:bodyPr>
-            <a:spAutoFit/>
-          </a:bodyPr>
-          <a:lstStyle/>
-          <a:p>
-            <a:r>
-              <a:rPr lang="en-US" altLang="zh-CN" b="0"/>
-              <a:t>// Predicate</a:t>
-            </a:r>
-            <a:r>
-              <a:rPr lang="zh-CN" altLang="en-US" b="0"/>
-              <a:t>返回了一个</a:t>
-            </a:r>
-            <a:r>
-              <a:rPr lang="en-US" altLang="zh-CN" b="0" err="1"/>
-              <a:t>boolean</a:t>
-            </a:r>
-            <a:r>
-              <a:rPr lang="en-US" altLang="zh-CN" b="0"/>
-              <a:t/>
-            </a:r>
-            <a:br>
-              <a:rPr lang="en-US" altLang="zh-CN" b="0"/>
-            </a:br>
-            <a:r>
-              <a:rPr lang="en-US" altLang="zh-CN" b="0"/>
-              <a:t>Predicate&lt;String&gt; p = s -&gt; </a:t>
-            </a:r>
-            <a:r>
-              <a:rPr lang="en-US" altLang="zh-CN" b="0" err="1"/>
-              <a:t>list.add</a:t>
-            </a:r>
-            <a:r>
-              <a:rPr lang="en-US" altLang="zh-CN" b="0"/>
-              <a:t>(s);</a:t>
-            </a:r>
-            <a:br>
-              <a:rPr lang="en-US" altLang="zh-CN" b="0"/>
-            </a:br>
-            <a:r>
-              <a:rPr lang="en-US" altLang="zh-CN" b="0"/>
-              <a:t>// Consumer</a:t>
-            </a:r>
-            <a:r>
-              <a:rPr lang="zh-CN" altLang="en-US" b="0"/>
-              <a:t>返回了一个</a:t>
-            </a:r>
-            <a:r>
-              <a:rPr lang="en-US" altLang="zh-CN" b="0"/>
-              <a:t>void</a:t>
-            </a:r>
-            <a:br>
-              <a:rPr lang="en-US" altLang="zh-CN" b="0"/>
-            </a:br>
-            <a:r>
-              <a:rPr lang="en-US" altLang="zh-CN" b="0"/>
-              <a:t>Consumer&lt;String&gt; b = s -&gt; </a:t>
-            </a:r>
-            <a:r>
-              <a:rPr lang="en-US" altLang="zh-CN" b="0" err="1"/>
-              <a:t>list.add</a:t>
-            </a:r>
-            <a:r>
-              <a:rPr lang="en-US" altLang="zh-CN" b="0"/>
-              <a:t>(s);</a:t>
-            </a:r>
-            <a:r>
-              <a:rPr lang="en-US" altLang="zh-CN"/>
-              <a:t> </a:t>
-            </a:r>
-            <a:br>
-              <a:rPr lang="en-US" altLang="zh-CN"/>
-            </a:br>
-            <a:endParaRPr lang="zh-CN" altLang="en-US"/>
-          </a:p>
-        </p:txBody>
-      </p:sp>
+      </p:pic>
     </p:spTree>
     <p:extLst>
       <p:ext uri="{BB962C8B-B14F-4D97-AF65-F5344CB8AC3E}">
-        <p14:creationId xmlns:p14="http://schemas.microsoft.com/office/powerpoint/2010/main" val="4219819415"/>
+        <p14:creationId xmlns:p14="http://schemas.microsoft.com/office/powerpoint/2010/main" val="3793619055"/>
       </p:ext>
     </p:extLst>
   </p:cSld>
@@ -8430,8 +8452,8 @@
         </p:nvSpPr>
         <p:spPr>
           <a:xfrm>
-            <a:off x="971600" y="764704"/>
-            <a:ext cx="7848872" cy="2862322"/>
+            <a:off x="1043608" y="1844824"/>
+            <a:ext cx="6912768" cy="2862322"/>
           </a:xfrm>
           <a:prstGeom prst="rect">
             <a:avLst/>
@@ -8445,215 +8467,110 @@
           <a:p>
             <a:r>
               <a:rPr lang="zh-CN" altLang="en-US" b="0"/>
-              <a:t>你还可以进一步简化你的代码。 </a:t>
-            </a:r>
-            <a:r>
-              <a:rPr lang="en-US" altLang="zh-CN" b="0"/>
-              <a:t>Java</a:t>
-            </a:r>
-            <a:r>
-              <a:rPr lang="zh-CN" altLang="en-US" b="0"/>
-              <a:t>编译器会从上下文（目标类型）推断出用什么函数式接</a:t>
+              <a:t>类型检查过程可以分解为如下所示。</a:t>
             </a:r>
             <a:br>
               <a:rPr lang="zh-CN" altLang="en-US" b="0"/>
             </a:br>
             <a:r>
               <a:rPr lang="zh-CN" altLang="en-US" b="0"/>
-              <a:t>口来配合</a:t>
+              <a:t> 首先，你要找出</a:t>
             </a:r>
             <a:r>
               <a:rPr lang="en-US" altLang="zh-CN" b="0"/>
-              <a:t>Lambda</a:t>
+              <a:t>filter</a:t>
             </a:r>
             <a:r>
               <a:rPr lang="zh-CN" altLang="en-US" b="0"/>
-              <a:t>表达式，这意味着它也可以推断出适合</a:t>
-            </a:r>
-            <a:r>
-              <a:rPr lang="en-US" altLang="zh-CN" b="0"/>
-              <a:t>Lambda</a:t>
-            </a:r>
-            <a:r>
-              <a:rPr lang="zh-CN" altLang="en-US" b="0"/>
-              <a:t>的签名，因为函数描述符可以通</a:t>
+              <a:t>方法的声明。</a:t>
             </a:r>
             <a:br>
               <a:rPr lang="zh-CN" altLang="en-US" b="0"/>
             </a:br>
             <a:r>
               <a:rPr lang="zh-CN" altLang="en-US" b="0"/>
-              <a:t>过目标类型来得到。这样做的好处在于，编译器可以了解</a:t>
+              <a:t> 第二，要求它是</a:t>
             </a:r>
             <a:r>
               <a:rPr lang="en-US" altLang="zh-CN" b="0"/>
-              <a:t>Lambda</a:t>
+              <a:t>Predicate&lt;Apple&gt;</a:t>
             </a:r>
             <a:r>
               <a:rPr lang="zh-CN" altLang="en-US" b="0"/>
-              <a:t>表达式的参数类型，这样就可</a:t>
+              <a:t>（目标类型）对象的第二个正式参数。</a:t>
             </a:r>
             <a:br>
               <a:rPr lang="zh-CN" altLang="en-US" b="0"/>
             </a:br>
             <a:r>
               <a:rPr lang="zh-CN" altLang="en-US" b="0"/>
-              <a:t>以在</a:t>
+              <a:t> 第三， </a:t>
             </a:r>
             <a:r>
               <a:rPr lang="en-US" altLang="zh-CN" b="0"/>
-              <a:t>Lambda</a:t>
+              <a:t>Predicate&lt;Apple&gt;</a:t>
             </a:r>
             <a:r>
               <a:rPr lang="zh-CN" altLang="en-US" b="0"/>
-              <a:t>语法中省去标注参数类型。换句话说， </a:t>
+              <a:t>是一个函数式接口，定义了一个叫作</a:t>
             </a:r>
             <a:r>
               <a:rPr lang="en-US" altLang="zh-CN" b="0"/>
-              <a:t>Java</a:t>
+              <a:t>test</a:t>
             </a:r>
             <a:r>
               <a:rPr lang="zh-CN" altLang="en-US" b="0"/>
-              <a:t>编译器会像下面这样推断</a:t>
-            </a:r>
-            <a:r>
-              <a:rPr lang="en-US" altLang="zh-CN" b="0"/>
-              <a:t>Lambda</a:t>
-            </a:r>
-            <a:r>
-              <a:rPr lang="zh-CN" altLang="en-US" b="0"/>
-              <a:t>的参数</a:t>
+              <a:t>的抽象方法。</a:t>
             </a:r>
             <a:br>
               <a:rPr lang="zh-CN" altLang="en-US" b="0"/>
             </a:br>
             <a:r>
               <a:rPr lang="zh-CN" altLang="en-US" b="0"/>
-              <a:t>类型： </a:t>
-            </a:r>
-            <a:r>
-              <a:rPr lang="zh-CN" altLang="en-US"/>
-              <a:t/>
-            </a:r>
-            <a:br>
-              <a:rPr lang="zh-CN" altLang="en-US"/>
-            </a:br>
-            <a:endParaRPr lang="zh-CN" altLang="en-US"/>
-          </a:p>
-        </p:txBody>
-      </p:sp>
-      <p:sp>
-        <p:nvSpPr>
-          <p:cNvPr id="3" name="矩形 2"/>
-          <p:cNvSpPr/>
-          <p:nvPr/>
-        </p:nvSpPr>
-        <p:spPr>
-          <a:xfrm>
-            <a:off x="179512" y="3789040"/>
-            <a:ext cx="8784976" cy="3416320"/>
-          </a:xfrm>
-          <a:prstGeom prst="rect">
-            <a:avLst/>
-          </a:prstGeom>
-        </p:spPr>
-        <p:txBody>
-          <a:bodyPr wrap="square">
-            <a:spAutoFit/>
-          </a:bodyPr>
-          <a:lstStyle/>
-          <a:p>
+              <a:t> 第四， </a:t>
+            </a:r>
             <a:r>
               <a:rPr lang="en-US" altLang="zh-CN" b="0"/>
-              <a:t>Lambda</a:t>
+              <a:t>test</a:t>
             </a:r>
             <a:r>
               <a:rPr lang="zh-CN" altLang="en-US" b="0"/>
-              <a:t>表达式有多个参数，代码可读性的好处就更为明显。例如，你可以这样来创建一个</a:t>
+              <a:t>方法描述了一个函数描述符，它可以接受一个</a:t>
+            </a:r>
+            <a:r>
+              <a:rPr lang="en-US" altLang="zh-CN" b="0"/>
+              <a:t>Apple</a:t>
+            </a:r>
+            <a:r>
+              <a:rPr lang="zh-CN" altLang="en-US" b="0"/>
+              <a:t>，并返回一个</a:t>
+            </a:r>
+            <a:r>
+              <a:rPr lang="en-US" altLang="zh-CN" b="0" err="1"/>
+              <a:t>boolean</a:t>
+            </a:r>
+            <a:r>
+              <a:rPr lang="zh-CN" altLang="en-US" b="0"/>
+              <a:t>。</a:t>
             </a:r>
             <a:br>
               <a:rPr lang="zh-CN" altLang="en-US" b="0"/>
             </a:br>
             <a:r>
               <a:rPr lang="en-US" altLang="zh-CN" b="0"/>
-              <a:t>Comparator</a:t>
+              <a:t> </a:t>
             </a:r>
             <a:r>
               <a:rPr lang="zh-CN" altLang="en-US" b="0"/>
-              <a:t>对象：</a:t>
-            </a:r>
-            <a:br>
+              <a:t>最后， </a:t>
+            </a:r>
+            <a:r>
+              <a:rPr lang="en-US" altLang="zh-CN" b="0"/>
+              <a:t>filter</a:t>
+            </a:r>
+            <a:r>
               <a:rPr lang="zh-CN" altLang="en-US" b="0"/>
-            </a:br>
-            <a:r>
-              <a:rPr lang="en-US" altLang="zh-CN" b="0"/>
-              <a:t>Comparator&lt;Apple&gt; c =</a:t>
-            </a:r>
-            <a:br>
-              <a:rPr lang="en-US" altLang="zh-CN" b="0"/>
-            </a:br>
-            <a:r>
-              <a:rPr lang="en-US" altLang="zh-CN" b="0"/>
-              <a:t>(Apple a1, Apple a2) -&gt; a1.getWeight().</a:t>
-            </a:r>
-            <a:r>
-              <a:rPr lang="en-US" altLang="zh-CN" b="0" err="1"/>
-              <a:t>compareTo</a:t>
-            </a:r>
-            <a:r>
-              <a:rPr lang="en-US" altLang="zh-CN" b="0"/>
-              <a:t>(a2.getWeight());</a:t>
-            </a:r>
-            <a:br>
-              <a:rPr lang="en-US" altLang="zh-CN" b="0"/>
-            </a:br>
-            <a:r>
-              <a:rPr lang="en-US" altLang="zh-CN" b="0"/>
-              <a:t>Comparator&lt;Apple&gt; c =</a:t>
-            </a:r>
-            <a:br>
-              <a:rPr lang="en-US" altLang="zh-CN" b="0"/>
-            </a:br>
-            <a:r>
-              <a:rPr lang="en-US" altLang="zh-CN" b="0"/>
-              <a:t>(a1, a2) -&gt; a1.getWeight().</a:t>
-            </a:r>
-            <a:r>
-              <a:rPr lang="en-US" altLang="zh-CN" b="0" err="1"/>
-              <a:t>compareTo</a:t>
-            </a:r>
-            <a:r>
-              <a:rPr lang="en-US" altLang="zh-CN" b="0"/>
-              <a:t>(a2.getWeight());</a:t>
-            </a:r>
-            <a:r>
-              <a:rPr lang="en-US" altLang="zh-CN"/>
-              <a:t> </a:t>
-            </a:r>
-            <a:endParaRPr lang="en-US" altLang="zh-CN" smtClean="0"/>
-          </a:p>
-          <a:p>
-            <a:endParaRPr lang="en-US" altLang="zh-CN"/>
-          </a:p>
-          <a:p>
-            <a:r>
-              <a:rPr lang="en-US" altLang="zh-CN"/>
-              <a:t/>
-            </a:r>
-            <a:br>
-              <a:rPr lang="en-US" altLang="zh-CN"/>
-            </a:br>
-            <a:r>
-              <a:rPr lang="zh-CN" altLang="en-US" b="0"/>
-              <a:t>请注意，当</a:t>
-            </a:r>
-            <a:r>
-              <a:rPr lang="en-US" altLang="zh-CN" b="0"/>
-              <a:t>Lambda</a:t>
-            </a:r>
-            <a:r>
-              <a:rPr lang="zh-CN" altLang="en-US" b="0"/>
-              <a:t>仅有一个类型需要推断的参数时，参数名称两边的括号也可以省略。</a:t>
+              <a:t>的任何实际参数都必须匹配这个要求。</a:t>
             </a:r>
             <a:r>
               <a:rPr lang="zh-CN" altLang="en-US"/>
@@ -8704,8 +8621,8 @@
         </p:nvSpPr>
         <p:spPr>
           <a:xfrm>
-            <a:off x="2286000" y="1720840"/>
-            <a:ext cx="4572000" cy="3416320"/>
+            <a:off x="1547664" y="692696"/>
+            <a:ext cx="4572000" cy="2585323"/>
           </a:xfrm>
           <a:prstGeom prst="rect">
             <a:avLst/>
@@ -8719,7 +8636,7 @@
           <a:p>
             <a:r>
               <a:rPr lang="zh-CN" altLang="en-US" b="0"/>
-              <a:t>我们迄今为止所介绍的所有</a:t>
+              <a:t>如果一个</a:t>
             </a:r>
             <a:r>
               <a:rPr lang="en-US" altLang="zh-CN" b="0"/>
@@ -8727,95 +8644,166 @@
             </a:r>
             <a:r>
               <a:rPr lang="zh-CN" altLang="en-US" b="0"/>
-              <a:t>表达式都只用到了其主体里面的参数。但</a:t>
+              <a:t>的主体是一个语句表达式， 它就和一个返回</a:t>
             </a:r>
             <a:r>
               <a:rPr lang="en-US" altLang="zh-CN" b="0"/>
-              <a:t>Lambda</a:t>
+              <a:t>void</a:t>
             </a:r>
             <a:r>
               <a:rPr lang="zh-CN" altLang="en-US" b="0"/>
-              <a:t>表达式</a:t>
+              <a:t>的函数描述符兼容（当</a:t>
             </a:r>
             <a:br>
               <a:rPr lang="zh-CN" altLang="en-US" b="0"/>
             </a:br>
             <a:r>
               <a:rPr lang="zh-CN" altLang="en-US" b="0"/>
-              <a:t>也允许使用自由变量（不是参数，而是在外层作用域中定义的变量），就像匿名类一样。 它们被</a:t>
+              <a:t>然需要参数列表也兼容）。例如，以下两行都是合法的，尽管</a:t>
+            </a:r>
+            <a:r>
+              <a:rPr lang="en-US" altLang="zh-CN" b="0"/>
+              <a:t>List</a:t>
+            </a:r>
+            <a:r>
+              <a:rPr lang="zh-CN" altLang="en-US" b="0"/>
+              <a:t>的</a:t>
+            </a:r>
+            <a:r>
+              <a:rPr lang="en-US" altLang="zh-CN" b="0"/>
+              <a:t>add</a:t>
+            </a:r>
+            <a:r>
+              <a:rPr lang="zh-CN" altLang="en-US" b="0"/>
+              <a:t>方法返回了一个</a:t>
             </a:r>
             <a:br>
               <a:rPr lang="zh-CN" altLang="en-US" b="0"/>
             </a:br>
             <a:r>
+              <a:rPr lang="en-US" altLang="zh-CN" b="0" err="1"/>
+              <a:t>boolean</a:t>
+            </a:r>
+            <a:r>
               <a:rPr lang="zh-CN" altLang="en-US" b="0"/>
-              <a:t>称作捕获</a:t>
+              <a:t>，而不是</a:t>
             </a:r>
             <a:r>
               <a:rPr lang="en-US" altLang="zh-CN" b="0"/>
-              <a:t>Lambda</a:t>
+              <a:t>Consumer</a:t>
             </a:r>
             <a:r>
               <a:rPr lang="zh-CN" altLang="en-US" b="0"/>
-              <a:t>。例如，下面的</a:t>
+              <a:t>上下文（</a:t>
             </a:r>
             <a:r>
               <a:rPr lang="en-US" altLang="zh-CN" b="0"/>
-              <a:t>Lambda</a:t>
+              <a:t>T -&gt; void</a:t>
             </a:r>
             <a:r>
               <a:rPr lang="zh-CN" altLang="en-US" b="0"/>
-              <a:t>捕获了</a:t>
+              <a:t>）所要求的</a:t>
+            </a:r>
+            <a:r>
+              <a:rPr lang="en-US" altLang="zh-CN" b="0"/>
+              <a:t>void</a:t>
+            </a:r>
+            <a:r>
+              <a:rPr lang="zh-CN" altLang="en-US" b="0"/>
+              <a:t>：</a:t>
+            </a:r>
+            <a:r>
+              <a:rPr lang="zh-CN" altLang="en-US"/>
+              <a:t> </a:t>
+            </a:r>
+            <a:br>
+              <a:rPr lang="zh-CN" altLang="en-US"/>
+            </a:br>
+            <a:endParaRPr lang="zh-CN" altLang="en-US"/>
+          </a:p>
+        </p:txBody>
+      </p:sp>
+      <p:sp>
+        <p:nvSpPr>
+          <p:cNvPr id="3" name="矩形 2"/>
+          <p:cNvSpPr/>
+          <p:nvPr/>
+        </p:nvSpPr>
+        <p:spPr>
+          <a:xfrm>
+            <a:off x="1403648" y="4221088"/>
+            <a:ext cx="4572000" cy="1477328"/>
+          </a:xfrm>
+          <a:prstGeom prst="rect">
+            <a:avLst/>
+          </a:prstGeom>
+        </p:spPr>
+        <p:txBody>
+          <a:bodyPr>
+            <a:spAutoFit/>
+          </a:bodyPr>
+          <a:lstStyle/>
+          <a:p>
+            <a:r>
+              <a:rPr lang="en-US" altLang="zh-CN" b="0"/>
+              <a:t>// Predicate</a:t>
+            </a:r>
+            <a:r>
+              <a:rPr lang="zh-CN" altLang="en-US" b="0"/>
+              <a:t>返回了一个</a:t>
             </a:r>
             <a:r>
               <a:rPr lang="en-US" altLang="zh-CN" b="0" err="1"/>
-              <a:t>portNumber</a:t>
-            </a:r>
-            <a:r>
-              <a:rPr lang="zh-CN" altLang="en-US" b="0"/>
-              <a:t>变量：</a:t>
-            </a:r>
-            <a:br>
-              <a:rPr lang="zh-CN" altLang="en-US" b="0"/>
-            </a:br>
-            <a:r>
-              <a:rPr lang="en-US" altLang="zh-CN" b="0" err="1"/>
-              <a:t>int</a:t>
+              <a:t>boolean</a:t>
             </a:r>
             <a:r>
               <a:rPr lang="en-US" altLang="zh-CN" b="0"/>
-              <a:t> </a:t>
-            </a:r>
-            <a:r>
-              <a:rPr lang="en-US" altLang="zh-CN" b="0" err="1"/>
-              <a:t>portNumber</a:t>
-            </a:r>
-            <a:r>
-              <a:rPr lang="en-US" altLang="zh-CN" b="0"/>
-              <a:t> = 1337;</a:t>
+              <a:t/>
             </a:r>
             <a:br>
               <a:rPr lang="en-US" altLang="zh-CN" b="0"/>
             </a:br>
             <a:r>
               <a:rPr lang="en-US" altLang="zh-CN" b="0"/>
-              <a:t>Runnable r = () -&gt; </a:t>
+              <a:t>Predicate&lt;String&gt; p = s -&gt; </a:t>
             </a:r>
             <a:r>
               <a:rPr lang="en-US" altLang="zh-CN" b="0" err="1"/>
-              <a:t>System.out.println</a:t>
+              <a:t>list.add</a:t>
             </a:r>
             <a:r>
               <a:rPr lang="en-US" altLang="zh-CN" b="0"/>
-              <a:t>(</a:t>
+              <a:t>(s);</a:t>
+            </a:r>
+            <a:br>
+              <a:rPr lang="en-US" altLang="zh-CN" b="0"/>
+            </a:br>
+            <a:r>
+              <a:rPr lang="en-US" altLang="zh-CN" b="0"/>
+              <a:t>// Consumer</a:t>
+            </a:r>
+            <a:r>
+              <a:rPr lang="zh-CN" altLang="en-US" b="0"/>
+              <a:t>返回了一个</a:t>
+            </a:r>
+            <a:r>
+              <a:rPr lang="en-US" altLang="zh-CN" b="0"/>
+              <a:t>void</a:t>
+            </a:r>
+            <a:br>
+              <a:rPr lang="en-US" altLang="zh-CN" b="0"/>
+            </a:br>
+            <a:r>
+              <a:rPr lang="en-US" altLang="zh-CN" b="0"/>
+              <a:t>Consumer&lt;String&gt; b = s -&gt; </a:t>
             </a:r>
             <a:r>
               <a:rPr lang="en-US" altLang="zh-CN" b="0" err="1"/>
-              <a:t>portNumber</a:t>
+              <a:t>list.add</a:t>
             </a:r>
             <a:r>
               <a:rPr lang="en-US" altLang="zh-CN" b="0"/>
-              <a:t>);</a:t>
+              <a:t>(s);</a:t>
             </a:r>
             <a:r>
               <a:rPr lang="en-US" altLang="zh-CN"/>
@@ -8866,29 +8854,230 @@
         </p:nvSpPr>
         <p:spPr>
           <a:xfrm>
-            <a:off x="2286000" y="2828836"/>
-            <a:ext cx="4572000" cy="1200329"/>
+            <a:off x="971600" y="764704"/>
+            <a:ext cx="7848872" cy="2862322"/>
           </a:xfrm>
           <a:prstGeom prst="rect">
             <a:avLst/>
           </a:prstGeom>
         </p:spPr>
         <p:txBody>
-          <a:bodyPr>
+          <a:bodyPr wrap="square">
             <a:spAutoFit/>
           </a:bodyPr>
           <a:lstStyle/>
           <a:p>
             <a:r>
               <a:rPr lang="zh-CN" altLang="en-US" b="0"/>
-              <a:t>一个好处是，你的代码现在读起来更接近问题的陈述了。方法不</a:t>
+              <a:t>你还可以进一步简化你的代码。 </a:t>
+            </a:r>
+            <a:r>
+              <a:rPr lang="en-US" altLang="zh-CN" b="0"/>
+              <a:t>Java</a:t>
+            </a:r>
+            <a:r>
+              <a:rPr lang="zh-CN" altLang="en-US" b="0"/>
+              <a:t>编译器会从上下文（目标类型）推断出用什么函数式接</a:t>
             </a:r>
             <a:br>
               <a:rPr lang="zh-CN" altLang="en-US" b="0"/>
             </a:br>
             <a:r>
               <a:rPr lang="zh-CN" altLang="en-US" b="0"/>
-              <a:t>再是二等值了</a:t>
+              <a:t>口来配合</a:t>
+            </a:r>
+            <a:r>
+              <a:rPr lang="en-US" altLang="zh-CN" b="0"/>
+              <a:t>Lambda</a:t>
+            </a:r>
+            <a:r>
+              <a:rPr lang="zh-CN" altLang="en-US" b="0"/>
+              <a:t>表达式，这意味着它也可以推断出适合</a:t>
+            </a:r>
+            <a:r>
+              <a:rPr lang="en-US" altLang="zh-CN" b="0"/>
+              <a:t>Lambda</a:t>
+            </a:r>
+            <a:r>
+              <a:rPr lang="zh-CN" altLang="en-US" b="0"/>
+              <a:t>的签名，因为函数描述符可以通</a:t>
+            </a:r>
+            <a:br>
+              <a:rPr lang="zh-CN" altLang="en-US" b="0"/>
+            </a:br>
+            <a:r>
+              <a:rPr lang="zh-CN" altLang="en-US" b="0"/>
+              <a:t>过目标类型来得到。这样做的好处在于，编译器可以了解</a:t>
+            </a:r>
+            <a:r>
+              <a:rPr lang="en-US" altLang="zh-CN" b="0"/>
+              <a:t>Lambda</a:t>
+            </a:r>
+            <a:r>
+              <a:rPr lang="zh-CN" altLang="en-US" b="0"/>
+              <a:t>表达式的参数类型，这样就可</a:t>
+            </a:r>
+            <a:br>
+              <a:rPr lang="zh-CN" altLang="en-US" b="0"/>
+            </a:br>
+            <a:r>
+              <a:rPr lang="zh-CN" altLang="en-US" b="0"/>
+              <a:t>以在</a:t>
+            </a:r>
+            <a:r>
+              <a:rPr lang="en-US" altLang="zh-CN" b="0"/>
+              <a:t>Lambda</a:t>
+            </a:r>
+            <a:r>
+              <a:rPr lang="zh-CN" altLang="en-US" b="0"/>
+              <a:t>语法中省去标注参数类型。换句话说， </a:t>
+            </a:r>
+            <a:r>
+              <a:rPr lang="en-US" altLang="zh-CN" b="0"/>
+              <a:t>Java</a:t>
+            </a:r>
+            <a:r>
+              <a:rPr lang="zh-CN" altLang="en-US" b="0"/>
+              <a:t>编译器会像下面这样推断</a:t>
+            </a:r>
+            <a:r>
+              <a:rPr lang="en-US" altLang="zh-CN" b="0"/>
+              <a:t>Lambda</a:t>
+            </a:r>
+            <a:r>
+              <a:rPr lang="zh-CN" altLang="en-US" b="0"/>
+              <a:t>的参数</a:t>
+            </a:r>
+            <a:br>
+              <a:rPr lang="zh-CN" altLang="en-US" b="0"/>
+            </a:br>
+            <a:r>
+              <a:rPr lang="zh-CN" altLang="en-US" b="0"/>
+              <a:t>类型： </a:t>
+            </a:r>
+            <a:r>
+              <a:rPr lang="zh-CN" altLang="en-US"/>
+              <a:t/>
+            </a:r>
+            <a:br>
+              <a:rPr lang="zh-CN" altLang="en-US"/>
+            </a:br>
+            <a:endParaRPr lang="zh-CN" altLang="en-US"/>
+          </a:p>
+        </p:txBody>
+      </p:sp>
+      <p:sp>
+        <p:nvSpPr>
+          <p:cNvPr id="3" name="矩形 2"/>
+          <p:cNvSpPr/>
+          <p:nvPr/>
+        </p:nvSpPr>
+        <p:spPr>
+          <a:xfrm>
+            <a:off x="179512" y="3789040"/>
+            <a:ext cx="8784976" cy="3416320"/>
+          </a:xfrm>
+          <a:prstGeom prst="rect">
+            <a:avLst/>
+          </a:prstGeom>
+        </p:spPr>
+        <p:txBody>
+          <a:bodyPr wrap="square">
+            <a:spAutoFit/>
+          </a:bodyPr>
+          <a:lstStyle/>
+          <a:p>
+            <a:r>
+              <a:rPr lang="en-US" altLang="zh-CN" b="0"/>
+              <a:t>Lambda</a:t>
+            </a:r>
+            <a:r>
+              <a:rPr lang="zh-CN" altLang="en-US" b="0"/>
+              <a:t>表达式有多个参数，代码可读性的好处就更为明显。例如，你可以这样来创建一个</a:t>
+            </a:r>
+            <a:br>
+              <a:rPr lang="zh-CN" altLang="en-US" b="0"/>
+            </a:br>
+            <a:r>
+              <a:rPr lang="en-US" altLang="zh-CN" b="0"/>
+              <a:t>Comparator</a:t>
+            </a:r>
+            <a:r>
+              <a:rPr lang="zh-CN" altLang="en-US" b="0"/>
+              <a:t>对象：</a:t>
+            </a:r>
+            <a:br>
+              <a:rPr lang="zh-CN" altLang="en-US" b="0"/>
+            </a:br>
+            <a:r>
+              <a:rPr lang="en-US" altLang="zh-CN" b="0"/>
+              <a:t>Comparator&lt;Apple&gt; c =</a:t>
+            </a:r>
+            <a:br>
+              <a:rPr lang="en-US" altLang="zh-CN" b="0"/>
+            </a:br>
+            <a:r>
+              <a:rPr lang="en-US" altLang="zh-CN" b="0"/>
+              <a:t>(Apple a1, Apple a2) -&gt; a1.getWeight().</a:t>
+            </a:r>
+            <a:r>
+              <a:rPr lang="en-US" altLang="zh-CN" b="0" err="1"/>
+              <a:t>compareTo</a:t>
+            </a:r>
+            <a:r>
+              <a:rPr lang="en-US" altLang="zh-CN" b="0"/>
+              <a:t>(a2.getWeight());</a:t>
+            </a:r>
+            <a:br>
+              <a:rPr lang="en-US" altLang="zh-CN" b="0"/>
+            </a:br>
+            <a:r>
+              <a:rPr lang="en-US" altLang="zh-CN" b="0"/>
+              <a:t>Comparator&lt;Apple&gt; c =</a:t>
+            </a:r>
+            <a:br>
+              <a:rPr lang="en-US" altLang="zh-CN" b="0"/>
+            </a:br>
+            <a:r>
+              <a:rPr lang="en-US" altLang="zh-CN" b="0"/>
+              <a:t>(a1, a2) -&gt; a1.getWeight().</a:t>
+            </a:r>
+            <a:r>
+              <a:rPr lang="en-US" altLang="zh-CN" b="0" err="1"/>
+              <a:t>compareTo</a:t>
+            </a:r>
+            <a:r>
+              <a:rPr lang="en-US" altLang="zh-CN" b="0"/>
+              <a:t>(a2.getWeight());</a:t>
+            </a:r>
+            <a:r>
+              <a:rPr lang="en-US" altLang="zh-CN"/>
+              <a:t> </a:t>
+            </a:r>
+            <a:endParaRPr lang="en-US" altLang="zh-CN" smtClean="0"/>
+          </a:p>
+          <a:p>
+            <a:endParaRPr lang="en-US" altLang="zh-CN"/>
+          </a:p>
+          <a:p>
+            <a:r>
+              <a:rPr lang="en-US" altLang="zh-CN"/>
+              <a:t/>
+            </a:r>
+            <a:br>
+              <a:rPr lang="en-US" altLang="zh-CN"/>
+            </a:br>
+            <a:r>
+              <a:rPr lang="zh-CN" altLang="en-US" b="0"/>
+              <a:t>请注意，当</a:t>
+            </a:r>
+            <a:r>
+              <a:rPr lang="en-US" altLang="zh-CN" b="0"/>
+              <a:t>Lambda</a:t>
+            </a:r>
+            <a:r>
+              <a:rPr lang="zh-CN" altLang="en-US" b="0"/>
+              <a:t>仅有一个类型需要推断的参数时，参数名称两边的括号也可以省略。</a:t>
             </a:r>
             <a:r>
               <a:rPr lang="zh-CN" altLang="en-US"/>
@@ -8915,6 +9104,241 @@
 </file>
 
 <file path=ppt/slides/slide15.xml><?xml version="1.0" encoding="utf-8"?>
+<p:sld xmlns:a="http://schemas.openxmlformats.org/drawingml/2006/main" xmlns:r="http://schemas.openxmlformats.org/officeDocument/2006/relationships" xmlns:p="http://schemas.openxmlformats.org/presentationml/2006/main">
+  <p:cSld>
+    <p:spTree>
+      <p:nvGrpSpPr>
+        <p:cNvPr id="1" name=""/>
+        <p:cNvGrpSpPr/>
+        <p:nvPr/>
+      </p:nvGrpSpPr>
+      <p:grpSpPr>
+        <a:xfrm>
+          <a:off x="0" y="0"/>
+          <a:ext cx="0" cy="0"/>
+          <a:chOff x="0" y="0"/>
+          <a:chExt cx="0" cy="0"/>
+        </a:xfrm>
+      </p:grpSpPr>
+      <p:sp>
+        <p:nvSpPr>
+          <p:cNvPr id="2" name="矩形 1"/>
+          <p:cNvSpPr/>
+          <p:nvPr/>
+        </p:nvSpPr>
+        <p:spPr>
+          <a:xfrm>
+            <a:off x="2286000" y="1720840"/>
+            <a:ext cx="4572000" cy="3416320"/>
+          </a:xfrm>
+          <a:prstGeom prst="rect">
+            <a:avLst/>
+          </a:prstGeom>
+        </p:spPr>
+        <p:txBody>
+          <a:bodyPr>
+            <a:spAutoFit/>
+          </a:bodyPr>
+          <a:lstStyle/>
+          <a:p>
+            <a:r>
+              <a:rPr lang="zh-CN" altLang="en-US" b="0"/>
+              <a:t>我们迄今为止所介绍的所有</a:t>
+            </a:r>
+            <a:r>
+              <a:rPr lang="en-US" altLang="zh-CN" b="0"/>
+              <a:t>Lambda</a:t>
+            </a:r>
+            <a:r>
+              <a:rPr lang="zh-CN" altLang="en-US" b="0"/>
+              <a:t>表达式都只用到了其主体里面的参数。但</a:t>
+            </a:r>
+            <a:r>
+              <a:rPr lang="en-US" altLang="zh-CN" b="0"/>
+              <a:t>Lambda</a:t>
+            </a:r>
+            <a:r>
+              <a:rPr lang="zh-CN" altLang="en-US" b="0"/>
+              <a:t>表达式</a:t>
+            </a:r>
+            <a:br>
+              <a:rPr lang="zh-CN" altLang="en-US" b="0"/>
+            </a:br>
+            <a:r>
+              <a:rPr lang="zh-CN" altLang="en-US" b="0"/>
+              <a:t>也允许使用自由变量（不是参数，而是在外层作用域中定义的变量），就像匿名类一样。 它们被</a:t>
+            </a:r>
+            <a:br>
+              <a:rPr lang="zh-CN" altLang="en-US" b="0"/>
+            </a:br>
+            <a:r>
+              <a:rPr lang="zh-CN" altLang="en-US" b="0"/>
+              <a:t>称作捕获</a:t>
+            </a:r>
+            <a:r>
+              <a:rPr lang="en-US" altLang="zh-CN" b="0"/>
+              <a:t>Lambda</a:t>
+            </a:r>
+            <a:r>
+              <a:rPr lang="zh-CN" altLang="en-US" b="0"/>
+              <a:t>。例如，下面的</a:t>
+            </a:r>
+            <a:r>
+              <a:rPr lang="en-US" altLang="zh-CN" b="0"/>
+              <a:t>Lambda</a:t>
+            </a:r>
+            <a:r>
+              <a:rPr lang="zh-CN" altLang="en-US" b="0"/>
+              <a:t>捕获了</a:t>
+            </a:r>
+            <a:r>
+              <a:rPr lang="en-US" altLang="zh-CN" b="0" err="1"/>
+              <a:t>portNumber</a:t>
+            </a:r>
+            <a:r>
+              <a:rPr lang="zh-CN" altLang="en-US" b="0"/>
+              <a:t>变量：</a:t>
+            </a:r>
+            <a:br>
+              <a:rPr lang="zh-CN" altLang="en-US" b="0"/>
+            </a:br>
+            <a:r>
+              <a:rPr lang="en-US" altLang="zh-CN" b="0" err="1"/>
+              <a:t>int</a:t>
+            </a:r>
+            <a:r>
+              <a:rPr lang="en-US" altLang="zh-CN" b="0"/>
+              <a:t> </a:t>
+            </a:r>
+            <a:r>
+              <a:rPr lang="en-US" altLang="zh-CN" b="0" err="1"/>
+              <a:t>portNumber</a:t>
+            </a:r>
+            <a:r>
+              <a:rPr lang="en-US" altLang="zh-CN" b="0"/>
+              <a:t> = 1337;</a:t>
+            </a:r>
+            <a:br>
+              <a:rPr lang="en-US" altLang="zh-CN" b="0"/>
+            </a:br>
+            <a:r>
+              <a:rPr lang="en-US" altLang="zh-CN" b="0"/>
+              <a:t>Runnable r = () -&gt; </a:t>
+            </a:r>
+            <a:r>
+              <a:rPr lang="en-US" altLang="zh-CN" b="0" err="1"/>
+              <a:t>System.out.println</a:t>
+            </a:r>
+            <a:r>
+              <a:rPr lang="en-US" altLang="zh-CN" b="0"/>
+              <a:t>(</a:t>
+            </a:r>
+            <a:r>
+              <a:rPr lang="en-US" altLang="zh-CN" b="0" err="1"/>
+              <a:t>portNumber</a:t>
+            </a:r>
+            <a:r>
+              <a:rPr lang="en-US" altLang="zh-CN" b="0"/>
+              <a:t>);</a:t>
+            </a:r>
+            <a:r>
+              <a:rPr lang="en-US" altLang="zh-CN"/>
+              <a:t> </a:t>
+            </a:r>
+            <a:br>
+              <a:rPr lang="en-US" altLang="zh-CN"/>
+            </a:br>
+            <a:endParaRPr lang="zh-CN" altLang="en-US"/>
+          </a:p>
+        </p:txBody>
+      </p:sp>
+    </p:spTree>
+    <p:extLst>
+      <p:ext uri="{BB962C8B-B14F-4D97-AF65-F5344CB8AC3E}">
+        <p14:creationId xmlns:p14="http://schemas.microsoft.com/office/powerpoint/2010/main" val="4219819415"/>
+      </p:ext>
+    </p:extLst>
+  </p:cSld>
+  <p:clrMapOvr>
+    <a:masterClrMapping/>
+  </p:clrMapOvr>
+</p:sld>
+</file>
+
+<file path=ppt/slides/slide16.xml><?xml version="1.0" encoding="utf-8"?>
+<p:sld xmlns:a="http://schemas.openxmlformats.org/drawingml/2006/main" xmlns:r="http://schemas.openxmlformats.org/officeDocument/2006/relationships" xmlns:p="http://schemas.openxmlformats.org/presentationml/2006/main">
+  <p:cSld>
+    <p:spTree>
+      <p:nvGrpSpPr>
+        <p:cNvPr id="1" name=""/>
+        <p:cNvGrpSpPr/>
+        <p:nvPr/>
+      </p:nvGrpSpPr>
+      <p:grpSpPr>
+        <a:xfrm>
+          <a:off x="0" y="0"/>
+          <a:ext cx="0" cy="0"/>
+          <a:chOff x="0" y="0"/>
+          <a:chExt cx="0" cy="0"/>
+        </a:xfrm>
+      </p:grpSpPr>
+      <p:sp>
+        <p:nvSpPr>
+          <p:cNvPr id="2" name="矩形 1"/>
+          <p:cNvSpPr/>
+          <p:nvPr/>
+        </p:nvSpPr>
+        <p:spPr>
+          <a:xfrm>
+            <a:off x="2286000" y="2828836"/>
+            <a:ext cx="4572000" cy="1200329"/>
+          </a:xfrm>
+          <a:prstGeom prst="rect">
+            <a:avLst/>
+          </a:prstGeom>
+        </p:spPr>
+        <p:txBody>
+          <a:bodyPr>
+            <a:spAutoFit/>
+          </a:bodyPr>
+          <a:lstStyle/>
+          <a:p>
+            <a:r>
+              <a:rPr lang="zh-CN" altLang="en-US" b="0"/>
+              <a:t>一个好处是，你的代码现在读起来更接近问题的陈述了。方法不</a:t>
+            </a:r>
+            <a:br>
+              <a:rPr lang="zh-CN" altLang="en-US" b="0"/>
+            </a:br>
+            <a:r>
+              <a:rPr lang="zh-CN" altLang="en-US" b="0"/>
+              <a:t>再是二等值了</a:t>
+            </a:r>
+            <a:r>
+              <a:rPr lang="zh-CN" altLang="en-US"/>
+              <a:t> </a:t>
+            </a:r>
+            <a:br>
+              <a:rPr lang="zh-CN" altLang="en-US"/>
+            </a:br>
+            <a:endParaRPr lang="zh-CN" altLang="en-US"/>
+          </a:p>
+        </p:txBody>
+      </p:sp>
+    </p:spTree>
+    <p:extLst>
+      <p:ext uri="{BB962C8B-B14F-4D97-AF65-F5344CB8AC3E}">
+        <p14:creationId xmlns:p14="http://schemas.microsoft.com/office/powerpoint/2010/main" val="4219819415"/>
+      </p:ext>
+    </p:extLst>
+  </p:cSld>
+  <p:clrMapOvr>
+    <a:masterClrMapping/>
+  </p:clrMapOvr>
+</p:sld>
+</file>
+
+<file path=ppt/slides/slide17.xml><?xml version="1.0" encoding="utf-8"?>
 <p:sld xmlns:a="http://schemas.openxmlformats.org/drawingml/2006/main" xmlns:r="http://schemas.openxmlformats.org/officeDocument/2006/relationships" xmlns:p="http://schemas.openxmlformats.org/presentationml/2006/main">
   <p:cSld>
     <p:spTree>
@@ -9124,7 +9548,7 @@
 </p:sld>
 </file>
 
-<file path=ppt/slides/slide16.xml><?xml version="1.0" encoding="utf-8"?>
+<file path=ppt/slides/slide18.xml><?xml version="1.0" encoding="utf-8"?>
 <p:sld xmlns:a="http://schemas.openxmlformats.org/drawingml/2006/main" xmlns:r="http://schemas.openxmlformats.org/officeDocument/2006/relationships" xmlns:p="http://schemas.openxmlformats.org/presentationml/2006/main">
   <p:cSld>
     <p:spTree>
@@ -9298,7 +9722,7 @@
 </p:sld>
 </file>
 
-<file path=ppt/slides/slide17.xml><?xml version="1.0" encoding="utf-8"?>
+<file path=ppt/slides/slide19.xml><?xml version="1.0" encoding="utf-8"?>
 <p:sld xmlns:a="http://schemas.openxmlformats.org/drawingml/2006/main" xmlns:r="http://schemas.openxmlformats.org/officeDocument/2006/relationships" xmlns:p="http://schemas.openxmlformats.org/presentationml/2006/main">
   <p:cSld>
     <p:spTree>
@@ -9390,7 +9814,89 @@
 </p:sld>
 </file>
 
-<file path=ppt/slides/slide18.xml><?xml version="1.0" encoding="utf-8"?>
+<file path=ppt/slides/slide2.xml><?xml version="1.0" encoding="utf-8"?>
+<p:sld xmlns:a="http://schemas.openxmlformats.org/drawingml/2006/main" xmlns:r="http://schemas.openxmlformats.org/officeDocument/2006/relationships" xmlns:p="http://schemas.openxmlformats.org/presentationml/2006/main">
+  <p:cSld>
+    <p:spTree>
+      <p:nvGrpSpPr>
+        <p:cNvPr id="1" name=""/>
+        <p:cNvGrpSpPr/>
+        <p:nvPr/>
+      </p:nvGrpSpPr>
+      <p:grpSpPr>
+        <a:xfrm>
+          <a:off x="0" y="0"/>
+          <a:ext cx="0" cy="0"/>
+          <a:chOff x="0" y="0"/>
+          <a:chExt cx="0" cy="0"/>
+        </a:xfrm>
+      </p:grpSpPr>
+      <p:sp>
+        <p:nvSpPr>
+          <p:cNvPr id="2" name="标题 1"/>
+          <p:cNvSpPr>
+            <a:spLocks noGrp="1"/>
+          </p:cNvSpPr>
+          <p:nvPr>
+            <p:ph type="ctrTitle"/>
+          </p:nvPr>
+        </p:nvSpPr>
+        <p:spPr/>
+        <p:txBody>
+          <a:bodyPr/>
+          <a:lstStyle/>
+          <a:p>
+            <a:r>
+              <a:rPr lang="en-US" altLang="zh-CN"/>
+              <a:t>Java8</a:t>
+            </a:r>
+            <a:r>
+              <a:rPr lang="zh-CN" altLang="en-US"/>
+              <a:t>高级培训</a:t>
+            </a:r>
+            <a:endParaRPr lang="en-US" altLang="zh-CN"/>
+          </a:p>
+        </p:txBody>
+      </p:sp>
+      <p:sp>
+        <p:nvSpPr>
+          <p:cNvPr id="3" name="副标题 2"/>
+          <p:cNvSpPr>
+            <a:spLocks noGrp="1"/>
+          </p:cNvSpPr>
+          <p:nvPr>
+            <p:ph type="subTitle" idx="1"/>
+          </p:nvPr>
+        </p:nvSpPr>
+        <p:spPr/>
+        <p:txBody>
+          <a:bodyPr/>
+          <a:lstStyle/>
+          <a:p>
+            <a:r>
+              <a:rPr lang="zh-CN" altLang="en-US" smtClean="0"/>
+              <a:t>刘磊</a:t>
+            </a:r>
+            <a:endParaRPr lang="en-US" altLang="zh-CN" smtClean="0"/>
+          </a:p>
+          <a:p>
+            <a:r>
+              <a:rPr lang="en-US" altLang="zh-CN" smtClean="0"/>
+              <a:t>2017.12</a:t>
+            </a:r>
+            <a:endParaRPr lang="en-US" altLang="zh-CN"/>
+          </a:p>
+        </p:txBody>
+      </p:sp>
+    </p:spTree>
+  </p:cSld>
+  <p:clrMapOvr>
+    <a:masterClrMapping/>
+  </p:clrMapOvr>
+</p:sld>
+</file>
+
+<file path=ppt/slides/slide20.xml><?xml version="1.0" encoding="utf-8"?>
 <p:sld xmlns:a="http://schemas.openxmlformats.org/drawingml/2006/main" xmlns:r="http://schemas.openxmlformats.org/officeDocument/2006/relationships" xmlns:p="http://schemas.openxmlformats.org/presentationml/2006/main">
   <p:cSld>
     <p:spTree>
@@ -9484,7 +9990,7 @@
 </p:sld>
 </file>
 
-<file path=ppt/slides/slide19.xml><?xml version="1.0" encoding="utf-8"?>
+<file path=ppt/slides/slide21.xml><?xml version="1.0" encoding="utf-8"?>
 <p:sld xmlns:a="http://schemas.openxmlformats.org/drawingml/2006/main" xmlns:r="http://schemas.openxmlformats.org/officeDocument/2006/relationships" xmlns:p="http://schemas.openxmlformats.org/presentationml/2006/main">
   <p:cSld>
     <p:spTree>
@@ -9626,89 +10132,7 @@
 </p:sld>
 </file>
 
-<file path=ppt/slides/slide2.xml><?xml version="1.0" encoding="utf-8"?>
-<p:sld xmlns:a="http://schemas.openxmlformats.org/drawingml/2006/main" xmlns:r="http://schemas.openxmlformats.org/officeDocument/2006/relationships" xmlns:p="http://schemas.openxmlformats.org/presentationml/2006/main">
-  <p:cSld>
-    <p:spTree>
-      <p:nvGrpSpPr>
-        <p:cNvPr id="1" name=""/>
-        <p:cNvGrpSpPr/>
-        <p:nvPr/>
-      </p:nvGrpSpPr>
-      <p:grpSpPr>
-        <a:xfrm>
-          <a:off x="0" y="0"/>
-          <a:ext cx="0" cy="0"/>
-          <a:chOff x="0" y="0"/>
-          <a:chExt cx="0" cy="0"/>
-        </a:xfrm>
-      </p:grpSpPr>
-      <p:sp>
-        <p:nvSpPr>
-          <p:cNvPr id="2" name="标题 1"/>
-          <p:cNvSpPr>
-            <a:spLocks noGrp="1"/>
-          </p:cNvSpPr>
-          <p:nvPr>
-            <p:ph type="ctrTitle"/>
-          </p:nvPr>
-        </p:nvSpPr>
-        <p:spPr/>
-        <p:txBody>
-          <a:bodyPr/>
-          <a:lstStyle/>
-          <a:p>
-            <a:r>
-              <a:rPr lang="en-US" altLang="zh-CN"/>
-              <a:t>Java8</a:t>
-            </a:r>
-            <a:r>
-              <a:rPr lang="zh-CN" altLang="en-US"/>
-              <a:t>高级培训</a:t>
-            </a:r>
-            <a:endParaRPr lang="en-US" altLang="zh-CN"/>
-          </a:p>
-        </p:txBody>
-      </p:sp>
-      <p:sp>
-        <p:nvSpPr>
-          <p:cNvPr id="3" name="副标题 2"/>
-          <p:cNvSpPr>
-            <a:spLocks noGrp="1"/>
-          </p:cNvSpPr>
-          <p:nvPr>
-            <p:ph type="subTitle" idx="1"/>
-          </p:nvPr>
-        </p:nvSpPr>
-        <p:spPr/>
-        <p:txBody>
-          <a:bodyPr/>
-          <a:lstStyle/>
-          <a:p>
-            <a:r>
-              <a:rPr lang="zh-CN" altLang="en-US" smtClean="0"/>
-              <a:t>刘磊</a:t>
-            </a:r>
-            <a:endParaRPr lang="en-US" altLang="zh-CN" smtClean="0"/>
-          </a:p>
-          <a:p>
-            <a:r>
-              <a:rPr lang="en-US" altLang="zh-CN" smtClean="0"/>
-              <a:t>2017.12</a:t>
-            </a:r>
-            <a:endParaRPr lang="en-US" altLang="zh-CN"/>
-          </a:p>
-        </p:txBody>
-      </p:sp>
-    </p:spTree>
-  </p:cSld>
-  <p:clrMapOvr>
-    <a:masterClrMapping/>
-  </p:clrMapOvr>
-</p:sld>
-</file>
-
-<file path=ppt/slides/slide20.xml><?xml version="1.0" encoding="utf-8"?>
+<file path=ppt/slides/slide22.xml><?xml version="1.0" encoding="utf-8"?>
 <p:sld xmlns:a="http://schemas.openxmlformats.org/drawingml/2006/main" xmlns:r="http://schemas.openxmlformats.org/officeDocument/2006/relationships" xmlns:p="http://schemas.openxmlformats.org/presentationml/2006/main">
   <p:cSld>
     <p:spTree>
@@ -9805,66 +10229,6 @@
           </a:p>
         </p:txBody>
       </p:sp>
-    </p:spTree>
-    <p:extLst>
-      <p:ext uri="{BB962C8B-B14F-4D97-AF65-F5344CB8AC3E}">
-        <p14:creationId xmlns:p14="http://schemas.microsoft.com/office/powerpoint/2010/main" val="4219819415"/>
-      </p:ext>
-    </p:extLst>
-  </p:cSld>
-  <p:clrMapOvr>
-    <a:masterClrMapping/>
-  </p:clrMapOvr>
-</p:sld>
-</file>
-
-<file path=ppt/slides/slide21.xml><?xml version="1.0" encoding="utf-8"?>
-<p:sld xmlns:a="http://schemas.openxmlformats.org/drawingml/2006/main" xmlns:r="http://schemas.openxmlformats.org/officeDocument/2006/relationships" xmlns:p="http://schemas.openxmlformats.org/presentationml/2006/main">
-  <p:cSld>
-    <p:spTree>
-      <p:nvGrpSpPr>
-        <p:cNvPr id="1" name=""/>
-        <p:cNvGrpSpPr/>
-        <p:nvPr/>
-      </p:nvGrpSpPr>
-      <p:grpSpPr>
-        <a:xfrm>
-          <a:off x="0" y="0"/>
-          <a:ext cx="0" cy="0"/>
-          <a:chOff x="0" y="0"/>
-          <a:chExt cx="0" cy="0"/>
-        </a:xfrm>
-      </p:grpSpPr>
-    </p:spTree>
-    <p:extLst>
-      <p:ext uri="{BB962C8B-B14F-4D97-AF65-F5344CB8AC3E}">
-        <p14:creationId xmlns:p14="http://schemas.microsoft.com/office/powerpoint/2010/main" val="4219819415"/>
-      </p:ext>
-    </p:extLst>
-  </p:cSld>
-  <p:clrMapOvr>
-    <a:masterClrMapping/>
-  </p:clrMapOvr>
-</p:sld>
-</file>
-
-<file path=ppt/slides/slide22.xml><?xml version="1.0" encoding="utf-8"?>
-<p:sld xmlns:a="http://schemas.openxmlformats.org/drawingml/2006/main" xmlns:r="http://schemas.openxmlformats.org/officeDocument/2006/relationships" xmlns:p="http://schemas.openxmlformats.org/presentationml/2006/main">
-  <p:cSld>
-    <p:spTree>
-      <p:nvGrpSpPr>
-        <p:cNvPr id="1" name=""/>
-        <p:cNvGrpSpPr/>
-        <p:nvPr/>
-      </p:nvGrpSpPr>
-      <p:grpSpPr>
-        <a:xfrm>
-          <a:off x="0" y="0"/>
-          <a:ext cx="0" cy="0"/>
-          <a:chOff x="0" y="0"/>
-          <a:chExt cx="0" cy="0"/>
-        </a:xfrm>
-      </p:grpSpPr>
     </p:spTree>
     <p:extLst>
       <p:ext uri="{BB962C8B-B14F-4D97-AF65-F5344CB8AC3E}">
@@ -19080,41 +19444,114 @@
       </p:grpSpPr>
       <p:sp>
         <p:nvSpPr>
-          <p:cNvPr id="2" name="TextBox 1"/>
-          <p:cNvSpPr txBox="1"/>
+          <p:cNvPr id="4" name="矩形 3"/>
+          <p:cNvSpPr/>
           <p:nvPr/>
         </p:nvSpPr>
         <p:spPr>
           <a:xfrm>
-            <a:off x="2339752" y="1628800"/>
-            <a:ext cx="2156360" cy="369332"/>
+            <a:off x="2286000" y="2274838"/>
+            <a:ext cx="4572000" cy="2308324"/>
           </a:xfrm>
           <a:prstGeom prst="rect">
             <a:avLst/>
           </a:prstGeom>
-          <a:noFill/>
         </p:spPr>
         <p:txBody>
-          <a:bodyPr wrap="none" rtlCol="0">
+          <a:bodyPr>
             <a:spAutoFit/>
           </a:bodyPr>
           <a:lstStyle/>
           <a:p>
             <a:r>
-              <a:rPr lang="zh-CN" altLang="en-US" smtClean="0"/>
-              <a:t>为什么要存在</a:t>
-            </a:r>
-            <a:r>
-              <a:rPr lang="en-US" altLang="zh-CN" smtClean="0"/>
-              <a:t>java8</a:t>
-            </a:r>
+              <a:rPr lang="en-US" altLang="zh-CN" b="0"/>
+              <a:t>1. Lambda </a:t>
+            </a:r>
+            <a:r>
+              <a:rPr lang="zh-CN" altLang="en-US" b="0"/>
+              <a:t>表达式</a:t>
+            </a:r>
+            <a:br>
+              <a:rPr lang="zh-CN" altLang="en-US" b="0"/>
+            </a:br>
+            <a:r>
+              <a:rPr lang="en-US" altLang="zh-CN" b="0"/>
+              <a:t>2. </a:t>
+            </a:r>
+            <a:r>
+              <a:rPr lang="zh-CN" altLang="en-US" b="0"/>
+              <a:t>函数式接口</a:t>
+            </a:r>
+            <a:br>
+              <a:rPr lang="zh-CN" altLang="en-US" b="0"/>
+            </a:br>
+            <a:r>
+              <a:rPr lang="en-US" altLang="zh-CN" b="0"/>
+              <a:t>3. </a:t>
+            </a:r>
+            <a:r>
+              <a:rPr lang="zh-CN" altLang="en-US" b="0"/>
+              <a:t>方法引用与构造器引用</a:t>
+            </a:r>
+            <a:br>
+              <a:rPr lang="zh-CN" altLang="en-US" b="0"/>
+            </a:br>
+            <a:r>
+              <a:rPr lang="en-US" altLang="zh-CN" b="0"/>
+              <a:t>4. Stream API</a:t>
+            </a:r>
+            <a:br>
+              <a:rPr lang="en-US" altLang="zh-CN" b="0"/>
+            </a:br>
+            <a:r>
+              <a:rPr lang="en-US" altLang="zh-CN" b="0"/>
+              <a:t>5. </a:t>
+            </a:r>
+            <a:r>
+              <a:rPr lang="zh-CN" altLang="en-US" b="0"/>
+              <a:t>接口中的默认方法与静态方法</a:t>
+            </a:r>
+            <a:br>
+              <a:rPr lang="zh-CN" altLang="en-US" b="0"/>
+            </a:br>
+            <a:r>
+              <a:rPr lang="en-US" altLang="zh-CN" b="0"/>
+              <a:t>6. </a:t>
+            </a:r>
+            <a:r>
+              <a:rPr lang="zh-CN" altLang="en-US" b="0"/>
+              <a:t>新时间日期 </a:t>
+            </a:r>
+            <a:r>
+              <a:rPr lang="en-US" altLang="zh-CN" b="0"/>
+              <a:t>API</a:t>
+            </a:r>
+            <a:br>
+              <a:rPr lang="en-US" altLang="zh-CN" b="0"/>
+            </a:br>
+            <a:r>
+              <a:rPr lang="en-US" altLang="zh-CN" b="0"/>
+              <a:t>7. </a:t>
+            </a:r>
+            <a:r>
+              <a:rPr lang="zh-CN" altLang="en-US" b="0"/>
+              <a:t>其他新特性</a:t>
+            </a:r>
+            <a:r>
+              <a:rPr lang="zh-CN" altLang="en-US"/>
+              <a:t> </a:t>
+            </a:r>
+            <a:br>
+              <a:rPr lang="zh-CN" altLang="en-US"/>
+            </a:br>
+            <a:endParaRPr lang="zh-CN" altLang="en-US"/>
           </a:p>
         </p:txBody>
       </p:sp>
     </p:spTree>
     <p:extLst>
       <p:ext uri="{BB962C8B-B14F-4D97-AF65-F5344CB8AC3E}">
-        <p14:creationId xmlns:p14="http://schemas.microsoft.com/office/powerpoint/2010/main" val="4219819415"/>
+        <p14:creationId xmlns:p14="http://schemas.microsoft.com/office/powerpoint/2010/main" val="3851745551"/>
       </p:ext>
     </p:extLst>
   </p:cSld>
@@ -19274,7 +19711,287 @@
 </p:sld>
 </file>
 
+<file path=ppt/slides/slide45.xml><?xml version="1.0" encoding="utf-8"?>
+<p:sld xmlns:a="http://schemas.openxmlformats.org/drawingml/2006/main" xmlns:r="http://schemas.openxmlformats.org/officeDocument/2006/relationships" xmlns:p="http://schemas.openxmlformats.org/presentationml/2006/main">
+  <p:cSld>
+    <p:spTree>
+      <p:nvGrpSpPr>
+        <p:cNvPr id="1" name=""/>
+        <p:cNvGrpSpPr/>
+        <p:nvPr/>
+      </p:nvGrpSpPr>
+      <p:grpSpPr>
+        <a:xfrm>
+          <a:off x="0" y="0"/>
+          <a:ext cx="0" cy="0"/>
+          <a:chOff x="0" y="0"/>
+          <a:chExt cx="0" cy="0"/>
+        </a:xfrm>
+      </p:grpSpPr>
+    </p:spTree>
+    <p:extLst>
+      <p:ext uri="{BB962C8B-B14F-4D97-AF65-F5344CB8AC3E}">
+        <p14:creationId xmlns:p14="http://schemas.microsoft.com/office/powerpoint/2010/main" val="4219819415"/>
+      </p:ext>
+    </p:extLst>
+  </p:cSld>
+  <p:clrMapOvr>
+    <a:masterClrMapping/>
+  </p:clrMapOvr>
+</p:sld>
+</file>
+
+<file path=ppt/slides/slide46.xml><?xml version="1.0" encoding="utf-8"?>
+<p:sld xmlns:a="http://schemas.openxmlformats.org/drawingml/2006/main" xmlns:r="http://schemas.openxmlformats.org/officeDocument/2006/relationships" xmlns:p="http://schemas.openxmlformats.org/presentationml/2006/main">
+  <p:cSld>
+    <p:spTree>
+      <p:nvGrpSpPr>
+        <p:cNvPr id="1" name=""/>
+        <p:cNvGrpSpPr/>
+        <p:nvPr/>
+      </p:nvGrpSpPr>
+      <p:grpSpPr>
+        <a:xfrm>
+          <a:off x="0" y="0"/>
+          <a:ext cx="0" cy="0"/>
+          <a:chOff x="0" y="0"/>
+          <a:chExt cx="0" cy="0"/>
+        </a:xfrm>
+      </p:grpSpPr>
+    </p:spTree>
+    <p:extLst>
+      <p:ext uri="{BB962C8B-B14F-4D97-AF65-F5344CB8AC3E}">
+        <p14:creationId xmlns:p14="http://schemas.microsoft.com/office/powerpoint/2010/main" val="4219819415"/>
+      </p:ext>
+    </p:extLst>
+  </p:cSld>
+  <p:clrMapOvr>
+    <a:masterClrMapping/>
+  </p:clrMapOvr>
+</p:sld>
+</file>
+
 <file path=ppt/slides/slide5.xml><?xml version="1.0" encoding="utf-8"?>
+<p:sld xmlns:a="http://schemas.openxmlformats.org/drawingml/2006/main" xmlns:r="http://schemas.openxmlformats.org/officeDocument/2006/relationships" xmlns:p="http://schemas.openxmlformats.org/presentationml/2006/main">
+  <p:cSld>
+    <p:spTree>
+      <p:nvGrpSpPr>
+        <p:cNvPr id="1" name=""/>
+        <p:cNvGrpSpPr/>
+        <p:nvPr/>
+      </p:nvGrpSpPr>
+      <p:grpSpPr>
+        <a:xfrm>
+          <a:off x="0" y="0"/>
+          <a:ext cx="0" cy="0"/>
+          <a:chOff x="0" y="0"/>
+          <a:chExt cx="0" cy="0"/>
+        </a:xfrm>
+      </p:grpSpPr>
+      <p:sp>
+        <p:nvSpPr>
+          <p:cNvPr id="2" name="标题 1"/>
+          <p:cNvSpPr>
+            <a:spLocks noGrp="1"/>
+          </p:cNvSpPr>
+          <p:nvPr>
+            <p:ph type="title"/>
+          </p:nvPr>
+        </p:nvSpPr>
+        <p:spPr/>
+        <p:txBody>
+          <a:bodyPr/>
+          <a:lstStyle/>
+          <a:p>
+            <a:endParaRPr lang="zh-CN" altLang="en-US"/>
+          </a:p>
+        </p:txBody>
+      </p:sp>
+      <p:sp>
+        <p:nvSpPr>
+          <p:cNvPr id="3" name="内容占位符 2"/>
+          <p:cNvSpPr>
+            <a:spLocks noGrp="1"/>
+          </p:cNvSpPr>
+          <p:nvPr>
+            <p:ph idx="1"/>
+          </p:nvPr>
+        </p:nvSpPr>
+        <p:spPr/>
+        <p:txBody>
+          <a:bodyPr/>
+          <a:lstStyle/>
+          <a:p>
+            <a:r>
+              <a:rPr lang="en-US" altLang="zh-CN" b="1"/>
+              <a:t>Java 8</a:t>
+            </a:r>
+            <a:r>
+              <a:rPr lang="zh-CN" altLang="en-US"/>
+              <a:t>新特性简介</a:t>
+            </a:r>
+            <a:br>
+              <a:rPr lang="zh-CN" altLang="en-US"/>
+            </a:br>
+            <a:r>
+              <a:rPr lang="zh-CN" altLang="en-US"/>
+              <a:t> 速度更快</a:t>
+            </a:r>
+            <a:br>
+              <a:rPr lang="zh-CN" altLang="en-US"/>
+            </a:br>
+            <a:r>
+              <a:rPr lang="zh-CN" altLang="en-US"/>
+              <a:t> 代码更少（增加了新的语法 </a:t>
+            </a:r>
+            <a:r>
+              <a:rPr lang="en-US" altLang="zh-CN" b="1"/>
+              <a:t>Lambda </a:t>
+            </a:r>
+            <a:r>
+              <a:rPr lang="zh-CN" altLang="en-US"/>
+              <a:t>表达式）</a:t>
+            </a:r>
+            <a:br>
+              <a:rPr lang="zh-CN" altLang="en-US"/>
+            </a:br>
+            <a:r>
+              <a:rPr lang="zh-CN" altLang="en-US"/>
+              <a:t> 强大的 </a:t>
+            </a:r>
+            <a:r>
+              <a:rPr lang="en-US" altLang="zh-CN" b="1"/>
+              <a:t>Stream API</a:t>
+            </a:r>
+            <a:br>
+              <a:rPr lang="en-US" altLang="zh-CN" b="1"/>
+            </a:br>
+            <a:r>
+              <a:rPr lang="en-US" altLang="zh-CN"/>
+              <a:t> </a:t>
+            </a:r>
+            <a:r>
+              <a:rPr lang="zh-CN" altLang="en-US"/>
+              <a:t>便于并行</a:t>
+            </a:r>
+            <a:br>
+              <a:rPr lang="zh-CN" altLang="en-US"/>
+            </a:br>
+            <a:r>
+              <a:rPr lang="zh-CN" altLang="en-US"/>
+              <a:t> 最大化减少空指针异常 </a:t>
+            </a:r>
+            <a:r>
+              <a:rPr lang="en-US" altLang="zh-CN"/>
+              <a:t>Optional</a:t>
+            </a:r>
+            <a:br>
+              <a:rPr lang="en-US" altLang="zh-CN"/>
+            </a:br>
+            <a:r>
+              <a:rPr lang="zh-CN" altLang="en-US"/>
+              <a:t>其中最为核心的为 </a:t>
+            </a:r>
+            <a:r>
+              <a:rPr lang="en-US" altLang="zh-CN"/>
+              <a:t>Lambda </a:t>
+            </a:r>
+            <a:r>
+              <a:rPr lang="zh-CN" altLang="en-US"/>
+              <a:t>表达式与</a:t>
+            </a:r>
+            <a:r>
+              <a:rPr lang="en-US" altLang="zh-CN"/>
+              <a:t>Stream API</a:t>
+            </a:r>
+            <a:r>
+              <a:rPr lang="en-US" altLang="zh-CN"/>
+              <a:t> </a:t>
+            </a:r>
+            <a:br>
+              <a:rPr lang="en-US" altLang="zh-CN"/>
+            </a:br>
+            <a:endParaRPr lang="zh-CN" altLang="en-US"/>
+          </a:p>
+        </p:txBody>
+      </p:sp>
+    </p:spTree>
+    <p:extLst>
+      <p:ext uri="{BB962C8B-B14F-4D97-AF65-F5344CB8AC3E}">
+        <p14:creationId xmlns:p14="http://schemas.microsoft.com/office/powerpoint/2010/main" val="3025815349"/>
+      </p:ext>
+    </p:extLst>
+  </p:cSld>
+  <p:clrMapOvr>
+    <a:masterClrMapping/>
+  </p:clrMapOvr>
+</p:sld>
+</file>
+
+<file path=ppt/slides/slide6.xml><?xml version="1.0" encoding="utf-8"?>
+<p:sld xmlns:a="http://schemas.openxmlformats.org/drawingml/2006/main" xmlns:r="http://schemas.openxmlformats.org/officeDocument/2006/relationships" xmlns:p="http://schemas.openxmlformats.org/presentationml/2006/main">
+  <p:cSld>
+    <p:spTree>
+      <p:nvGrpSpPr>
+        <p:cNvPr id="1" name=""/>
+        <p:cNvGrpSpPr/>
+        <p:nvPr/>
+      </p:nvGrpSpPr>
+      <p:grpSpPr>
+        <a:xfrm>
+          <a:off x="0" y="0"/>
+          <a:ext cx="0" cy="0"/>
+          <a:chOff x="0" y="0"/>
+          <a:chExt cx="0" cy="0"/>
+        </a:xfrm>
+      </p:grpSpPr>
+      <p:sp>
+        <p:nvSpPr>
+          <p:cNvPr id="2" name="TextBox 1"/>
+          <p:cNvSpPr txBox="1"/>
+          <p:nvPr/>
+        </p:nvSpPr>
+        <p:spPr>
+          <a:xfrm>
+            <a:off x="2339752" y="1628800"/>
+            <a:ext cx="2156360" cy="369332"/>
+          </a:xfrm>
+          <a:prstGeom prst="rect">
+            <a:avLst/>
+          </a:prstGeom>
+          <a:noFill/>
+        </p:spPr>
+        <p:txBody>
+          <a:bodyPr wrap="none" rtlCol="0">
+            <a:spAutoFit/>
+          </a:bodyPr>
+          <a:lstStyle/>
+          <a:p>
+            <a:r>
+              <a:rPr lang="zh-CN" altLang="en-US" smtClean="0"/>
+              <a:t>为什么要存在</a:t>
+            </a:r>
+            <a:r>
+              <a:rPr lang="en-US" altLang="zh-CN" smtClean="0"/>
+              <a:t>java8</a:t>
+            </a:r>
+          </a:p>
+        </p:txBody>
+      </p:sp>
+    </p:spTree>
+    <p:extLst>
+      <p:ext uri="{BB962C8B-B14F-4D97-AF65-F5344CB8AC3E}">
+        <p14:creationId xmlns:p14="http://schemas.microsoft.com/office/powerpoint/2010/main" val="4219819415"/>
+      </p:ext>
+    </p:extLst>
+  </p:cSld>
+  <p:clrMapOvr>
+    <a:masterClrMapping/>
+  </p:clrMapOvr>
+</p:sld>
+</file>
+
+<file path=ppt/slides/slide7.xml><?xml version="1.0" encoding="utf-8"?>
 <p:sld xmlns:a="http://schemas.openxmlformats.org/drawingml/2006/main" xmlns:r="http://schemas.openxmlformats.org/officeDocument/2006/relationships" xmlns:p="http://schemas.openxmlformats.org/presentationml/2006/main">
   <p:cSld>
     <p:spTree>
@@ -19373,11 +20090,7 @@
             </a:r>
             <a:r>
               <a:rPr lang="zh-CN" altLang="en-US" sz="1800"/>
-              <a:t>的要大得多，因为同步迫使代码按照顺序执行，而这与并行处理的宗旨相悖。</a:t>
-            </a:r>
-            <a:r>
-              <a:rPr lang="zh-CN" altLang="en-US" sz="1800"/>
-              <a:t> </a:t>
+              <a:t>的要大得多，因为同步迫使代码按照顺序执行，而这与并行处理的宗旨相悖。 </a:t>
             </a:r>
             <a:br>
               <a:rPr lang="zh-CN" altLang="en-US" sz="1800"/>
@@ -19399,7 +20112,7 @@
 </p:sld>
 </file>
 
-<file path=ppt/slides/slide6.xml><?xml version="1.0" encoding="utf-8"?>
+<file path=ppt/slides/slide8.xml><?xml version="1.0" encoding="utf-8"?>
 <p:sld xmlns:a="http://schemas.openxmlformats.org/drawingml/2006/main" xmlns:r="http://schemas.openxmlformats.org/officeDocument/2006/relationships" xmlns:p="http://schemas.openxmlformats.org/presentationml/2006/main">
   <p:cSld>
     <p:spTree>
@@ -19557,7 +20270,7 @@
 </p:sld>
 </file>
 
-<file path=ppt/slides/slide7.xml><?xml version="1.0" encoding="utf-8"?>
+<file path=ppt/slides/slide9.xml><?xml version="1.0" encoding="utf-8"?>
 <p:sld xmlns:a="http://schemas.openxmlformats.org/drawingml/2006/main" xmlns:r="http://schemas.openxmlformats.org/officeDocument/2006/relationships" xmlns:p="http://schemas.openxmlformats.org/presentationml/2006/main">
   <p:cSld>
     <p:spTree>
@@ -19621,440 +20334,6 @@
     <p:extLst>
       <p:ext uri="{BB962C8B-B14F-4D97-AF65-F5344CB8AC3E}">
         <p14:creationId xmlns:p14="http://schemas.microsoft.com/office/powerpoint/2010/main" val="2954708730"/>
-      </p:ext>
-    </p:extLst>
-  </p:cSld>
-  <p:clrMapOvr>
-    <a:masterClrMapping/>
-  </p:clrMapOvr>
-</p:sld>
-</file>
-
-<file path=ppt/slides/slide8.xml><?xml version="1.0" encoding="utf-8"?>
-<p:sld xmlns:a="http://schemas.openxmlformats.org/drawingml/2006/main" xmlns:r="http://schemas.openxmlformats.org/officeDocument/2006/relationships" xmlns:p="http://schemas.openxmlformats.org/presentationml/2006/main">
-  <p:cSld>
-    <p:spTree>
-      <p:nvGrpSpPr>
-        <p:cNvPr id="1" name=""/>
-        <p:cNvGrpSpPr/>
-        <p:nvPr/>
-      </p:nvGrpSpPr>
-      <p:grpSpPr>
-        <a:xfrm>
-          <a:off x="0" y="0"/>
-          <a:ext cx="0" cy="0"/>
-          <a:chOff x="0" y="0"/>
-          <a:chExt cx="0" cy="0"/>
-        </a:xfrm>
-      </p:grpSpPr>
-      <p:sp>
-        <p:nvSpPr>
-          <p:cNvPr id="2" name="标题 1"/>
-          <p:cNvSpPr>
-            <a:spLocks noGrp="1"/>
-          </p:cNvSpPr>
-          <p:nvPr>
-            <p:ph type="title"/>
-          </p:nvPr>
-        </p:nvSpPr>
-        <p:spPr/>
-        <p:txBody>
-          <a:bodyPr/>
-          <a:lstStyle/>
-          <a:p>
-            <a:endParaRPr lang="zh-CN" altLang="en-US"/>
-          </a:p>
-        </p:txBody>
-      </p:sp>
-      <p:sp>
-        <p:nvSpPr>
-          <p:cNvPr id="3" name="内容占位符 2"/>
-          <p:cNvSpPr>
-            <a:spLocks noGrp="1"/>
-          </p:cNvSpPr>
-          <p:nvPr>
-            <p:ph idx="1"/>
-          </p:nvPr>
-        </p:nvSpPr>
-        <p:spPr/>
-        <p:txBody>
-          <a:bodyPr/>
-          <a:lstStyle/>
-          <a:p>
-            <a:r>
-              <a:rPr lang="en-US" altLang="zh-CN" sz="1400"/>
-              <a:t>Java 8</a:t>
-            </a:r>
-            <a:r>
-              <a:rPr lang="zh-CN" altLang="en-US" sz="1400"/>
-              <a:t>中新增了函数</a:t>
-            </a:r>
-            <a:r>
-              <a:rPr lang="en-US" altLang="zh-CN" sz="1400"/>
-              <a:t>——</a:t>
-            </a:r>
-            <a:r>
-              <a:rPr lang="zh-CN" altLang="en-US" sz="1400"/>
-              <a:t>值的一种新形式。它有助于使用</a:t>
-            </a:r>
-            <a:r>
-              <a:rPr lang="en-US" altLang="zh-CN" sz="1400"/>
-              <a:t>1.3</a:t>
-            </a:r>
-            <a:r>
-              <a:rPr lang="zh-CN" altLang="en-US" sz="1400"/>
-              <a:t>节中谈到的流，有了它， </a:t>
-            </a:r>
-            <a:r>
-              <a:rPr lang="en-US" altLang="zh-CN" sz="1400"/>
-              <a:t>Java 8</a:t>
-            </a:r>
-            <a:br>
-              <a:rPr lang="en-US" altLang="zh-CN" sz="1400"/>
-            </a:br>
-            <a:r>
-              <a:rPr lang="zh-CN" altLang="en-US" sz="1400"/>
-              <a:t>可以进行多核处理器上的并行编程。我们首先来展示一下作为值的函数本身的有用之处。</a:t>
-            </a:r>
-            <a:r>
-              <a:rPr lang="zh-CN" altLang="en-US" sz="1400"/>
-              <a:t> </a:t>
-            </a:r>
-            <a:br>
-              <a:rPr lang="zh-CN" altLang="en-US" sz="1400"/>
-            </a:br>
-            <a:r>
-              <a:rPr lang="zh-CN" altLang="en-US" sz="1400"/>
-              <a:t>想想</a:t>
-            </a:r>
-            <a:r>
-              <a:rPr lang="en-US" altLang="zh-CN" sz="1400"/>
-              <a:t>Java</a:t>
-            </a:r>
-            <a:r>
-              <a:rPr lang="zh-CN" altLang="en-US" sz="1400"/>
-              <a:t>程序可能操作的值吧。首先有原始值，比如</a:t>
-            </a:r>
-            <a:r>
-              <a:rPr lang="en-US" altLang="zh-CN" sz="1400"/>
-              <a:t>42</a:t>
-            </a:r>
-            <a:r>
-              <a:rPr lang="zh-CN" altLang="en-US" sz="1400"/>
-              <a:t>（</a:t>
-            </a:r>
-            <a:r>
-              <a:rPr lang="en-US" altLang="zh-CN" sz="1400" err="1"/>
-              <a:t>int</a:t>
-            </a:r>
-            <a:r>
-              <a:rPr lang="zh-CN" altLang="en-US" sz="1400"/>
-              <a:t>类型）和</a:t>
-            </a:r>
-            <a:r>
-              <a:rPr lang="en-US" altLang="zh-CN" sz="1400"/>
-              <a:t>3.14</a:t>
-            </a:r>
-            <a:r>
-              <a:rPr lang="zh-CN" altLang="en-US" sz="1400"/>
-              <a:t>（</a:t>
-            </a:r>
-            <a:r>
-              <a:rPr lang="en-US" altLang="zh-CN" sz="1400"/>
-              <a:t>double</a:t>
-            </a:r>
-            <a:r>
-              <a:rPr lang="zh-CN" altLang="en-US" sz="1400"/>
-              <a:t>类型）。</a:t>
-            </a:r>
-            <a:br>
-              <a:rPr lang="zh-CN" altLang="en-US" sz="1400"/>
-            </a:br>
-            <a:r>
-              <a:rPr lang="zh-CN" altLang="en-US" sz="1400"/>
-              <a:t>其次，值可以是对象（更严格地说是对象的引用）。获得对象的唯一途径是利用</a:t>
-            </a:r>
-            <a:r>
-              <a:rPr lang="en-US" altLang="zh-CN" sz="1400"/>
-              <a:t>new</a:t>
-            </a:r>
-            <a:r>
-              <a:rPr lang="zh-CN" altLang="en-US" sz="1400"/>
-              <a:t>，也许是通</a:t>
-            </a:r>
-            <a:br>
-              <a:rPr lang="zh-CN" altLang="en-US" sz="1400"/>
-            </a:br>
-            <a:r>
-              <a:rPr lang="zh-CN" altLang="en-US" sz="1400"/>
-              <a:t>过工厂方法或库函数实现的；对象引用指向类的一个实例。例子包括</a:t>
-            </a:r>
-            <a:r>
-              <a:rPr lang="en-US" altLang="zh-CN" sz="1400"/>
-              <a:t>"</a:t>
-            </a:r>
-            <a:r>
-              <a:rPr lang="en-US" altLang="zh-CN" sz="1400" err="1"/>
-              <a:t>abc</a:t>
-            </a:r>
-            <a:r>
-              <a:rPr lang="en-US" altLang="zh-CN" sz="1400"/>
-              <a:t>"</a:t>
-            </a:r>
-            <a:r>
-              <a:rPr lang="zh-CN" altLang="en-US" sz="1400"/>
-              <a:t>（</a:t>
-            </a:r>
-            <a:r>
-              <a:rPr lang="en-US" altLang="zh-CN" sz="1400"/>
-              <a:t>String</a:t>
-            </a:r>
-            <a:r>
-              <a:rPr lang="zh-CN" altLang="en-US" sz="1400"/>
-              <a:t>类型）， </a:t>
-            </a:r>
-            <a:r>
-              <a:rPr lang="en-US" altLang="zh-CN" sz="1400"/>
-              <a:t>new</a:t>
-            </a:r>
-            <a:br>
-              <a:rPr lang="en-US" altLang="zh-CN" sz="1400"/>
-            </a:br>
-            <a:r>
-              <a:rPr lang="en-US" altLang="zh-CN" sz="1400"/>
-              <a:t>Integer(1111)</a:t>
-            </a:r>
-            <a:r>
-              <a:rPr lang="zh-CN" altLang="en-US" sz="1400"/>
-              <a:t>（</a:t>
-            </a:r>
-            <a:r>
-              <a:rPr lang="en-US" altLang="zh-CN" sz="1400"/>
-              <a:t>Integer</a:t>
-            </a:r>
-            <a:r>
-              <a:rPr lang="zh-CN" altLang="en-US" sz="1400"/>
-              <a:t>类型），以及</a:t>
-            </a:r>
-            <a:r>
-              <a:rPr lang="en-US" altLang="zh-CN" sz="1400"/>
-              <a:t>new </a:t>
-            </a:r>
-            <a:r>
-              <a:rPr lang="en-US" altLang="zh-CN" sz="1400" err="1"/>
-              <a:t>HashMap</a:t>
-            </a:r>
-            <a:r>
-              <a:rPr lang="en-US" altLang="zh-CN" sz="1400"/>
-              <a:t>&lt;</a:t>
-            </a:r>
-            <a:r>
-              <a:rPr lang="en-US" altLang="zh-CN" sz="1400" err="1"/>
-              <a:t>Integer,String</a:t>
-            </a:r>
-            <a:r>
-              <a:rPr lang="en-US" altLang="zh-CN" sz="1400"/>
-              <a:t>&gt;(100)</a:t>
-            </a:r>
-            <a:r>
-              <a:rPr lang="zh-CN" altLang="en-US" sz="1400"/>
-              <a:t>的结果</a:t>
-            </a:r>
-            <a:r>
-              <a:rPr lang="en-US" altLang="zh-CN" sz="1400"/>
-              <a:t>——</a:t>
-            </a:r>
-            <a:r>
-              <a:rPr lang="zh-CN" altLang="en-US" sz="1400"/>
-              <a:t>它</a:t>
-            </a:r>
-            <a:br>
-              <a:rPr lang="zh-CN" altLang="en-US" sz="1400"/>
-            </a:br>
-            <a:r>
-              <a:rPr lang="zh-CN" altLang="en-US" sz="1400"/>
-              <a:t>显然调用了</a:t>
-            </a:r>
-            <a:r>
-              <a:rPr lang="en-US" altLang="zh-CN" sz="1400" err="1"/>
-              <a:t>HashMap</a:t>
-            </a:r>
-            <a:r>
-              <a:rPr lang="zh-CN" altLang="en-US" sz="1400"/>
-              <a:t>的构造函数。甚至数组也是对象。</a:t>
-            </a:r>
-            <a:r>
-              <a:rPr lang="zh-CN" altLang="en-US" sz="1400"/>
-              <a:t> </a:t>
-            </a:r>
-            <a:br>
-              <a:rPr lang="zh-CN" altLang="en-US" sz="1400"/>
-            </a:br>
-            <a:r>
-              <a:rPr lang="zh-CN" altLang="en-US" sz="1400"/>
-              <a:t>为了帮助回答这个问题，我们要注意到，编程语言的整个目的就在于操作值，要是按照历史</a:t>
-            </a:r>
-            <a:br>
-              <a:rPr lang="zh-CN" altLang="en-US" sz="1400"/>
-            </a:br>
-            <a:r>
-              <a:rPr lang="zh-CN" altLang="en-US" sz="1400"/>
-              <a:t>上编程语言的传统，这些值因此被称为一等值</a:t>
-            </a:r>
-            <a:r>
-              <a:rPr lang="zh-CN" altLang="en-US" sz="1400"/>
-              <a:t> </a:t>
-            </a:r>
-            <a:endParaRPr lang="en-US" altLang="zh-CN" sz="1400" smtClean="0"/>
-          </a:p>
-          <a:p>
-            <a:r>
-              <a:rPr lang="zh-CN" altLang="en-US" sz="1400"/>
-              <a:t>编程语言中的其他结构也许有助于我们表示值的结构，但在程序执行期间</a:t>
-            </a:r>
-            <a:br>
-              <a:rPr lang="zh-CN" altLang="en-US" sz="1400"/>
-            </a:br>
-            <a:r>
-              <a:rPr lang="zh-CN" altLang="en-US" sz="1400"/>
-              <a:t>不能传递，因而是二等公民。前面所说的值是</a:t>
-            </a:r>
-            <a:r>
-              <a:rPr lang="en-US" altLang="zh-CN" sz="1400"/>
-              <a:t>Java</a:t>
-            </a:r>
-            <a:r>
-              <a:rPr lang="zh-CN" altLang="en-US" sz="1400"/>
-              <a:t>中的一等公民，但其他很多</a:t>
-            </a:r>
-            <a:r>
-              <a:rPr lang="en-US" altLang="zh-CN" sz="1400"/>
-              <a:t>Java</a:t>
-            </a:r>
-            <a:r>
-              <a:rPr lang="zh-CN" altLang="en-US" sz="1400"/>
-              <a:t>概念（如</a:t>
-            </a:r>
-            <a:r>
-              <a:rPr lang="zh-CN" altLang="en-US" sz="1400" smtClean="0"/>
-              <a:t>方法和类等）则是二等公民</a:t>
-            </a:r>
-            <a:r>
-              <a:rPr lang="zh-CN" altLang="en-US" sz="1400"/>
-              <a:t/>
-            </a:r>
-            <a:br>
-              <a:rPr lang="zh-CN" altLang="en-US" sz="1400"/>
-            </a:br>
-            <a:r>
-              <a:rPr lang="zh-CN" altLang="en-US" sz="1400"/>
-              <a:t/>
-            </a:r>
-            <a:br>
-              <a:rPr lang="zh-CN" altLang="en-US" sz="1400"/>
-            </a:br>
-            <a:endParaRPr lang="zh-CN" altLang="en-US" sz="1400"/>
-          </a:p>
-        </p:txBody>
-      </p:sp>
-    </p:spTree>
-    <p:extLst>
-      <p:ext uri="{BB962C8B-B14F-4D97-AF65-F5344CB8AC3E}">
-        <p14:creationId xmlns:p14="http://schemas.microsoft.com/office/powerpoint/2010/main" val="2061544340"/>
-      </p:ext>
-    </p:extLst>
-  </p:cSld>
-  <p:clrMapOvr>
-    <a:masterClrMapping/>
-  </p:clrMapOvr>
-</p:sld>
-</file>
-
-<file path=ppt/slides/slide9.xml><?xml version="1.0" encoding="utf-8"?>
-<p:sld xmlns:a="http://schemas.openxmlformats.org/drawingml/2006/main" xmlns:r="http://schemas.openxmlformats.org/officeDocument/2006/relationships" xmlns:p="http://schemas.openxmlformats.org/presentationml/2006/main">
-  <p:cSld>
-    <p:spTree>
-      <p:nvGrpSpPr>
-        <p:cNvPr id="1" name=""/>
-        <p:cNvGrpSpPr/>
-        <p:nvPr/>
-      </p:nvGrpSpPr>
-      <p:grpSpPr>
-        <a:xfrm>
-          <a:off x="0" y="0"/>
-          <a:ext cx="0" cy="0"/>
-          <a:chOff x="0" y="0"/>
-          <a:chExt cx="0" cy="0"/>
-        </a:xfrm>
-      </p:grpSpPr>
-      <p:pic>
-        <p:nvPicPr>
-          <p:cNvPr id="1026" name="Picture 2"/>
-          <p:cNvPicPr>
-            <a:picLocks noChangeAspect="1" noChangeArrowheads="1"/>
-          </p:cNvPicPr>
-          <p:nvPr/>
-        </p:nvPicPr>
-        <p:blipFill>
-          <a:blip r:embed="rId2">
-            <a:extLst>
-              <a:ext uri="{28A0092B-C50C-407E-A947-70E740481C1C}">
-                <a14:useLocalDpi xmlns:a14="http://schemas.microsoft.com/office/drawing/2010/main" val="0"/>
-              </a:ext>
-            </a:extLst>
-          </a:blip>
-          <a:srcRect/>
-          <a:stretch>
-            <a:fillRect/>
-          </a:stretch>
-        </p:blipFill>
-        <p:spPr bwMode="auto">
-          <a:xfrm>
-            <a:off x="1259632" y="574416"/>
-            <a:ext cx="6768752" cy="5852741"/>
-          </a:xfrm>
-          <a:prstGeom prst="rect">
-            <a:avLst/>
-          </a:prstGeom>
-          <a:noFill/>
-          <a:ln>
-            <a:noFill/>
-          </a:ln>
-          <a:effectLst/>
-          <a:extLst>
-            <a:ext uri="{909E8E84-426E-40DD-AFC4-6F175D3DCCD1}">
-              <a14:hiddenFill xmlns:a14="http://schemas.microsoft.com/office/drawing/2010/main">
-                <a:solidFill>
-                  <a:schemeClr val="accent1"/>
-                </a:solidFill>
-              </a14:hiddenFill>
-            </a:ext>
-            <a:ext uri="{91240B29-F687-4F45-9708-019B960494DF}">
-              <a14:hiddenLine xmlns:a14="http://schemas.microsoft.com/office/drawing/2010/main" w="9525">
-                <a:solidFill>
-                  <a:schemeClr val="tx1"/>
-                </a:solidFill>
-                <a:miter lim="800000"/>
-                <a:headEnd/>
-                <a:tailEnd/>
-              </a14:hiddenLine>
-            </a:ext>
-            <a:ext uri="{AF507438-7753-43E0-B8FC-AC1667EBCBE1}">
-              <a14:hiddenEffects xmlns:a14="http://schemas.microsoft.com/office/drawing/2010/main">
-                <a:effectLst>
-                  <a:outerShdw dist="35921" dir="2700000" algn="ctr" rotWithShape="0">
-                    <a:schemeClr val="bg2"/>
-                  </a:outerShdw>
-                </a:effectLst>
-              </a14:hiddenEffects>
-            </a:ext>
-          </a:extLst>
-        </p:spPr>
-      </p:pic>
-    </p:spTree>
-    <p:extLst>
-      <p:ext uri="{BB962C8B-B14F-4D97-AF65-F5344CB8AC3E}">
-        <p14:creationId xmlns:p14="http://schemas.microsoft.com/office/powerpoint/2010/main" val="3793619055"/>
       </p:ext>
     </p:extLst>
   </p:cSld>
@@ -20863,7 +21142,7 @@
   </a:extraClrSchemeLst>
   <a:extLst>
     <a:ext uri="{05A4C25C-085E-4340-85A3-A5531E510DB2}">
-      <thm15:themeFamily xmlns="" xmlns:thm15="http://schemas.microsoft.com/office/thememl/2012/main" name="Office Theme" id="{62F939B6-93AF-4DB8-9C6B-D6C7DFDC589F}" vid="{4A3C46E8-61CC-4603-A589-7422A47A8E4A}"/>
+      <thm15:themeFamily xmlns:thm15="http://schemas.microsoft.com/office/thememl/2012/main" xmlns="" name="Office Theme" id="{62F939B6-93AF-4DB8-9C6B-D6C7DFDC589F}" vid="{4A3C46E8-61CC-4603-A589-7422A47A8E4A}"/>
     </a:ext>
   </a:extLst>
 </a:theme>
@@ -21668,7 +21947,7 @@
   </a:extraClrSchemeLst>
   <a:extLst>
     <a:ext uri="{05A4C25C-085E-4340-85A3-A5531E510DB2}">
-      <thm15:themeFamily xmlns="" xmlns:thm15="http://schemas.microsoft.com/office/thememl/2012/main" name="Office Theme" id="{62F939B6-93AF-4DB8-9C6B-D6C7DFDC589F}" vid="{4A3C46E8-61CC-4603-A589-7422A47A8E4A}"/>
+      <thm15:themeFamily xmlns:thm15="http://schemas.microsoft.com/office/thememl/2012/main" xmlns="" name="Office Theme" id="{62F939B6-93AF-4DB8-9C6B-D6C7DFDC589F}" vid="{4A3C46E8-61CC-4603-A589-7422A47A8E4A}"/>
     </a:ext>
   </a:extLst>
 </a:theme>
@@ -22473,7 +22752,7 @@
   </a:extraClrSchemeLst>
   <a:extLst>
     <a:ext uri="{05A4C25C-085E-4340-85A3-A5531E510DB2}">
-      <thm15:themeFamily xmlns="" xmlns:thm15="http://schemas.microsoft.com/office/thememl/2012/main" name="Office Theme" id="{62F939B6-93AF-4DB8-9C6B-D6C7DFDC589F}" vid="{4A3C46E8-61CC-4603-A589-7422A47A8E4A}"/>
+      <thm15:themeFamily xmlns:thm15="http://schemas.microsoft.com/office/thememl/2012/main" xmlns="" name="Office Theme" id="{62F939B6-93AF-4DB8-9C6B-D6C7DFDC589F}" vid="{4A3C46E8-61CC-4603-A589-7422A47A8E4A}"/>
     </a:ext>
   </a:extLst>
 </a:theme>
@@ -22734,7 +23013,7 @@
   <a:extraClrSchemeLst/>
   <a:extLst>
     <a:ext uri="{05A4C25C-085E-4340-85A3-A5531E510DB2}">
-      <thm15:themeFamily xmlns="" xmlns:thm15="http://schemas.microsoft.com/office/thememl/2012/main" name="Office Theme" id="{62F939B6-93AF-4DB8-9C6B-D6C7DFDC589F}" vid="{4A3C46E8-61CC-4603-A589-7422A47A8E4A}"/>
+      <thm15:themeFamily xmlns:thm15="http://schemas.microsoft.com/office/thememl/2012/main" xmlns="" name="Office Theme" id="{62F939B6-93AF-4DB8-9C6B-D6C7DFDC589F}" vid="{4A3C46E8-61CC-4603-A589-7422A47A8E4A}"/>
     </a:ext>
   </a:extLst>
 </a:theme>

--- a/04相关插件/Java8/Java8高级教程.pptx
+++ b/04相关插件/Java8/Java8高级教程.pptx
@@ -7,55 +7,53 @@
     <p:sldMasterId id="2147483673" r:id="rId3"/>
   </p:sldMasterIdLst>
   <p:notesMasterIdLst>
-    <p:notesMasterId r:id="rId50"/>
+    <p:notesMasterId r:id="rId48"/>
   </p:notesMasterIdLst>
   <p:sldIdLst>
     <p:sldId id="283" r:id="rId4"/>
     <p:sldId id="289" r:id="rId5"/>
     <p:sldId id="273" r:id="rId6"/>
-    <p:sldId id="331" r:id="rId7"/>
-    <p:sldId id="332" r:id="rId8"/>
-    <p:sldId id="295" r:id="rId9"/>
-    <p:sldId id="328" r:id="rId10"/>
-    <p:sldId id="327" r:id="rId11"/>
-    <p:sldId id="329" r:id="rId12"/>
-    <p:sldId id="330" r:id="rId13"/>
-    <p:sldId id="290" r:id="rId14"/>
-    <p:sldId id="291" r:id="rId15"/>
-    <p:sldId id="292" r:id="rId16"/>
-    <p:sldId id="293" r:id="rId17"/>
-    <p:sldId id="294" r:id="rId18"/>
-    <p:sldId id="296" r:id="rId19"/>
-    <p:sldId id="297" r:id="rId20"/>
-    <p:sldId id="298" r:id="rId21"/>
-    <p:sldId id="299" r:id="rId22"/>
-    <p:sldId id="300" r:id="rId23"/>
-    <p:sldId id="301" r:id="rId24"/>
-    <p:sldId id="302" r:id="rId25"/>
-    <p:sldId id="303" r:id="rId26"/>
-    <p:sldId id="304" r:id="rId27"/>
-    <p:sldId id="305" r:id="rId28"/>
-    <p:sldId id="306" r:id="rId29"/>
-    <p:sldId id="307" r:id="rId30"/>
-    <p:sldId id="308" r:id="rId31"/>
-    <p:sldId id="309" r:id="rId32"/>
-    <p:sldId id="310" r:id="rId33"/>
-    <p:sldId id="311" r:id="rId34"/>
-    <p:sldId id="312" r:id="rId35"/>
-    <p:sldId id="313" r:id="rId36"/>
-    <p:sldId id="314" r:id="rId37"/>
-    <p:sldId id="315" r:id="rId38"/>
-    <p:sldId id="316" r:id="rId39"/>
-    <p:sldId id="317" r:id="rId40"/>
-    <p:sldId id="318" r:id="rId41"/>
-    <p:sldId id="319" r:id="rId42"/>
-    <p:sldId id="320" r:id="rId43"/>
-    <p:sldId id="321" r:id="rId44"/>
-    <p:sldId id="322" r:id="rId45"/>
-    <p:sldId id="323" r:id="rId46"/>
-    <p:sldId id="324" r:id="rId47"/>
-    <p:sldId id="325" r:id="rId48"/>
-    <p:sldId id="326" r:id="rId49"/>
+    <p:sldId id="295" r:id="rId7"/>
+    <p:sldId id="328" r:id="rId8"/>
+    <p:sldId id="327" r:id="rId9"/>
+    <p:sldId id="329" r:id="rId10"/>
+    <p:sldId id="330" r:id="rId11"/>
+    <p:sldId id="290" r:id="rId12"/>
+    <p:sldId id="291" r:id="rId13"/>
+    <p:sldId id="292" r:id="rId14"/>
+    <p:sldId id="293" r:id="rId15"/>
+    <p:sldId id="294" r:id="rId16"/>
+    <p:sldId id="296" r:id="rId17"/>
+    <p:sldId id="297" r:id="rId18"/>
+    <p:sldId id="298" r:id="rId19"/>
+    <p:sldId id="299" r:id="rId20"/>
+    <p:sldId id="300" r:id="rId21"/>
+    <p:sldId id="301" r:id="rId22"/>
+    <p:sldId id="302" r:id="rId23"/>
+    <p:sldId id="303" r:id="rId24"/>
+    <p:sldId id="304" r:id="rId25"/>
+    <p:sldId id="305" r:id="rId26"/>
+    <p:sldId id="306" r:id="rId27"/>
+    <p:sldId id="307" r:id="rId28"/>
+    <p:sldId id="308" r:id="rId29"/>
+    <p:sldId id="309" r:id="rId30"/>
+    <p:sldId id="310" r:id="rId31"/>
+    <p:sldId id="311" r:id="rId32"/>
+    <p:sldId id="312" r:id="rId33"/>
+    <p:sldId id="313" r:id="rId34"/>
+    <p:sldId id="314" r:id="rId35"/>
+    <p:sldId id="315" r:id="rId36"/>
+    <p:sldId id="316" r:id="rId37"/>
+    <p:sldId id="317" r:id="rId38"/>
+    <p:sldId id="318" r:id="rId39"/>
+    <p:sldId id="319" r:id="rId40"/>
+    <p:sldId id="320" r:id="rId41"/>
+    <p:sldId id="321" r:id="rId42"/>
+    <p:sldId id="322" r:id="rId43"/>
+    <p:sldId id="323" r:id="rId44"/>
+    <p:sldId id="324" r:id="rId45"/>
+    <p:sldId id="325" r:id="rId46"/>
+    <p:sldId id="326" r:id="rId47"/>
   </p:sldIdLst>
   <p:sldSz cx="9144000" cy="6858000" type="screen4x3"/>
   <p:notesSz cx="6669088" cy="9753600"/>
@@ -329,7 +327,7 @@
           <a:p>
             <a:fld id="{D2A48B96-639E-45A3-A0BA-2464DFDB1FAA}" type="datetimeFigureOut">
               <a:rPr lang="zh-CN" altLang="en-US" smtClean="0"/>
-              <a:t>12/4 Monday</a:t>
+              <a:t>12/5 Tuesday</a:t>
             </a:fld>
             <a:endParaRPr lang="zh-CN" altLang="en-US"/>
           </a:p>
@@ -779,7 +777,7 @@
           <a:p>
             <a:fld id="{A6837353-30EB-4A48-80EB-173D804AEFBD}" type="slidenum">
               <a:rPr lang="zh-CN" altLang="en-US" smtClean="0"/>
-              <a:t>17</a:t>
+              <a:t>15</a:t>
             </a:fld>
             <a:endParaRPr lang="zh-CN" altLang="en-US"/>
           </a:p>
@@ -968,7 +966,7 @@
           <a:p>
             <a:fld id="{A6837353-30EB-4A48-80EB-173D804AEFBD}" type="slidenum">
               <a:rPr lang="zh-CN" altLang="en-US" smtClean="0"/>
-              <a:t>18</a:t>
+              <a:t>16</a:t>
             </a:fld>
             <a:endParaRPr lang="zh-CN" altLang="en-US"/>
           </a:p>
@@ -1201,7 +1199,7 @@
           <a:p>
             <a:fld id="{A6837353-30EB-4A48-80EB-173D804AEFBD}" type="slidenum">
               <a:rPr lang="zh-CN" altLang="en-US" smtClean="0"/>
-              <a:t>22</a:t>
+              <a:t>20</a:t>
             </a:fld>
             <a:endParaRPr lang="zh-CN" altLang="en-US"/>
           </a:p>
@@ -8024,306 +8022,147 @@
       </p:grpSpPr>
       <p:sp>
         <p:nvSpPr>
-          <p:cNvPr id="2" name="标题 1"/>
-          <p:cNvSpPr>
-            <a:spLocks noGrp="1"/>
-          </p:cNvSpPr>
-          <p:nvPr>
-            <p:ph type="title"/>
-          </p:nvPr>
+          <p:cNvPr id="2" name="矩形 1"/>
+          <p:cNvSpPr/>
+          <p:nvPr/>
         </p:nvSpPr>
-        <p:spPr/>
+        <p:spPr>
+          <a:xfrm>
+            <a:off x="1043608" y="1844824"/>
+            <a:ext cx="6912768" cy="2862322"/>
+          </a:xfrm>
+          <a:prstGeom prst="rect">
+            <a:avLst/>
+          </a:prstGeom>
+        </p:spPr>
         <p:txBody>
-          <a:bodyPr/>
+          <a:bodyPr wrap="square">
+            <a:spAutoFit/>
+          </a:bodyPr>
           <a:lstStyle/>
           <a:p>
+            <a:r>
+              <a:rPr lang="zh-CN" altLang="en-US" b="0"/>
+              <a:t>类型检查过程可以分解为如下所示。</a:t>
+            </a:r>
+            <a:br>
+              <a:rPr lang="zh-CN" altLang="en-US" b="0"/>
+            </a:br>
+            <a:r>
+              <a:rPr lang="zh-CN" altLang="en-US" b="0"/>
+              <a:t> 首先，你要找出</a:t>
+            </a:r>
+            <a:r>
+              <a:rPr lang="en-US" altLang="zh-CN" b="0"/>
+              <a:t>filter</a:t>
+            </a:r>
+            <a:r>
+              <a:rPr lang="zh-CN" altLang="en-US" b="0"/>
+              <a:t>方法的声明。</a:t>
+            </a:r>
+            <a:br>
+              <a:rPr lang="zh-CN" altLang="en-US" b="0"/>
+            </a:br>
+            <a:r>
+              <a:rPr lang="zh-CN" altLang="en-US" b="0"/>
+              <a:t> 第二，要求它是</a:t>
+            </a:r>
+            <a:r>
+              <a:rPr lang="en-US" altLang="zh-CN" b="0"/>
+              <a:t>Predicate&lt;Apple&gt;</a:t>
+            </a:r>
+            <a:r>
+              <a:rPr lang="zh-CN" altLang="en-US" b="0"/>
+              <a:t>（目标类型）对象的第二个正式参数。</a:t>
+            </a:r>
+            <a:br>
+              <a:rPr lang="zh-CN" altLang="en-US" b="0"/>
+            </a:br>
+            <a:r>
+              <a:rPr lang="zh-CN" altLang="en-US" b="0"/>
+              <a:t> 第三， </a:t>
+            </a:r>
+            <a:r>
+              <a:rPr lang="en-US" altLang="zh-CN" b="0"/>
+              <a:t>Predicate&lt;Apple&gt;</a:t>
+            </a:r>
+            <a:r>
+              <a:rPr lang="zh-CN" altLang="en-US" b="0"/>
+              <a:t>是一个函数式接口，定义了一个叫作</a:t>
+            </a:r>
+            <a:r>
+              <a:rPr lang="en-US" altLang="zh-CN" b="0"/>
+              <a:t>test</a:t>
+            </a:r>
+            <a:r>
+              <a:rPr lang="zh-CN" altLang="en-US" b="0"/>
+              <a:t>的抽象方法。</a:t>
+            </a:r>
+            <a:br>
+              <a:rPr lang="zh-CN" altLang="en-US" b="0"/>
+            </a:br>
+            <a:r>
+              <a:rPr lang="zh-CN" altLang="en-US" b="0"/>
+              <a:t> 第四， </a:t>
+            </a:r>
+            <a:r>
+              <a:rPr lang="en-US" altLang="zh-CN" b="0"/>
+              <a:t>test</a:t>
+            </a:r>
+            <a:r>
+              <a:rPr lang="zh-CN" altLang="en-US" b="0"/>
+              <a:t>方法描述了一个函数描述符，它可以接受一个</a:t>
+            </a:r>
+            <a:r>
+              <a:rPr lang="en-US" altLang="zh-CN" b="0"/>
+              <a:t>Apple</a:t>
+            </a:r>
+            <a:r>
+              <a:rPr lang="zh-CN" altLang="en-US" b="0"/>
+              <a:t>，并返回一个</a:t>
+            </a:r>
+            <a:r>
+              <a:rPr lang="en-US" altLang="zh-CN" b="0" err="1"/>
+              <a:t>boolean</a:t>
+            </a:r>
+            <a:r>
+              <a:rPr lang="zh-CN" altLang="en-US" b="0"/>
+              <a:t>。</a:t>
+            </a:r>
+            <a:br>
+              <a:rPr lang="zh-CN" altLang="en-US" b="0"/>
+            </a:br>
+            <a:r>
+              <a:rPr lang="en-US" altLang="zh-CN" b="0"/>
+              <a:t> </a:t>
+            </a:r>
+            <a:r>
+              <a:rPr lang="zh-CN" altLang="en-US" b="0"/>
+              <a:t>最后， </a:t>
+            </a:r>
+            <a:r>
+              <a:rPr lang="en-US" altLang="zh-CN" b="0"/>
+              <a:t>filter</a:t>
+            </a:r>
+            <a:r>
+              <a:rPr lang="zh-CN" altLang="en-US" b="0"/>
+              <a:t>的任何实际参数都必须匹配这个要求。</a:t>
+            </a:r>
+            <a:r>
+              <a:rPr lang="zh-CN" altLang="en-US"/>
+              <a:t> </a:t>
+            </a:r>
+            <a:br>
+              <a:rPr lang="zh-CN" altLang="en-US"/>
+            </a:br>
             <a:endParaRPr lang="zh-CN" altLang="en-US"/>
-          </a:p>
-        </p:txBody>
-      </p:sp>
-      <p:sp>
-        <p:nvSpPr>
-          <p:cNvPr id="3" name="内容占位符 2"/>
-          <p:cNvSpPr>
-            <a:spLocks noGrp="1"/>
-          </p:cNvSpPr>
-          <p:nvPr>
-            <p:ph idx="1"/>
-          </p:nvPr>
-        </p:nvSpPr>
-        <p:spPr/>
-        <p:txBody>
-          <a:bodyPr/>
-          <a:lstStyle/>
-          <a:p>
-            <a:r>
-              <a:rPr lang="en-US" altLang="zh-CN" sz="1400"/>
-              <a:t>Java 8</a:t>
-            </a:r>
-            <a:r>
-              <a:rPr lang="zh-CN" altLang="en-US" sz="1400"/>
-              <a:t>中新增了函数</a:t>
-            </a:r>
-            <a:r>
-              <a:rPr lang="en-US" altLang="zh-CN" sz="1400"/>
-              <a:t>——</a:t>
-            </a:r>
-            <a:r>
-              <a:rPr lang="zh-CN" altLang="en-US" sz="1400"/>
-              <a:t>值的一种新形式。它有助于使用</a:t>
-            </a:r>
-            <a:r>
-              <a:rPr lang="en-US" altLang="zh-CN" sz="1400"/>
-              <a:t>1.3</a:t>
-            </a:r>
-            <a:r>
-              <a:rPr lang="zh-CN" altLang="en-US" sz="1400"/>
-              <a:t>节中谈到的流，有了它， </a:t>
-            </a:r>
-            <a:r>
-              <a:rPr lang="en-US" altLang="zh-CN" sz="1400"/>
-              <a:t>Java 8</a:t>
-            </a:r>
-            <a:br>
-              <a:rPr lang="en-US" altLang="zh-CN" sz="1400"/>
-            </a:br>
-            <a:r>
-              <a:rPr lang="zh-CN" altLang="en-US" sz="1400"/>
-              <a:t>可以进行多核处理器上的并行编程。我们首先来展示一下作为值的函数本身的有用之处。 </a:t>
-            </a:r>
-            <a:br>
-              <a:rPr lang="zh-CN" altLang="en-US" sz="1400"/>
-            </a:br>
-            <a:r>
-              <a:rPr lang="zh-CN" altLang="en-US" sz="1400"/>
-              <a:t>想想</a:t>
-            </a:r>
-            <a:r>
-              <a:rPr lang="en-US" altLang="zh-CN" sz="1400"/>
-              <a:t>Java</a:t>
-            </a:r>
-            <a:r>
-              <a:rPr lang="zh-CN" altLang="en-US" sz="1400"/>
-              <a:t>程序可能操作的值吧。首先有原始值，比如</a:t>
-            </a:r>
-            <a:r>
-              <a:rPr lang="en-US" altLang="zh-CN" sz="1400"/>
-              <a:t>42</a:t>
-            </a:r>
-            <a:r>
-              <a:rPr lang="zh-CN" altLang="en-US" sz="1400"/>
-              <a:t>（</a:t>
-            </a:r>
-            <a:r>
-              <a:rPr lang="en-US" altLang="zh-CN" sz="1400" err="1"/>
-              <a:t>int</a:t>
-            </a:r>
-            <a:r>
-              <a:rPr lang="zh-CN" altLang="en-US" sz="1400"/>
-              <a:t>类型）和</a:t>
-            </a:r>
-            <a:r>
-              <a:rPr lang="en-US" altLang="zh-CN" sz="1400"/>
-              <a:t>3.14</a:t>
-            </a:r>
-            <a:r>
-              <a:rPr lang="zh-CN" altLang="en-US" sz="1400"/>
-              <a:t>（</a:t>
-            </a:r>
-            <a:r>
-              <a:rPr lang="en-US" altLang="zh-CN" sz="1400"/>
-              <a:t>double</a:t>
-            </a:r>
-            <a:r>
-              <a:rPr lang="zh-CN" altLang="en-US" sz="1400"/>
-              <a:t>类型）。</a:t>
-            </a:r>
-            <a:br>
-              <a:rPr lang="zh-CN" altLang="en-US" sz="1400"/>
-            </a:br>
-            <a:r>
-              <a:rPr lang="zh-CN" altLang="en-US" sz="1400"/>
-              <a:t>其次，值可以是对象（更严格地说是对象的引用）。获得对象的唯一途径是利用</a:t>
-            </a:r>
-            <a:r>
-              <a:rPr lang="en-US" altLang="zh-CN" sz="1400"/>
-              <a:t>new</a:t>
-            </a:r>
-            <a:r>
-              <a:rPr lang="zh-CN" altLang="en-US" sz="1400"/>
-              <a:t>，也许是通</a:t>
-            </a:r>
-            <a:br>
-              <a:rPr lang="zh-CN" altLang="en-US" sz="1400"/>
-            </a:br>
-            <a:r>
-              <a:rPr lang="zh-CN" altLang="en-US" sz="1400"/>
-              <a:t>过工厂方法或库函数实现的；对象引用指向类的一个实例。例子包括</a:t>
-            </a:r>
-            <a:r>
-              <a:rPr lang="en-US" altLang="zh-CN" sz="1400"/>
-              <a:t>"</a:t>
-            </a:r>
-            <a:r>
-              <a:rPr lang="en-US" altLang="zh-CN" sz="1400" err="1"/>
-              <a:t>abc</a:t>
-            </a:r>
-            <a:r>
-              <a:rPr lang="en-US" altLang="zh-CN" sz="1400"/>
-              <a:t>"</a:t>
-            </a:r>
-            <a:r>
-              <a:rPr lang="zh-CN" altLang="en-US" sz="1400"/>
-              <a:t>（</a:t>
-            </a:r>
-            <a:r>
-              <a:rPr lang="en-US" altLang="zh-CN" sz="1400"/>
-              <a:t>String</a:t>
-            </a:r>
-            <a:r>
-              <a:rPr lang="zh-CN" altLang="en-US" sz="1400"/>
-              <a:t>类型）， </a:t>
-            </a:r>
-            <a:r>
-              <a:rPr lang="en-US" altLang="zh-CN" sz="1400"/>
-              <a:t>new</a:t>
-            </a:r>
-            <a:br>
-              <a:rPr lang="en-US" altLang="zh-CN" sz="1400"/>
-            </a:br>
-            <a:r>
-              <a:rPr lang="en-US" altLang="zh-CN" sz="1400"/>
-              <a:t>Integer(1111)</a:t>
-            </a:r>
-            <a:r>
-              <a:rPr lang="zh-CN" altLang="en-US" sz="1400"/>
-              <a:t>（</a:t>
-            </a:r>
-            <a:r>
-              <a:rPr lang="en-US" altLang="zh-CN" sz="1400"/>
-              <a:t>Integer</a:t>
-            </a:r>
-            <a:r>
-              <a:rPr lang="zh-CN" altLang="en-US" sz="1400"/>
-              <a:t>类型），以及</a:t>
-            </a:r>
-            <a:r>
-              <a:rPr lang="en-US" altLang="zh-CN" sz="1400"/>
-              <a:t>new </a:t>
-            </a:r>
-            <a:r>
-              <a:rPr lang="en-US" altLang="zh-CN" sz="1400" err="1"/>
-              <a:t>HashMap</a:t>
-            </a:r>
-            <a:r>
-              <a:rPr lang="en-US" altLang="zh-CN" sz="1400"/>
-              <a:t>&lt;</a:t>
-            </a:r>
-            <a:r>
-              <a:rPr lang="en-US" altLang="zh-CN" sz="1400" err="1"/>
-              <a:t>Integer,String</a:t>
-            </a:r>
-            <a:r>
-              <a:rPr lang="en-US" altLang="zh-CN" sz="1400"/>
-              <a:t>&gt;(100)</a:t>
-            </a:r>
-            <a:r>
-              <a:rPr lang="zh-CN" altLang="en-US" sz="1400"/>
-              <a:t>的结果</a:t>
-            </a:r>
-            <a:r>
-              <a:rPr lang="en-US" altLang="zh-CN" sz="1400"/>
-              <a:t>——</a:t>
-            </a:r>
-            <a:r>
-              <a:rPr lang="zh-CN" altLang="en-US" sz="1400"/>
-              <a:t>它</a:t>
-            </a:r>
-            <a:br>
-              <a:rPr lang="zh-CN" altLang="en-US" sz="1400"/>
-            </a:br>
-            <a:r>
-              <a:rPr lang="zh-CN" altLang="en-US" sz="1400"/>
-              <a:t>显然调用了</a:t>
-            </a:r>
-            <a:r>
-              <a:rPr lang="en-US" altLang="zh-CN" sz="1400" err="1"/>
-              <a:t>HashMap</a:t>
-            </a:r>
-            <a:r>
-              <a:rPr lang="zh-CN" altLang="en-US" sz="1400"/>
-              <a:t>的构造函数。甚至数组也是对象。 </a:t>
-            </a:r>
-            <a:br>
-              <a:rPr lang="zh-CN" altLang="en-US" sz="1400"/>
-            </a:br>
-            <a:r>
-              <a:rPr lang="zh-CN" altLang="en-US" sz="1400"/>
-              <a:t>为了帮助回答这个问题，我们要注意到，编程语言的整个目的就在于操作值，要是按照历史</a:t>
-            </a:r>
-            <a:br>
-              <a:rPr lang="zh-CN" altLang="en-US" sz="1400"/>
-            </a:br>
-            <a:r>
-              <a:rPr lang="zh-CN" altLang="en-US" sz="1400"/>
-              <a:t>上编程语言的传统，这些值因此被称为一等值 </a:t>
-            </a:r>
-            <a:endParaRPr lang="en-US" altLang="zh-CN" sz="1400" smtClean="0"/>
-          </a:p>
-          <a:p>
-            <a:r>
-              <a:rPr lang="zh-CN" altLang="en-US" sz="1400"/>
-              <a:t>编程语言中的其他结构也许有助于我们表示值的结构，但在程序执行期间</a:t>
-            </a:r>
-            <a:br>
-              <a:rPr lang="zh-CN" altLang="en-US" sz="1400"/>
-            </a:br>
-            <a:r>
-              <a:rPr lang="zh-CN" altLang="en-US" sz="1400"/>
-              <a:t>不能传递，因而是二等公民。前面所说的值是</a:t>
-            </a:r>
-            <a:r>
-              <a:rPr lang="en-US" altLang="zh-CN" sz="1400"/>
-              <a:t>Java</a:t>
-            </a:r>
-            <a:r>
-              <a:rPr lang="zh-CN" altLang="en-US" sz="1400"/>
-              <a:t>中的一等公民，但其他很多</a:t>
-            </a:r>
-            <a:r>
-              <a:rPr lang="en-US" altLang="zh-CN" sz="1400"/>
-              <a:t>Java</a:t>
-            </a:r>
-            <a:r>
-              <a:rPr lang="zh-CN" altLang="en-US" sz="1400"/>
-              <a:t>概念（如</a:t>
-            </a:r>
-            <a:r>
-              <a:rPr lang="zh-CN" altLang="en-US" sz="1400" smtClean="0"/>
-              <a:t>方法和类等）则是二等公民</a:t>
-            </a:r>
-            <a:r>
-              <a:rPr lang="zh-CN" altLang="en-US" sz="1400"/>
-              <a:t/>
-            </a:r>
-            <a:br>
-              <a:rPr lang="zh-CN" altLang="en-US" sz="1400"/>
-            </a:br>
-            <a:r>
-              <a:rPr lang="zh-CN" altLang="en-US" sz="1400"/>
-              <a:t/>
-            </a:r>
-            <a:br>
-              <a:rPr lang="zh-CN" altLang="en-US" sz="1400"/>
-            </a:br>
-            <a:endParaRPr lang="zh-CN" altLang="en-US" sz="1400"/>
           </a:p>
         </p:txBody>
       </p:sp>
     </p:spTree>
     <p:extLst>
       <p:ext uri="{BB962C8B-B14F-4D97-AF65-F5344CB8AC3E}">
-        <p14:creationId xmlns:p14="http://schemas.microsoft.com/office/powerpoint/2010/main" val="2061544340"/>
+        <p14:creationId xmlns:p14="http://schemas.microsoft.com/office/powerpoint/2010/main" val="4219819415"/>
       </p:ext>
     </p:extLst>
   </p:cSld>
@@ -8350,74 +8189,213 @@
           <a:chExt cx="0" cy="0"/>
         </a:xfrm>
       </p:grpSpPr>
-      <p:pic>
-        <p:nvPicPr>
-          <p:cNvPr id="1026" name="Picture 2"/>
-          <p:cNvPicPr>
-            <a:picLocks noChangeAspect="1" noChangeArrowheads="1"/>
-          </p:cNvPicPr>
+      <p:sp>
+        <p:nvSpPr>
+          <p:cNvPr id="2" name="矩形 1"/>
+          <p:cNvSpPr/>
           <p:nvPr/>
-        </p:nvPicPr>
-        <p:blipFill>
-          <a:blip r:embed="rId2">
-            <a:extLst>
-              <a:ext uri="{28A0092B-C50C-407E-A947-70E740481C1C}">
-                <a14:useLocalDpi xmlns:a14="http://schemas.microsoft.com/office/drawing/2010/main" val="0"/>
-              </a:ext>
-            </a:extLst>
-          </a:blip>
-          <a:srcRect/>
-          <a:stretch>
-            <a:fillRect/>
-          </a:stretch>
-        </p:blipFill>
-        <p:spPr bwMode="auto">
+        </p:nvSpPr>
+        <p:spPr>
           <a:xfrm>
-            <a:off x="1259632" y="574416"/>
-            <a:ext cx="6768752" cy="5852741"/>
+            <a:off x="1547664" y="692696"/>
+            <a:ext cx="4572000" cy="2585323"/>
           </a:xfrm>
           <a:prstGeom prst="rect">
             <a:avLst/>
           </a:prstGeom>
-          <a:noFill/>
-          <a:ln>
-            <a:noFill/>
-          </a:ln>
-          <a:effectLst/>
-          <a:extLst>
-            <a:ext uri="{909E8E84-426E-40DD-AFC4-6F175D3DCCD1}">
-              <a14:hiddenFill xmlns:a14="http://schemas.microsoft.com/office/drawing/2010/main">
-                <a:solidFill>
-                  <a:schemeClr val="accent1"/>
-                </a:solidFill>
-              </a14:hiddenFill>
-            </a:ext>
-            <a:ext uri="{91240B29-F687-4F45-9708-019B960494DF}">
-              <a14:hiddenLine xmlns:a14="http://schemas.microsoft.com/office/drawing/2010/main" w="9525">
-                <a:solidFill>
-                  <a:schemeClr val="tx1"/>
-                </a:solidFill>
-                <a:miter lim="800000"/>
-                <a:headEnd/>
-                <a:tailEnd/>
-              </a14:hiddenLine>
-            </a:ext>
-            <a:ext uri="{AF507438-7753-43E0-B8FC-AC1667EBCBE1}">
-              <a14:hiddenEffects xmlns:a14="http://schemas.microsoft.com/office/drawing/2010/main">
-                <a:effectLst>
-                  <a:outerShdw dist="35921" dir="2700000" algn="ctr" rotWithShape="0">
-                    <a:schemeClr val="bg2"/>
-                  </a:outerShdw>
-                </a:effectLst>
-              </a14:hiddenEffects>
-            </a:ext>
-          </a:extLst>
         </p:spPr>
-      </p:pic>
+        <p:txBody>
+          <a:bodyPr>
+            <a:spAutoFit/>
+          </a:bodyPr>
+          <a:lstStyle/>
+          <a:p>
+            <a:r>
+              <a:rPr lang="zh-CN" altLang="en-US" b="0"/>
+              <a:t>如果一个</a:t>
+            </a:r>
+            <a:r>
+              <a:rPr lang="en-US" altLang="zh-CN" b="0"/>
+              <a:t>Lambda</a:t>
+            </a:r>
+            <a:r>
+              <a:rPr lang="zh-CN" altLang="en-US" b="0"/>
+              <a:t>的主体是一个语句表达式， 它就和一个返回</a:t>
+            </a:r>
+            <a:r>
+              <a:rPr lang="en-US" altLang="zh-CN" b="0"/>
+              <a:t>void</a:t>
+            </a:r>
+            <a:r>
+              <a:rPr lang="zh-CN" altLang="en-US" b="0"/>
+              <a:t>的函数描述符兼容（当</a:t>
+            </a:r>
+            <a:br>
+              <a:rPr lang="zh-CN" altLang="en-US" b="0"/>
+            </a:br>
+            <a:r>
+              <a:rPr lang="zh-CN" altLang="en-US" b="0"/>
+              <a:t>然需要参数列表也兼容）。例如，以下两行都是合法的，尽管</a:t>
+            </a:r>
+            <a:r>
+              <a:rPr lang="en-US" altLang="zh-CN" b="0"/>
+              <a:t>List</a:t>
+            </a:r>
+            <a:r>
+              <a:rPr lang="zh-CN" altLang="en-US" b="0"/>
+              <a:t>的</a:t>
+            </a:r>
+            <a:r>
+              <a:rPr lang="en-US" altLang="zh-CN" b="0"/>
+              <a:t>add</a:t>
+            </a:r>
+            <a:r>
+              <a:rPr lang="zh-CN" altLang="en-US" b="0"/>
+              <a:t>方法返回了一个</a:t>
+            </a:r>
+            <a:br>
+              <a:rPr lang="zh-CN" altLang="en-US" b="0"/>
+            </a:br>
+            <a:r>
+              <a:rPr lang="en-US" altLang="zh-CN" b="0" err="1"/>
+              <a:t>boolean</a:t>
+            </a:r>
+            <a:r>
+              <a:rPr lang="zh-CN" altLang="en-US" b="0"/>
+              <a:t>，而不是</a:t>
+            </a:r>
+            <a:r>
+              <a:rPr lang="en-US" altLang="zh-CN" b="0"/>
+              <a:t>Consumer</a:t>
+            </a:r>
+            <a:r>
+              <a:rPr lang="zh-CN" altLang="en-US" b="0"/>
+              <a:t>上下文（</a:t>
+            </a:r>
+            <a:r>
+              <a:rPr lang="en-US" altLang="zh-CN" b="0"/>
+              <a:t>T -&gt; void</a:t>
+            </a:r>
+            <a:r>
+              <a:rPr lang="zh-CN" altLang="en-US" b="0"/>
+              <a:t>）所要求的</a:t>
+            </a:r>
+            <a:r>
+              <a:rPr lang="en-US" altLang="zh-CN" b="0"/>
+              <a:t>void</a:t>
+            </a:r>
+            <a:r>
+              <a:rPr lang="zh-CN" altLang="en-US" b="0"/>
+              <a:t>：</a:t>
+            </a:r>
+            <a:r>
+              <a:rPr lang="zh-CN" altLang="en-US"/>
+              <a:t> </a:t>
+            </a:r>
+            <a:br>
+              <a:rPr lang="zh-CN" altLang="en-US"/>
+            </a:br>
+            <a:endParaRPr lang="zh-CN" altLang="en-US"/>
+          </a:p>
+        </p:txBody>
+      </p:sp>
+      <p:sp>
+        <p:nvSpPr>
+          <p:cNvPr id="3" name="矩形 2"/>
+          <p:cNvSpPr/>
+          <p:nvPr/>
+        </p:nvSpPr>
+        <p:spPr>
+          <a:xfrm>
+            <a:off x="1403648" y="4221088"/>
+            <a:ext cx="4572000" cy="1477328"/>
+          </a:xfrm>
+          <a:prstGeom prst="rect">
+            <a:avLst/>
+          </a:prstGeom>
+        </p:spPr>
+        <p:txBody>
+          <a:bodyPr>
+            <a:spAutoFit/>
+          </a:bodyPr>
+          <a:lstStyle/>
+          <a:p>
+            <a:r>
+              <a:rPr lang="en-US" altLang="zh-CN" b="0"/>
+              <a:t>// Predicate</a:t>
+            </a:r>
+            <a:r>
+              <a:rPr lang="zh-CN" altLang="en-US" b="0"/>
+              <a:t>返回了一个</a:t>
+            </a:r>
+            <a:r>
+              <a:rPr lang="en-US" altLang="zh-CN" b="0" err="1"/>
+              <a:t>boolean</a:t>
+            </a:r>
+            <a:r>
+              <a:rPr lang="en-US" altLang="zh-CN" b="0"/>
+              <a:t/>
+            </a:r>
+            <a:br>
+              <a:rPr lang="en-US" altLang="zh-CN" b="0"/>
+            </a:br>
+            <a:r>
+              <a:rPr lang="en-US" altLang="zh-CN" b="0"/>
+              <a:t>Predicate&lt;String&gt; p = s -&gt; </a:t>
+            </a:r>
+            <a:r>
+              <a:rPr lang="en-US" altLang="zh-CN" b="0" err="1"/>
+              <a:t>list.add</a:t>
+            </a:r>
+            <a:r>
+              <a:rPr lang="en-US" altLang="zh-CN" b="0"/>
+              <a:t>(s);</a:t>
+            </a:r>
+            <a:br>
+              <a:rPr lang="en-US" altLang="zh-CN" b="0"/>
+            </a:br>
+            <a:r>
+              <a:rPr lang="en-US" altLang="zh-CN" b="0"/>
+              <a:t>// Consumer</a:t>
+            </a:r>
+            <a:r>
+              <a:rPr lang="zh-CN" altLang="en-US" b="0"/>
+              <a:t>返回了一个</a:t>
+            </a:r>
+            <a:r>
+              <a:rPr lang="en-US" altLang="zh-CN" b="0"/>
+              <a:t>void</a:t>
+            </a:r>
+            <a:br>
+              <a:rPr lang="en-US" altLang="zh-CN" b="0"/>
+            </a:br>
+            <a:r>
+              <a:rPr lang="en-US" altLang="zh-CN" b="0"/>
+              <a:t>Consumer&lt;String&gt; b = s -&gt; </a:t>
+            </a:r>
+            <a:r>
+              <a:rPr lang="en-US" altLang="zh-CN" b="0" err="1"/>
+              <a:t>list.add</a:t>
+            </a:r>
+            <a:r>
+              <a:rPr lang="en-US" altLang="zh-CN" b="0"/>
+              <a:t>(s);</a:t>
+            </a:r>
+            <a:r>
+              <a:rPr lang="en-US" altLang="zh-CN"/>
+              <a:t> </a:t>
+            </a:r>
+            <a:br>
+              <a:rPr lang="en-US" altLang="zh-CN"/>
+            </a:br>
+            <a:endParaRPr lang="zh-CN" altLang="en-US"/>
+          </a:p>
+        </p:txBody>
+      </p:sp>
     </p:spTree>
     <p:extLst>
       <p:ext uri="{BB962C8B-B14F-4D97-AF65-F5344CB8AC3E}">
-        <p14:creationId xmlns:p14="http://schemas.microsoft.com/office/powerpoint/2010/main" val="3793619055"/>
+        <p14:creationId xmlns:p14="http://schemas.microsoft.com/office/powerpoint/2010/main" val="4219819415"/>
       </p:ext>
     </p:extLst>
   </p:cSld>
@@ -8452,8 +8430,8 @@
         </p:nvSpPr>
         <p:spPr>
           <a:xfrm>
-            <a:off x="1043608" y="1844824"/>
-            <a:ext cx="6912768" cy="2862322"/>
+            <a:off x="971600" y="764704"/>
+            <a:ext cx="7848872" cy="2862322"/>
           </a:xfrm>
           <a:prstGeom prst="rect">
             <a:avLst/>
@@ -8467,110 +8445,215 @@
           <a:p>
             <a:r>
               <a:rPr lang="zh-CN" altLang="en-US" b="0"/>
-              <a:t>类型检查过程可以分解为如下所示。</a:t>
+              <a:t>你还可以进一步简化你的代码。 </a:t>
+            </a:r>
+            <a:r>
+              <a:rPr lang="en-US" altLang="zh-CN" b="0"/>
+              <a:t>Java</a:t>
+            </a:r>
+            <a:r>
+              <a:rPr lang="zh-CN" altLang="en-US" b="0"/>
+              <a:t>编译器会从上下文（目标类型）推断出用什么函数式接</a:t>
             </a:r>
             <a:br>
               <a:rPr lang="zh-CN" altLang="en-US" b="0"/>
             </a:br>
             <a:r>
               <a:rPr lang="zh-CN" altLang="en-US" b="0"/>
-              <a:t> 首先，你要找出</a:t>
+              <a:t>口来配合</a:t>
             </a:r>
             <a:r>
               <a:rPr lang="en-US" altLang="zh-CN" b="0"/>
-              <a:t>filter</a:t>
+              <a:t>Lambda</a:t>
             </a:r>
             <a:r>
               <a:rPr lang="zh-CN" altLang="en-US" b="0"/>
-              <a:t>方法的声明。</a:t>
+              <a:t>表达式，这意味着它也可以推断出适合</a:t>
+            </a:r>
+            <a:r>
+              <a:rPr lang="en-US" altLang="zh-CN" b="0"/>
+              <a:t>Lambda</a:t>
+            </a:r>
+            <a:r>
+              <a:rPr lang="zh-CN" altLang="en-US" b="0"/>
+              <a:t>的签名，因为函数描述符可以通</a:t>
             </a:r>
             <a:br>
               <a:rPr lang="zh-CN" altLang="en-US" b="0"/>
             </a:br>
             <a:r>
               <a:rPr lang="zh-CN" altLang="en-US" b="0"/>
-              <a:t> 第二，要求它是</a:t>
+              <a:t>过目标类型来得到。这样做的好处在于，编译器可以了解</a:t>
             </a:r>
             <a:r>
               <a:rPr lang="en-US" altLang="zh-CN" b="0"/>
-              <a:t>Predicate&lt;Apple&gt;</a:t>
+              <a:t>Lambda</a:t>
             </a:r>
             <a:r>
               <a:rPr lang="zh-CN" altLang="en-US" b="0"/>
-              <a:t>（目标类型）对象的第二个正式参数。</a:t>
+              <a:t>表达式的参数类型，这样就可</a:t>
             </a:r>
             <a:br>
               <a:rPr lang="zh-CN" altLang="en-US" b="0"/>
             </a:br>
             <a:r>
               <a:rPr lang="zh-CN" altLang="en-US" b="0"/>
-              <a:t> 第三， </a:t>
+              <a:t>以在</a:t>
             </a:r>
             <a:r>
               <a:rPr lang="en-US" altLang="zh-CN" b="0"/>
-              <a:t>Predicate&lt;Apple&gt;</a:t>
+              <a:t>Lambda</a:t>
             </a:r>
             <a:r>
               <a:rPr lang="zh-CN" altLang="en-US" b="0"/>
-              <a:t>是一个函数式接口，定义了一个叫作</a:t>
+              <a:t>语法中省去标注参数类型。换句话说， </a:t>
             </a:r>
             <a:r>
               <a:rPr lang="en-US" altLang="zh-CN" b="0"/>
-              <a:t>test</a:t>
+              <a:t>Java</a:t>
             </a:r>
             <a:r>
               <a:rPr lang="zh-CN" altLang="en-US" b="0"/>
-              <a:t>的抽象方法。</a:t>
+              <a:t>编译器会像下面这样推断</a:t>
+            </a:r>
+            <a:r>
+              <a:rPr lang="en-US" altLang="zh-CN" b="0"/>
+              <a:t>Lambda</a:t>
+            </a:r>
+            <a:r>
+              <a:rPr lang="zh-CN" altLang="en-US" b="0"/>
+              <a:t>的参数</a:t>
             </a:r>
             <a:br>
               <a:rPr lang="zh-CN" altLang="en-US" b="0"/>
             </a:br>
             <a:r>
               <a:rPr lang="zh-CN" altLang="en-US" b="0"/>
-              <a:t> 第四， </a:t>
-            </a:r>
+              <a:t>类型： </a:t>
+            </a:r>
+            <a:r>
+              <a:rPr lang="zh-CN" altLang="en-US"/>
+              <a:t/>
+            </a:r>
+            <a:br>
+              <a:rPr lang="zh-CN" altLang="en-US"/>
+            </a:br>
+            <a:endParaRPr lang="zh-CN" altLang="en-US"/>
+          </a:p>
+        </p:txBody>
+      </p:sp>
+      <p:sp>
+        <p:nvSpPr>
+          <p:cNvPr id="3" name="矩形 2"/>
+          <p:cNvSpPr/>
+          <p:nvPr/>
+        </p:nvSpPr>
+        <p:spPr>
+          <a:xfrm>
+            <a:off x="179512" y="3789040"/>
+            <a:ext cx="8784976" cy="3416320"/>
+          </a:xfrm>
+          <a:prstGeom prst="rect">
+            <a:avLst/>
+          </a:prstGeom>
+        </p:spPr>
+        <p:txBody>
+          <a:bodyPr wrap="square">
+            <a:spAutoFit/>
+          </a:bodyPr>
+          <a:lstStyle/>
+          <a:p>
             <a:r>
               <a:rPr lang="en-US" altLang="zh-CN" b="0"/>
-              <a:t>test</a:t>
+              <a:t>Lambda</a:t>
             </a:r>
             <a:r>
               <a:rPr lang="zh-CN" altLang="en-US" b="0"/>
-              <a:t>方法描述了一个函数描述符，它可以接受一个</a:t>
-            </a:r>
-            <a:r>
-              <a:rPr lang="en-US" altLang="zh-CN" b="0"/>
-              <a:t>Apple</a:t>
-            </a:r>
-            <a:r>
-              <a:rPr lang="zh-CN" altLang="en-US" b="0"/>
-              <a:t>，并返回一个</a:t>
-            </a:r>
-            <a:r>
-              <a:rPr lang="en-US" altLang="zh-CN" b="0" err="1"/>
-              <a:t>boolean</a:t>
-            </a:r>
-            <a:r>
-              <a:rPr lang="zh-CN" altLang="en-US" b="0"/>
-              <a:t>。</a:t>
+              <a:t>表达式有多个参数，代码可读性的好处就更为明显。例如，你可以这样来创建一个</a:t>
             </a:r>
             <a:br>
               <a:rPr lang="zh-CN" altLang="en-US" b="0"/>
             </a:br>
             <a:r>
               <a:rPr lang="en-US" altLang="zh-CN" b="0"/>
-              <a:t> </a:t>
+              <a:t>Comparator</a:t>
             </a:r>
             <a:r>
               <a:rPr lang="zh-CN" altLang="en-US" b="0"/>
-              <a:t>最后， </a:t>
-            </a:r>
+              <a:t>对象：</a:t>
+            </a:r>
+            <a:br>
+              <a:rPr lang="zh-CN" altLang="en-US" b="0"/>
+            </a:br>
             <a:r>
               <a:rPr lang="en-US" altLang="zh-CN" b="0"/>
-              <a:t>filter</a:t>
-            </a:r>
+              <a:t>Comparator&lt;Apple&gt; c =</a:t>
+            </a:r>
+            <a:br>
+              <a:rPr lang="en-US" altLang="zh-CN" b="0"/>
+            </a:br>
+            <a:r>
+              <a:rPr lang="en-US" altLang="zh-CN" b="0"/>
+              <a:t>(Apple a1, Apple a2) -&gt; a1.getWeight().</a:t>
+            </a:r>
+            <a:r>
+              <a:rPr lang="en-US" altLang="zh-CN" b="0" err="1"/>
+              <a:t>compareTo</a:t>
+            </a:r>
+            <a:r>
+              <a:rPr lang="en-US" altLang="zh-CN" b="0"/>
+              <a:t>(a2.getWeight());</a:t>
+            </a:r>
+            <a:br>
+              <a:rPr lang="en-US" altLang="zh-CN" b="0"/>
+            </a:br>
+            <a:r>
+              <a:rPr lang="en-US" altLang="zh-CN" b="0"/>
+              <a:t>Comparator&lt;Apple&gt; c =</a:t>
+            </a:r>
+            <a:br>
+              <a:rPr lang="en-US" altLang="zh-CN" b="0"/>
+            </a:br>
+            <a:r>
+              <a:rPr lang="en-US" altLang="zh-CN" b="0"/>
+              <a:t>(a1, a2) -&gt; a1.getWeight().</a:t>
+            </a:r>
+            <a:r>
+              <a:rPr lang="en-US" altLang="zh-CN" b="0" err="1"/>
+              <a:t>compareTo</a:t>
+            </a:r>
+            <a:r>
+              <a:rPr lang="en-US" altLang="zh-CN" b="0"/>
+              <a:t>(a2.getWeight());</a:t>
+            </a:r>
+            <a:r>
+              <a:rPr lang="en-US" altLang="zh-CN"/>
+              <a:t> </a:t>
+            </a:r>
+            <a:endParaRPr lang="en-US" altLang="zh-CN" smtClean="0"/>
+          </a:p>
+          <a:p>
+            <a:endParaRPr lang="en-US" altLang="zh-CN"/>
+          </a:p>
+          <a:p>
+            <a:r>
+              <a:rPr lang="en-US" altLang="zh-CN"/>
+              <a:t/>
+            </a:r>
+            <a:br>
+              <a:rPr lang="en-US" altLang="zh-CN"/>
+            </a:br>
             <a:r>
               <a:rPr lang="zh-CN" altLang="en-US" b="0"/>
-              <a:t>的任何实际参数都必须匹配这个要求。</a:t>
+              <a:t>请注意，当</a:t>
+            </a:r>
+            <a:r>
+              <a:rPr lang="en-US" altLang="zh-CN" b="0"/>
+              <a:t>Lambda</a:t>
+            </a:r>
+            <a:r>
+              <a:rPr lang="zh-CN" altLang="en-US" b="0"/>
+              <a:t>仅有一个类型需要推断的参数时，参数名称两边的括号也可以省略。</a:t>
             </a:r>
             <a:r>
               <a:rPr lang="zh-CN" altLang="en-US"/>
@@ -8621,8 +8704,8 @@
         </p:nvSpPr>
         <p:spPr>
           <a:xfrm>
-            <a:off x="1547664" y="692696"/>
-            <a:ext cx="4572000" cy="2585323"/>
+            <a:off x="2286000" y="1720840"/>
+            <a:ext cx="4572000" cy="3416320"/>
           </a:xfrm>
           <a:prstGeom prst="rect">
             <a:avLst/>
@@ -8636,7 +8719,7 @@
           <a:p>
             <a:r>
               <a:rPr lang="zh-CN" altLang="en-US" b="0"/>
-              <a:t>如果一个</a:t>
+              <a:t>我们迄今为止所介绍的所有</a:t>
             </a:r>
             <a:r>
               <a:rPr lang="en-US" altLang="zh-CN" b="0"/>
@@ -8644,166 +8727,95 @@
             </a:r>
             <a:r>
               <a:rPr lang="zh-CN" altLang="en-US" b="0"/>
-              <a:t>的主体是一个语句表达式， 它就和一个返回</a:t>
+              <a:t>表达式都只用到了其主体里面的参数。但</a:t>
             </a:r>
             <a:r>
               <a:rPr lang="en-US" altLang="zh-CN" b="0"/>
-              <a:t>void</a:t>
+              <a:t>Lambda</a:t>
             </a:r>
             <a:r>
               <a:rPr lang="zh-CN" altLang="en-US" b="0"/>
-              <a:t>的函数描述符兼容（当</a:t>
+              <a:t>表达式</a:t>
             </a:r>
             <a:br>
               <a:rPr lang="zh-CN" altLang="en-US" b="0"/>
             </a:br>
             <a:r>
               <a:rPr lang="zh-CN" altLang="en-US" b="0"/>
-              <a:t>然需要参数列表也兼容）。例如，以下两行都是合法的，尽管</a:t>
-            </a:r>
-            <a:r>
-              <a:rPr lang="en-US" altLang="zh-CN" b="0"/>
-              <a:t>List</a:t>
-            </a:r>
-            <a:r>
-              <a:rPr lang="zh-CN" altLang="en-US" b="0"/>
-              <a:t>的</a:t>
-            </a:r>
-            <a:r>
-              <a:rPr lang="en-US" altLang="zh-CN" b="0"/>
-              <a:t>add</a:t>
-            </a:r>
-            <a:r>
-              <a:rPr lang="zh-CN" altLang="en-US" b="0"/>
-              <a:t>方法返回了一个</a:t>
+              <a:t>也允许使用自由变量（不是参数，而是在外层作用域中定义的变量），就像匿名类一样。 它们被</a:t>
             </a:r>
             <a:br>
               <a:rPr lang="zh-CN" altLang="en-US" b="0"/>
             </a:br>
             <a:r>
+              <a:rPr lang="zh-CN" altLang="en-US" b="0"/>
+              <a:t>称作捕获</a:t>
+            </a:r>
+            <a:r>
+              <a:rPr lang="en-US" altLang="zh-CN" b="0"/>
+              <a:t>Lambda</a:t>
+            </a:r>
+            <a:r>
+              <a:rPr lang="zh-CN" altLang="en-US" b="0"/>
+              <a:t>。例如，下面的</a:t>
+            </a:r>
+            <a:r>
+              <a:rPr lang="en-US" altLang="zh-CN" b="0"/>
+              <a:t>Lambda</a:t>
+            </a:r>
+            <a:r>
+              <a:rPr lang="zh-CN" altLang="en-US" b="0"/>
+              <a:t>捕获了</a:t>
+            </a:r>
+            <a:r>
               <a:rPr lang="en-US" altLang="zh-CN" b="0" err="1"/>
-              <a:t>boolean</a:t>
+              <a:t>portNumber</a:t>
             </a:r>
             <a:r>
               <a:rPr lang="zh-CN" altLang="en-US" b="0"/>
-              <a:t>，而不是</a:t>
+              <a:t>变量：</a:t>
+            </a:r>
+            <a:br>
+              <a:rPr lang="zh-CN" altLang="en-US" b="0"/>
+            </a:br>
+            <a:r>
+              <a:rPr lang="en-US" altLang="zh-CN" b="0" err="1"/>
+              <a:t>int</a:t>
             </a:r>
             <a:r>
               <a:rPr lang="en-US" altLang="zh-CN" b="0"/>
-              <a:t>Consumer</a:t>
-            </a:r>
-            <a:r>
-              <a:rPr lang="zh-CN" altLang="en-US" b="0"/>
-              <a:t>上下文（</a:t>
+              <a:t> </a:t>
+            </a:r>
+            <a:r>
+              <a:rPr lang="en-US" altLang="zh-CN" b="0" err="1"/>
+              <a:t>portNumber</a:t>
             </a:r>
             <a:r>
               <a:rPr lang="en-US" altLang="zh-CN" b="0"/>
-              <a:t>T -&gt; void</a:t>
-            </a:r>
-            <a:r>
-              <a:rPr lang="zh-CN" altLang="en-US" b="0"/>
-              <a:t>）所要求的</a:t>
-            </a:r>
-            <a:r>
-              <a:rPr lang="en-US" altLang="zh-CN" b="0"/>
-              <a:t>void</a:t>
-            </a:r>
-            <a:r>
-              <a:rPr lang="zh-CN" altLang="en-US" b="0"/>
-              <a:t>：</a:t>
-            </a:r>
-            <a:r>
-              <a:rPr lang="zh-CN" altLang="en-US"/>
-              <a:t> </a:t>
-            </a:r>
-            <a:br>
-              <a:rPr lang="zh-CN" altLang="en-US"/>
-            </a:br>
-            <a:endParaRPr lang="zh-CN" altLang="en-US"/>
-          </a:p>
-        </p:txBody>
-      </p:sp>
-      <p:sp>
-        <p:nvSpPr>
-          <p:cNvPr id="3" name="矩形 2"/>
-          <p:cNvSpPr/>
-          <p:nvPr/>
-        </p:nvSpPr>
-        <p:spPr>
-          <a:xfrm>
-            <a:off x="1403648" y="4221088"/>
-            <a:ext cx="4572000" cy="1477328"/>
-          </a:xfrm>
-          <a:prstGeom prst="rect">
-            <a:avLst/>
-          </a:prstGeom>
-        </p:spPr>
-        <p:txBody>
-          <a:bodyPr>
-            <a:spAutoFit/>
-          </a:bodyPr>
-          <a:lstStyle/>
-          <a:p>
-            <a:r>
-              <a:rPr lang="en-US" altLang="zh-CN" b="0"/>
-              <a:t>// Predicate</a:t>
-            </a:r>
-            <a:r>
-              <a:rPr lang="zh-CN" altLang="en-US" b="0"/>
-              <a:t>返回了一个</a:t>
-            </a:r>
-            <a:r>
-              <a:rPr lang="en-US" altLang="zh-CN" b="0" err="1"/>
-              <a:t>boolean</a:t>
-            </a:r>
-            <a:r>
-              <a:rPr lang="en-US" altLang="zh-CN" b="0"/>
-              <a:t/>
+              <a:t> = 1337;</a:t>
             </a:r>
             <a:br>
               <a:rPr lang="en-US" altLang="zh-CN" b="0"/>
             </a:br>
             <a:r>
               <a:rPr lang="en-US" altLang="zh-CN" b="0"/>
-              <a:t>Predicate&lt;String&gt; p = s -&gt; </a:t>
+              <a:t>Runnable r = () -&gt; </a:t>
             </a:r>
             <a:r>
               <a:rPr lang="en-US" altLang="zh-CN" b="0" err="1"/>
-              <a:t>list.add</a:t>
+              <a:t>System.out.println</a:t>
             </a:r>
             <a:r>
               <a:rPr lang="en-US" altLang="zh-CN" b="0"/>
-              <a:t>(s);</a:t>
-            </a:r>
-            <a:br>
+              <a:t>(</a:t>
+            </a:r>
+            <a:r>
+              <a:rPr lang="en-US" altLang="zh-CN" b="0" err="1"/>
+              <a:t>portNumber</a:t>
+            </a:r>
+            <a:r>
               <a:rPr lang="en-US" altLang="zh-CN" b="0"/>
-            </a:br>
-            <a:r>
-              <a:rPr lang="en-US" altLang="zh-CN" b="0"/>
-              <a:t>// Consumer</a:t>
-            </a:r>
-            <a:r>
-              <a:rPr lang="zh-CN" altLang="en-US" b="0"/>
-              <a:t>返回了一个</a:t>
-            </a:r>
-            <a:r>
-              <a:rPr lang="en-US" altLang="zh-CN" b="0"/>
-              <a:t>void</a:t>
-            </a:r>
-            <a:br>
-              <a:rPr lang="en-US" altLang="zh-CN" b="0"/>
-            </a:br>
-            <a:r>
-              <a:rPr lang="en-US" altLang="zh-CN" b="0"/>
-              <a:t>Consumer&lt;String&gt; b = s -&gt; </a:t>
-            </a:r>
-            <a:r>
-              <a:rPr lang="en-US" altLang="zh-CN" b="0" err="1"/>
-              <a:t>list.add</a:t>
-            </a:r>
-            <a:r>
-              <a:rPr lang="en-US" altLang="zh-CN" b="0"/>
-              <a:t>(s);</a:t>
+              <a:t>);</a:t>
             </a:r>
             <a:r>
               <a:rPr lang="en-US" altLang="zh-CN"/>
@@ -8854,230 +8866,29 @@
         </p:nvSpPr>
         <p:spPr>
           <a:xfrm>
-            <a:off x="971600" y="764704"/>
-            <a:ext cx="7848872" cy="2862322"/>
+            <a:off x="2286000" y="2828836"/>
+            <a:ext cx="4572000" cy="1200329"/>
           </a:xfrm>
           <a:prstGeom prst="rect">
             <a:avLst/>
           </a:prstGeom>
         </p:spPr>
         <p:txBody>
-          <a:bodyPr wrap="square">
+          <a:bodyPr>
             <a:spAutoFit/>
           </a:bodyPr>
           <a:lstStyle/>
           <a:p>
             <a:r>
               <a:rPr lang="zh-CN" altLang="en-US" b="0"/>
-              <a:t>你还可以进一步简化你的代码。 </a:t>
-            </a:r>
-            <a:r>
-              <a:rPr lang="en-US" altLang="zh-CN" b="0"/>
-              <a:t>Java</a:t>
-            </a:r>
-            <a:r>
-              <a:rPr lang="zh-CN" altLang="en-US" b="0"/>
-              <a:t>编译器会从上下文（目标类型）推断出用什么函数式接</a:t>
+              <a:t>一个好处是，你的代码现在读起来更接近问题的陈述了。方法不</a:t>
             </a:r>
             <a:br>
               <a:rPr lang="zh-CN" altLang="en-US" b="0"/>
             </a:br>
             <a:r>
               <a:rPr lang="zh-CN" altLang="en-US" b="0"/>
-              <a:t>口来配合</a:t>
-            </a:r>
-            <a:r>
-              <a:rPr lang="en-US" altLang="zh-CN" b="0"/>
-              <a:t>Lambda</a:t>
-            </a:r>
-            <a:r>
-              <a:rPr lang="zh-CN" altLang="en-US" b="0"/>
-              <a:t>表达式，这意味着它也可以推断出适合</a:t>
-            </a:r>
-            <a:r>
-              <a:rPr lang="en-US" altLang="zh-CN" b="0"/>
-              <a:t>Lambda</a:t>
-            </a:r>
-            <a:r>
-              <a:rPr lang="zh-CN" altLang="en-US" b="0"/>
-              <a:t>的签名，因为函数描述符可以通</a:t>
-            </a:r>
-            <a:br>
-              <a:rPr lang="zh-CN" altLang="en-US" b="0"/>
-            </a:br>
-            <a:r>
-              <a:rPr lang="zh-CN" altLang="en-US" b="0"/>
-              <a:t>过目标类型来得到。这样做的好处在于，编译器可以了解</a:t>
-            </a:r>
-            <a:r>
-              <a:rPr lang="en-US" altLang="zh-CN" b="0"/>
-              <a:t>Lambda</a:t>
-            </a:r>
-            <a:r>
-              <a:rPr lang="zh-CN" altLang="en-US" b="0"/>
-              <a:t>表达式的参数类型，这样就可</a:t>
-            </a:r>
-            <a:br>
-              <a:rPr lang="zh-CN" altLang="en-US" b="0"/>
-            </a:br>
-            <a:r>
-              <a:rPr lang="zh-CN" altLang="en-US" b="0"/>
-              <a:t>以在</a:t>
-            </a:r>
-            <a:r>
-              <a:rPr lang="en-US" altLang="zh-CN" b="0"/>
-              <a:t>Lambda</a:t>
-            </a:r>
-            <a:r>
-              <a:rPr lang="zh-CN" altLang="en-US" b="0"/>
-              <a:t>语法中省去标注参数类型。换句话说， </a:t>
-            </a:r>
-            <a:r>
-              <a:rPr lang="en-US" altLang="zh-CN" b="0"/>
-              <a:t>Java</a:t>
-            </a:r>
-            <a:r>
-              <a:rPr lang="zh-CN" altLang="en-US" b="0"/>
-              <a:t>编译器会像下面这样推断</a:t>
-            </a:r>
-            <a:r>
-              <a:rPr lang="en-US" altLang="zh-CN" b="0"/>
-              <a:t>Lambda</a:t>
-            </a:r>
-            <a:r>
-              <a:rPr lang="zh-CN" altLang="en-US" b="0"/>
-              <a:t>的参数</a:t>
-            </a:r>
-            <a:br>
-              <a:rPr lang="zh-CN" altLang="en-US" b="0"/>
-            </a:br>
-            <a:r>
-              <a:rPr lang="zh-CN" altLang="en-US" b="0"/>
-              <a:t>类型： </a:t>
-            </a:r>
-            <a:r>
-              <a:rPr lang="zh-CN" altLang="en-US"/>
-              <a:t/>
-            </a:r>
-            <a:br>
-              <a:rPr lang="zh-CN" altLang="en-US"/>
-            </a:br>
-            <a:endParaRPr lang="zh-CN" altLang="en-US"/>
-          </a:p>
-        </p:txBody>
-      </p:sp>
-      <p:sp>
-        <p:nvSpPr>
-          <p:cNvPr id="3" name="矩形 2"/>
-          <p:cNvSpPr/>
-          <p:nvPr/>
-        </p:nvSpPr>
-        <p:spPr>
-          <a:xfrm>
-            <a:off x="179512" y="3789040"/>
-            <a:ext cx="8784976" cy="3416320"/>
-          </a:xfrm>
-          <a:prstGeom prst="rect">
-            <a:avLst/>
-          </a:prstGeom>
-        </p:spPr>
-        <p:txBody>
-          <a:bodyPr wrap="square">
-            <a:spAutoFit/>
-          </a:bodyPr>
-          <a:lstStyle/>
-          <a:p>
-            <a:r>
-              <a:rPr lang="en-US" altLang="zh-CN" b="0"/>
-              <a:t>Lambda</a:t>
-            </a:r>
-            <a:r>
-              <a:rPr lang="zh-CN" altLang="en-US" b="0"/>
-              <a:t>表达式有多个参数，代码可读性的好处就更为明显。例如，你可以这样来创建一个</a:t>
-            </a:r>
-            <a:br>
-              <a:rPr lang="zh-CN" altLang="en-US" b="0"/>
-            </a:br>
-            <a:r>
-              <a:rPr lang="en-US" altLang="zh-CN" b="0"/>
-              <a:t>Comparator</a:t>
-            </a:r>
-            <a:r>
-              <a:rPr lang="zh-CN" altLang="en-US" b="0"/>
-              <a:t>对象：</a:t>
-            </a:r>
-            <a:br>
-              <a:rPr lang="zh-CN" altLang="en-US" b="0"/>
-            </a:br>
-            <a:r>
-              <a:rPr lang="en-US" altLang="zh-CN" b="0"/>
-              <a:t>Comparator&lt;Apple&gt; c =</a:t>
-            </a:r>
-            <a:br>
-              <a:rPr lang="en-US" altLang="zh-CN" b="0"/>
-            </a:br>
-            <a:r>
-              <a:rPr lang="en-US" altLang="zh-CN" b="0"/>
-              <a:t>(Apple a1, Apple a2) -&gt; a1.getWeight().</a:t>
-            </a:r>
-            <a:r>
-              <a:rPr lang="en-US" altLang="zh-CN" b="0" err="1"/>
-              <a:t>compareTo</a:t>
-            </a:r>
-            <a:r>
-              <a:rPr lang="en-US" altLang="zh-CN" b="0"/>
-              <a:t>(a2.getWeight());</a:t>
-            </a:r>
-            <a:br>
-              <a:rPr lang="en-US" altLang="zh-CN" b="0"/>
-            </a:br>
-            <a:r>
-              <a:rPr lang="en-US" altLang="zh-CN" b="0"/>
-              <a:t>Comparator&lt;Apple&gt; c =</a:t>
-            </a:r>
-            <a:br>
-              <a:rPr lang="en-US" altLang="zh-CN" b="0"/>
-            </a:br>
-            <a:r>
-              <a:rPr lang="en-US" altLang="zh-CN" b="0"/>
-              <a:t>(a1, a2) -&gt; a1.getWeight().</a:t>
-            </a:r>
-            <a:r>
-              <a:rPr lang="en-US" altLang="zh-CN" b="0" err="1"/>
-              <a:t>compareTo</a:t>
-            </a:r>
-            <a:r>
-              <a:rPr lang="en-US" altLang="zh-CN" b="0"/>
-              <a:t>(a2.getWeight());</a:t>
-            </a:r>
-            <a:r>
-              <a:rPr lang="en-US" altLang="zh-CN"/>
-              <a:t> </a:t>
-            </a:r>
-            <a:endParaRPr lang="en-US" altLang="zh-CN" smtClean="0"/>
-          </a:p>
-          <a:p>
-            <a:endParaRPr lang="en-US" altLang="zh-CN"/>
-          </a:p>
-          <a:p>
-            <a:r>
-              <a:rPr lang="en-US" altLang="zh-CN"/>
-              <a:t/>
-            </a:r>
-            <a:br>
-              <a:rPr lang="en-US" altLang="zh-CN"/>
-            </a:br>
-            <a:r>
-              <a:rPr lang="zh-CN" altLang="en-US" b="0"/>
-              <a:t>请注意，当</a:t>
-            </a:r>
-            <a:r>
-              <a:rPr lang="en-US" altLang="zh-CN" b="0"/>
-              <a:t>Lambda</a:t>
-            </a:r>
-            <a:r>
-              <a:rPr lang="zh-CN" altLang="en-US" b="0"/>
-              <a:t>仅有一个类型需要推断的参数时，参数名称两边的括号也可以省略。</a:t>
+              <a:t>再是二等值了</a:t>
             </a:r>
             <a:r>
               <a:rPr lang="zh-CN" altLang="en-US"/>
@@ -9104,241 +8915,6 @@
 </file>
 
 <file path=ppt/slides/slide15.xml><?xml version="1.0" encoding="utf-8"?>
-<p:sld xmlns:a="http://schemas.openxmlformats.org/drawingml/2006/main" xmlns:r="http://schemas.openxmlformats.org/officeDocument/2006/relationships" xmlns:p="http://schemas.openxmlformats.org/presentationml/2006/main">
-  <p:cSld>
-    <p:spTree>
-      <p:nvGrpSpPr>
-        <p:cNvPr id="1" name=""/>
-        <p:cNvGrpSpPr/>
-        <p:nvPr/>
-      </p:nvGrpSpPr>
-      <p:grpSpPr>
-        <a:xfrm>
-          <a:off x="0" y="0"/>
-          <a:ext cx="0" cy="0"/>
-          <a:chOff x="0" y="0"/>
-          <a:chExt cx="0" cy="0"/>
-        </a:xfrm>
-      </p:grpSpPr>
-      <p:sp>
-        <p:nvSpPr>
-          <p:cNvPr id="2" name="矩形 1"/>
-          <p:cNvSpPr/>
-          <p:nvPr/>
-        </p:nvSpPr>
-        <p:spPr>
-          <a:xfrm>
-            <a:off x="2286000" y="1720840"/>
-            <a:ext cx="4572000" cy="3416320"/>
-          </a:xfrm>
-          <a:prstGeom prst="rect">
-            <a:avLst/>
-          </a:prstGeom>
-        </p:spPr>
-        <p:txBody>
-          <a:bodyPr>
-            <a:spAutoFit/>
-          </a:bodyPr>
-          <a:lstStyle/>
-          <a:p>
-            <a:r>
-              <a:rPr lang="zh-CN" altLang="en-US" b="0"/>
-              <a:t>我们迄今为止所介绍的所有</a:t>
-            </a:r>
-            <a:r>
-              <a:rPr lang="en-US" altLang="zh-CN" b="0"/>
-              <a:t>Lambda</a:t>
-            </a:r>
-            <a:r>
-              <a:rPr lang="zh-CN" altLang="en-US" b="0"/>
-              <a:t>表达式都只用到了其主体里面的参数。但</a:t>
-            </a:r>
-            <a:r>
-              <a:rPr lang="en-US" altLang="zh-CN" b="0"/>
-              <a:t>Lambda</a:t>
-            </a:r>
-            <a:r>
-              <a:rPr lang="zh-CN" altLang="en-US" b="0"/>
-              <a:t>表达式</a:t>
-            </a:r>
-            <a:br>
-              <a:rPr lang="zh-CN" altLang="en-US" b="0"/>
-            </a:br>
-            <a:r>
-              <a:rPr lang="zh-CN" altLang="en-US" b="0"/>
-              <a:t>也允许使用自由变量（不是参数，而是在外层作用域中定义的变量），就像匿名类一样。 它们被</a:t>
-            </a:r>
-            <a:br>
-              <a:rPr lang="zh-CN" altLang="en-US" b="0"/>
-            </a:br>
-            <a:r>
-              <a:rPr lang="zh-CN" altLang="en-US" b="0"/>
-              <a:t>称作捕获</a:t>
-            </a:r>
-            <a:r>
-              <a:rPr lang="en-US" altLang="zh-CN" b="0"/>
-              <a:t>Lambda</a:t>
-            </a:r>
-            <a:r>
-              <a:rPr lang="zh-CN" altLang="en-US" b="0"/>
-              <a:t>。例如，下面的</a:t>
-            </a:r>
-            <a:r>
-              <a:rPr lang="en-US" altLang="zh-CN" b="0"/>
-              <a:t>Lambda</a:t>
-            </a:r>
-            <a:r>
-              <a:rPr lang="zh-CN" altLang="en-US" b="0"/>
-              <a:t>捕获了</a:t>
-            </a:r>
-            <a:r>
-              <a:rPr lang="en-US" altLang="zh-CN" b="0" err="1"/>
-              <a:t>portNumber</a:t>
-            </a:r>
-            <a:r>
-              <a:rPr lang="zh-CN" altLang="en-US" b="0"/>
-              <a:t>变量：</a:t>
-            </a:r>
-            <a:br>
-              <a:rPr lang="zh-CN" altLang="en-US" b="0"/>
-            </a:br>
-            <a:r>
-              <a:rPr lang="en-US" altLang="zh-CN" b="0" err="1"/>
-              <a:t>int</a:t>
-            </a:r>
-            <a:r>
-              <a:rPr lang="en-US" altLang="zh-CN" b="0"/>
-              <a:t> </a:t>
-            </a:r>
-            <a:r>
-              <a:rPr lang="en-US" altLang="zh-CN" b="0" err="1"/>
-              <a:t>portNumber</a:t>
-            </a:r>
-            <a:r>
-              <a:rPr lang="en-US" altLang="zh-CN" b="0"/>
-              <a:t> = 1337;</a:t>
-            </a:r>
-            <a:br>
-              <a:rPr lang="en-US" altLang="zh-CN" b="0"/>
-            </a:br>
-            <a:r>
-              <a:rPr lang="en-US" altLang="zh-CN" b="0"/>
-              <a:t>Runnable r = () -&gt; </a:t>
-            </a:r>
-            <a:r>
-              <a:rPr lang="en-US" altLang="zh-CN" b="0" err="1"/>
-              <a:t>System.out.println</a:t>
-            </a:r>
-            <a:r>
-              <a:rPr lang="en-US" altLang="zh-CN" b="0"/>
-              <a:t>(</a:t>
-            </a:r>
-            <a:r>
-              <a:rPr lang="en-US" altLang="zh-CN" b="0" err="1"/>
-              <a:t>portNumber</a:t>
-            </a:r>
-            <a:r>
-              <a:rPr lang="en-US" altLang="zh-CN" b="0"/>
-              <a:t>);</a:t>
-            </a:r>
-            <a:r>
-              <a:rPr lang="en-US" altLang="zh-CN"/>
-              <a:t> </a:t>
-            </a:r>
-            <a:br>
-              <a:rPr lang="en-US" altLang="zh-CN"/>
-            </a:br>
-            <a:endParaRPr lang="zh-CN" altLang="en-US"/>
-          </a:p>
-        </p:txBody>
-      </p:sp>
-    </p:spTree>
-    <p:extLst>
-      <p:ext uri="{BB962C8B-B14F-4D97-AF65-F5344CB8AC3E}">
-        <p14:creationId xmlns:p14="http://schemas.microsoft.com/office/powerpoint/2010/main" val="4219819415"/>
-      </p:ext>
-    </p:extLst>
-  </p:cSld>
-  <p:clrMapOvr>
-    <a:masterClrMapping/>
-  </p:clrMapOvr>
-</p:sld>
-</file>
-
-<file path=ppt/slides/slide16.xml><?xml version="1.0" encoding="utf-8"?>
-<p:sld xmlns:a="http://schemas.openxmlformats.org/drawingml/2006/main" xmlns:r="http://schemas.openxmlformats.org/officeDocument/2006/relationships" xmlns:p="http://schemas.openxmlformats.org/presentationml/2006/main">
-  <p:cSld>
-    <p:spTree>
-      <p:nvGrpSpPr>
-        <p:cNvPr id="1" name=""/>
-        <p:cNvGrpSpPr/>
-        <p:nvPr/>
-      </p:nvGrpSpPr>
-      <p:grpSpPr>
-        <a:xfrm>
-          <a:off x="0" y="0"/>
-          <a:ext cx="0" cy="0"/>
-          <a:chOff x="0" y="0"/>
-          <a:chExt cx="0" cy="0"/>
-        </a:xfrm>
-      </p:grpSpPr>
-      <p:sp>
-        <p:nvSpPr>
-          <p:cNvPr id="2" name="矩形 1"/>
-          <p:cNvSpPr/>
-          <p:nvPr/>
-        </p:nvSpPr>
-        <p:spPr>
-          <a:xfrm>
-            <a:off x="2286000" y="2828836"/>
-            <a:ext cx="4572000" cy="1200329"/>
-          </a:xfrm>
-          <a:prstGeom prst="rect">
-            <a:avLst/>
-          </a:prstGeom>
-        </p:spPr>
-        <p:txBody>
-          <a:bodyPr>
-            <a:spAutoFit/>
-          </a:bodyPr>
-          <a:lstStyle/>
-          <a:p>
-            <a:r>
-              <a:rPr lang="zh-CN" altLang="en-US" b="0"/>
-              <a:t>一个好处是，你的代码现在读起来更接近问题的陈述了。方法不</a:t>
-            </a:r>
-            <a:br>
-              <a:rPr lang="zh-CN" altLang="en-US" b="0"/>
-            </a:br>
-            <a:r>
-              <a:rPr lang="zh-CN" altLang="en-US" b="0"/>
-              <a:t>再是二等值了</a:t>
-            </a:r>
-            <a:r>
-              <a:rPr lang="zh-CN" altLang="en-US"/>
-              <a:t> </a:t>
-            </a:r>
-            <a:br>
-              <a:rPr lang="zh-CN" altLang="en-US"/>
-            </a:br>
-            <a:endParaRPr lang="zh-CN" altLang="en-US"/>
-          </a:p>
-        </p:txBody>
-      </p:sp>
-    </p:spTree>
-    <p:extLst>
-      <p:ext uri="{BB962C8B-B14F-4D97-AF65-F5344CB8AC3E}">
-        <p14:creationId xmlns:p14="http://schemas.microsoft.com/office/powerpoint/2010/main" val="4219819415"/>
-      </p:ext>
-    </p:extLst>
-  </p:cSld>
-  <p:clrMapOvr>
-    <a:masterClrMapping/>
-  </p:clrMapOvr>
-</p:sld>
-</file>
-
-<file path=ppt/slides/slide17.xml><?xml version="1.0" encoding="utf-8"?>
 <p:sld xmlns:a="http://schemas.openxmlformats.org/drawingml/2006/main" xmlns:r="http://schemas.openxmlformats.org/officeDocument/2006/relationships" xmlns:p="http://schemas.openxmlformats.org/presentationml/2006/main">
   <p:cSld>
     <p:spTree>
@@ -9548,7 +9124,7 @@
 </p:sld>
 </file>
 
-<file path=ppt/slides/slide18.xml><?xml version="1.0" encoding="utf-8"?>
+<file path=ppt/slides/slide16.xml><?xml version="1.0" encoding="utf-8"?>
 <p:sld xmlns:a="http://schemas.openxmlformats.org/drawingml/2006/main" xmlns:r="http://schemas.openxmlformats.org/officeDocument/2006/relationships" xmlns:p="http://schemas.openxmlformats.org/presentationml/2006/main">
   <p:cSld>
     <p:spTree>
@@ -9722,7 +9298,7 @@
 </p:sld>
 </file>
 
-<file path=ppt/slides/slide19.xml><?xml version="1.0" encoding="utf-8"?>
+<file path=ppt/slides/slide17.xml><?xml version="1.0" encoding="utf-8"?>
 <p:sld xmlns:a="http://schemas.openxmlformats.org/drawingml/2006/main" xmlns:r="http://schemas.openxmlformats.org/officeDocument/2006/relationships" xmlns:p="http://schemas.openxmlformats.org/presentationml/2006/main">
   <p:cSld>
     <p:spTree>
@@ -9814,89 +9390,7 @@
 </p:sld>
 </file>
 
-<file path=ppt/slides/slide2.xml><?xml version="1.0" encoding="utf-8"?>
-<p:sld xmlns:a="http://schemas.openxmlformats.org/drawingml/2006/main" xmlns:r="http://schemas.openxmlformats.org/officeDocument/2006/relationships" xmlns:p="http://schemas.openxmlformats.org/presentationml/2006/main">
-  <p:cSld>
-    <p:spTree>
-      <p:nvGrpSpPr>
-        <p:cNvPr id="1" name=""/>
-        <p:cNvGrpSpPr/>
-        <p:nvPr/>
-      </p:nvGrpSpPr>
-      <p:grpSpPr>
-        <a:xfrm>
-          <a:off x="0" y="0"/>
-          <a:ext cx="0" cy="0"/>
-          <a:chOff x="0" y="0"/>
-          <a:chExt cx="0" cy="0"/>
-        </a:xfrm>
-      </p:grpSpPr>
-      <p:sp>
-        <p:nvSpPr>
-          <p:cNvPr id="2" name="标题 1"/>
-          <p:cNvSpPr>
-            <a:spLocks noGrp="1"/>
-          </p:cNvSpPr>
-          <p:nvPr>
-            <p:ph type="ctrTitle"/>
-          </p:nvPr>
-        </p:nvSpPr>
-        <p:spPr/>
-        <p:txBody>
-          <a:bodyPr/>
-          <a:lstStyle/>
-          <a:p>
-            <a:r>
-              <a:rPr lang="en-US" altLang="zh-CN"/>
-              <a:t>Java8</a:t>
-            </a:r>
-            <a:r>
-              <a:rPr lang="zh-CN" altLang="en-US"/>
-              <a:t>高级培训</a:t>
-            </a:r>
-            <a:endParaRPr lang="en-US" altLang="zh-CN"/>
-          </a:p>
-        </p:txBody>
-      </p:sp>
-      <p:sp>
-        <p:nvSpPr>
-          <p:cNvPr id="3" name="副标题 2"/>
-          <p:cNvSpPr>
-            <a:spLocks noGrp="1"/>
-          </p:cNvSpPr>
-          <p:nvPr>
-            <p:ph type="subTitle" idx="1"/>
-          </p:nvPr>
-        </p:nvSpPr>
-        <p:spPr/>
-        <p:txBody>
-          <a:bodyPr/>
-          <a:lstStyle/>
-          <a:p>
-            <a:r>
-              <a:rPr lang="zh-CN" altLang="en-US" smtClean="0"/>
-              <a:t>刘磊</a:t>
-            </a:r>
-            <a:endParaRPr lang="en-US" altLang="zh-CN" smtClean="0"/>
-          </a:p>
-          <a:p>
-            <a:r>
-              <a:rPr lang="en-US" altLang="zh-CN" smtClean="0"/>
-              <a:t>2017.12</a:t>
-            </a:r>
-            <a:endParaRPr lang="en-US" altLang="zh-CN"/>
-          </a:p>
-        </p:txBody>
-      </p:sp>
-    </p:spTree>
-  </p:cSld>
-  <p:clrMapOvr>
-    <a:masterClrMapping/>
-  </p:clrMapOvr>
-</p:sld>
-</file>
-
-<file path=ppt/slides/slide20.xml><?xml version="1.0" encoding="utf-8"?>
+<file path=ppt/slides/slide18.xml><?xml version="1.0" encoding="utf-8"?>
 <p:sld xmlns:a="http://schemas.openxmlformats.org/drawingml/2006/main" xmlns:r="http://schemas.openxmlformats.org/officeDocument/2006/relationships" xmlns:p="http://schemas.openxmlformats.org/presentationml/2006/main">
   <p:cSld>
     <p:spTree>
@@ -9990,7 +9484,7 @@
 </p:sld>
 </file>
 
-<file path=ppt/slides/slide21.xml><?xml version="1.0" encoding="utf-8"?>
+<file path=ppt/slides/slide19.xml><?xml version="1.0" encoding="utf-8"?>
 <p:sld xmlns:a="http://schemas.openxmlformats.org/drawingml/2006/main" xmlns:r="http://schemas.openxmlformats.org/officeDocument/2006/relationships" xmlns:p="http://schemas.openxmlformats.org/presentationml/2006/main">
   <p:cSld>
     <p:spTree>
@@ -10132,7 +9626,89 @@
 </p:sld>
 </file>
 
-<file path=ppt/slides/slide22.xml><?xml version="1.0" encoding="utf-8"?>
+<file path=ppt/slides/slide2.xml><?xml version="1.0" encoding="utf-8"?>
+<p:sld xmlns:a="http://schemas.openxmlformats.org/drawingml/2006/main" xmlns:r="http://schemas.openxmlformats.org/officeDocument/2006/relationships" xmlns:p="http://schemas.openxmlformats.org/presentationml/2006/main">
+  <p:cSld>
+    <p:spTree>
+      <p:nvGrpSpPr>
+        <p:cNvPr id="1" name=""/>
+        <p:cNvGrpSpPr/>
+        <p:nvPr/>
+      </p:nvGrpSpPr>
+      <p:grpSpPr>
+        <a:xfrm>
+          <a:off x="0" y="0"/>
+          <a:ext cx="0" cy="0"/>
+          <a:chOff x="0" y="0"/>
+          <a:chExt cx="0" cy="0"/>
+        </a:xfrm>
+      </p:grpSpPr>
+      <p:sp>
+        <p:nvSpPr>
+          <p:cNvPr id="2" name="标题 1"/>
+          <p:cNvSpPr>
+            <a:spLocks noGrp="1"/>
+          </p:cNvSpPr>
+          <p:nvPr>
+            <p:ph type="ctrTitle"/>
+          </p:nvPr>
+        </p:nvSpPr>
+        <p:spPr/>
+        <p:txBody>
+          <a:bodyPr/>
+          <a:lstStyle/>
+          <a:p>
+            <a:r>
+              <a:rPr lang="en-US" altLang="zh-CN"/>
+              <a:t>Java8</a:t>
+            </a:r>
+            <a:r>
+              <a:rPr lang="zh-CN" altLang="en-US"/>
+              <a:t>高级培训</a:t>
+            </a:r>
+            <a:endParaRPr lang="en-US" altLang="zh-CN"/>
+          </a:p>
+        </p:txBody>
+      </p:sp>
+      <p:sp>
+        <p:nvSpPr>
+          <p:cNvPr id="3" name="副标题 2"/>
+          <p:cNvSpPr>
+            <a:spLocks noGrp="1"/>
+          </p:cNvSpPr>
+          <p:nvPr>
+            <p:ph type="subTitle" idx="1"/>
+          </p:nvPr>
+        </p:nvSpPr>
+        <p:spPr/>
+        <p:txBody>
+          <a:bodyPr/>
+          <a:lstStyle/>
+          <a:p>
+            <a:r>
+              <a:rPr lang="zh-CN" altLang="en-US" smtClean="0"/>
+              <a:t>刘磊</a:t>
+            </a:r>
+            <a:endParaRPr lang="en-US" altLang="zh-CN" smtClean="0"/>
+          </a:p>
+          <a:p>
+            <a:r>
+              <a:rPr lang="en-US" altLang="zh-CN" smtClean="0"/>
+              <a:t>2017.12</a:t>
+            </a:r>
+            <a:endParaRPr lang="en-US" altLang="zh-CN"/>
+          </a:p>
+        </p:txBody>
+      </p:sp>
+    </p:spTree>
+  </p:cSld>
+  <p:clrMapOvr>
+    <a:masterClrMapping/>
+  </p:clrMapOvr>
+</p:sld>
+</file>
+
+<file path=ppt/slides/slide20.xml><?xml version="1.0" encoding="utf-8"?>
 <p:sld xmlns:a="http://schemas.openxmlformats.org/drawingml/2006/main" xmlns:r="http://schemas.openxmlformats.org/officeDocument/2006/relationships" xmlns:p="http://schemas.openxmlformats.org/presentationml/2006/main">
   <p:cSld>
     <p:spTree>
@@ -10229,6 +9805,66 @@
           </a:p>
         </p:txBody>
       </p:sp>
+    </p:spTree>
+    <p:extLst>
+      <p:ext uri="{BB962C8B-B14F-4D97-AF65-F5344CB8AC3E}">
+        <p14:creationId xmlns:p14="http://schemas.microsoft.com/office/powerpoint/2010/main" val="4219819415"/>
+      </p:ext>
+    </p:extLst>
+  </p:cSld>
+  <p:clrMapOvr>
+    <a:masterClrMapping/>
+  </p:clrMapOvr>
+</p:sld>
+</file>
+
+<file path=ppt/slides/slide21.xml><?xml version="1.0" encoding="utf-8"?>
+<p:sld xmlns:a="http://schemas.openxmlformats.org/drawingml/2006/main" xmlns:r="http://schemas.openxmlformats.org/officeDocument/2006/relationships" xmlns:p="http://schemas.openxmlformats.org/presentationml/2006/main">
+  <p:cSld>
+    <p:spTree>
+      <p:nvGrpSpPr>
+        <p:cNvPr id="1" name=""/>
+        <p:cNvGrpSpPr/>
+        <p:nvPr/>
+      </p:nvGrpSpPr>
+      <p:grpSpPr>
+        <a:xfrm>
+          <a:off x="0" y="0"/>
+          <a:ext cx="0" cy="0"/>
+          <a:chOff x="0" y="0"/>
+          <a:chExt cx="0" cy="0"/>
+        </a:xfrm>
+      </p:grpSpPr>
+    </p:spTree>
+    <p:extLst>
+      <p:ext uri="{BB962C8B-B14F-4D97-AF65-F5344CB8AC3E}">
+        <p14:creationId xmlns:p14="http://schemas.microsoft.com/office/powerpoint/2010/main" val="4219819415"/>
+      </p:ext>
+    </p:extLst>
+  </p:cSld>
+  <p:clrMapOvr>
+    <a:masterClrMapping/>
+  </p:clrMapOvr>
+</p:sld>
+</file>
+
+<file path=ppt/slides/slide22.xml><?xml version="1.0" encoding="utf-8"?>
+<p:sld xmlns:a="http://schemas.openxmlformats.org/drawingml/2006/main" xmlns:r="http://schemas.openxmlformats.org/officeDocument/2006/relationships" xmlns:p="http://schemas.openxmlformats.org/presentationml/2006/main">
+  <p:cSld>
+    <p:spTree>
+      <p:nvGrpSpPr>
+        <p:cNvPr id="1" name=""/>
+        <p:cNvGrpSpPr/>
+        <p:nvPr/>
+      </p:nvGrpSpPr>
+      <p:grpSpPr>
+        <a:xfrm>
+          <a:off x="0" y="0"/>
+          <a:ext cx="0" cy="0"/>
+          <a:chOff x="0" y="0"/>
+          <a:chExt cx="0" cy="0"/>
+        </a:xfrm>
+      </p:grpSpPr>
     </p:spTree>
     <p:extLst>
       <p:ext uri="{BB962C8B-B14F-4D97-AF65-F5344CB8AC3E}">
@@ -19444,114 +19080,41 @@
       </p:grpSpPr>
       <p:sp>
         <p:nvSpPr>
-          <p:cNvPr id="4" name="矩形 3"/>
-          <p:cNvSpPr/>
+          <p:cNvPr id="2" name="TextBox 1"/>
+          <p:cNvSpPr txBox="1"/>
           <p:nvPr/>
         </p:nvSpPr>
         <p:spPr>
           <a:xfrm>
-            <a:off x="2286000" y="2274838"/>
-            <a:ext cx="4572000" cy="2308324"/>
+            <a:off x="2339752" y="1628800"/>
+            <a:ext cx="2156360" cy="369332"/>
           </a:xfrm>
           <a:prstGeom prst="rect">
             <a:avLst/>
           </a:prstGeom>
+          <a:noFill/>
         </p:spPr>
         <p:txBody>
-          <a:bodyPr>
+          <a:bodyPr wrap="none" rtlCol="0">
             <a:spAutoFit/>
           </a:bodyPr>
           <a:lstStyle/>
           <a:p>
             <a:r>
-              <a:rPr lang="en-US" altLang="zh-CN" b="0"/>
-              <a:t>1. Lambda </a:t>
-            </a:r>
-            <a:r>
-              <a:rPr lang="zh-CN" altLang="en-US" b="0"/>
-              <a:t>表达式</a:t>
-            </a:r>
-            <a:br>
-              <a:rPr lang="zh-CN" altLang="en-US" b="0"/>
-            </a:br>
-            <a:r>
-              <a:rPr lang="en-US" altLang="zh-CN" b="0"/>
-              <a:t>2. </a:t>
-            </a:r>
-            <a:r>
-              <a:rPr lang="zh-CN" altLang="en-US" b="0"/>
-              <a:t>函数式接口</a:t>
-            </a:r>
-            <a:br>
-              <a:rPr lang="zh-CN" altLang="en-US" b="0"/>
-            </a:br>
-            <a:r>
-              <a:rPr lang="en-US" altLang="zh-CN" b="0"/>
-              <a:t>3. </a:t>
-            </a:r>
-            <a:r>
-              <a:rPr lang="zh-CN" altLang="en-US" b="0"/>
-              <a:t>方法引用与构造器引用</a:t>
-            </a:r>
-            <a:br>
-              <a:rPr lang="zh-CN" altLang="en-US" b="0"/>
-            </a:br>
-            <a:r>
-              <a:rPr lang="en-US" altLang="zh-CN" b="0"/>
-              <a:t>4. Stream API</a:t>
-            </a:r>
-            <a:br>
-              <a:rPr lang="en-US" altLang="zh-CN" b="0"/>
-            </a:br>
-            <a:r>
-              <a:rPr lang="en-US" altLang="zh-CN" b="0"/>
-              <a:t>5. </a:t>
-            </a:r>
-            <a:r>
-              <a:rPr lang="zh-CN" altLang="en-US" b="0"/>
-              <a:t>接口中的默认方法与静态方法</a:t>
-            </a:r>
-            <a:br>
-              <a:rPr lang="zh-CN" altLang="en-US" b="0"/>
-            </a:br>
-            <a:r>
-              <a:rPr lang="en-US" altLang="zh-CN" b="0"/>
-              <a:t>6. </a:t>
-            </a:r>
-            <a:r>
-              <a:rPr lang="zh-CN" altLang="en-US" b="0"/>
-              <a:t>新时间日期 </a:t>
-            </a:r>
-            <a:r>
-              <a:rPr lang="en-US" altLang="zh-CN" b="0"/>
-              <a:t>API</a:t>
-            </a:r>
-            <a:br>
-              <a:rPr lang="en-US" altLang="zh-CN" b="0"/>
-            </a:br>
-            <a:r>
-              <a:rPr lang="en-US" altLang="zh-CN" b="0"/>
-              <a:t>7. </a:t>
-            </a:r>
-            <a:r>
-              <a:rPr lang="zh-CN" altLang="en-US" b="0"/>
-              <a:t>其他新特性</a:t>
-            </a:r>
-            <a:r>
-              <a:rPr lang="zh-CN" altLang="en-US"/>
-              <a:t> </a:t>
-            </a:r>
-            <a:br>
-              <a:rPr lang="zh-CN" altLang="en-US"/>
-            </a:br>
-            <a:endParaRPr lang="zh-CN" altLang="en-US"/>
+              <a:rPr lang="zh-CN" altLang="en-US" smtClean="0"/>
+              <a:t>为什么要存在</a:t>
+            </a:r>
+            <a:r>
+              <a:rPr lang="en-US" altLang="zh-CN" smtClean="0"/>
+              <a:t>java8</a:t>
+            </a:r>
           </a:p>
         </p:txBody>
       </p:sp>
     </p:spTree>
     <p:extLst>
       <p:ext uri="{BB962C8B-B14F-4D97-AF65-F5344CB8AC3E}">
-        <p14:creationId xmlns:p14="http://schemas.microsoft.com/office/powerpoint/2010/main" val="3851745551"/>
+        <p14:creationId xmlns:p14="http://schemas.microsoft.com/office/powerpoint/2010/main" val="4219819415"/>
       </p:ext>
     </p:extLst>
   </p:cSld>
@@ -19711,287 +19274,7 @@
 </p:sld>
 </file>
 
-<file path=ppt/slides/slide45.xml><?xml version="1.0" encoding="utf-8"?>
-<p:sld xmlns:a="http://schemas.openxmlformats.org/drawingml/2006/main" xmlns:r="http://schemas.openxmlformats.org/officeDocument/2006/relationships" xmlns:p="http://schemas.openxmlformats.org/presentationml/2006/main">
-  <p:cSld>
-    <p:spTree>
-      <p:nvGrpSpPr>
-        <p:cNvPr id="1" name=""/>
-        <p:cNvGrpSpPr/>
-        <p:nvPr/>
-      </p:nvGrpSpPr>
-      <p:grpSpPr>
-        <a:xfrm>
-          <a:off x="0" y="0"/>
-          <a:ext cx="0" cy="0"/>
-          <a:chOff x="0" y="0"/>
-          <a:chExt cx="0" cy="0"/>
-        </a:xfrm>
-      </p:grpSpPr>
-    </p:spTree>
-    <p:extLst>
-      <p:ext uri="{BB962C8B-B14F-4D97-AF65-F5344CB8AC3E}">
-        <p14:creationId xmlns:p14="http://schemas.microsoft.com/office/powerpoint/2010/main" val="4219819415"/>
-      </p:ext>
-    </p:extLst>
-  </p:cSld>
-  <p:clrMapOvr>
-    <a:masterClrMapping/>
-  </p:clrMapOvr>
-</p:sld>
-</file>
-
-<file path=ppt/slides/slide46.xml><?xml version="1.0" encoding="utf-8"?>
-<p:sld xmlns:a="http://schemas.openxmlformats.org/drawingml/2006/main" xmlns:r="http://schemas.openxmlformats.org/officeDocument/2006/relationships" xmlns:p="http://schemas.openxmlformats.org/presentationml/2006/main">
-  <p:cSld>
-    <p:spTree>
-      <p:nvGrpSpPr>
-        <p:cNvPr id="1" name=""/>
-        <p:cNvGrpSpPr/>
-        <p:nvPr/>
-      </p:nvGrpSpPr>
-      <p:grpSpPr>
-        <a:xfrm>
-          <a:off x="0" y="0"/>
-          <a:ext cx="0" cy="0"/>
-          <a:chOff x="0" y="0"/>
-          <a:chExt cx="0" cy="0"/>
-        </a:xfrm>
-      </p:grpSpPr>
-    </p:spTree>
-    <p:extLst>
-      <p:ext uri="{BB962C8B-B14F-4D97-AF65-F5344CB8AC3E}">
-        <p14:creationId xmlns:p14="http://schemas.microsoft.com/office/powerpoint/2010/main" val="4219819415"/>
-      </p:ext>
-    </p:extLst>
-  </p:cSld>
-  <p:clrMapOvr>
-    <a:masterClrMapping/>
-  </p:clrMapOvr>
-</p:sld>
-</file>
-
 <file path=ppt/slides/slide5.xml><?xml version="1.0" encoding="utf-8"?>
-<p:sld xmlns:a="http://schemas.openxmlformats.org/drawingml/2006/main" xmlns:r="http://schemas.openxmlformats.org/officeDocument/2006/relationships" xmlns:p="http://schemas.openxmlformats.org/presentationml/2006/main">
-  <p:cSld>
-    <p:spTree>
-      <p:nvGrpSpPr>
-        <p:cNvPr id="1" name=""/>
-        <p:cNvGrpSpPr/>
-        <p:nvPr/>
-      </p:nvGrpSpPr>
-      <p:grpSpPr>
-        <a:xfrm>
-          <a:off x="0" y="0"/>
-          <a:ext cx="0" cy="0"/>
-          <a:chOff x="0" y="0"/>
-          <a:chExt cx="0" cy="0"/>
-        </a:xfrm>
-      </p:grpSpPr>
-      <p:sp>
-        <p:nvSpPr>
-          <p:cNvPr id="2" name="标题 1"/>
-          <p:cNvSpPr>
-            <a:spLocks noGrp="1"/>
-          </p:cNvSpPr>
-          <p:nvPr>
-            <p:ph type="title"/>
-          </p:nvPr>
-        </p:nvSpPr>
-        <p:spPr/>
-        <p:txBody>
-          <a:bodyPr/>
-          <a:lstStyle/>
-          <a:p>
-            <a:endParaRPr lang="zh-CN" altLang="en-US"/>
-          </a:p>
-        </p:txBody>
-      </p:sp>
-      <p:sp>
-        <p:nvSpPr>
-          <p:cNvPr id="3" name="内容占位符 2"/>
-          <p:cNvSpPr>
-            <a:spLocks noGrp="1"/>
-          </p:cNvSpPr>
-          <p:nvPr>
-            <p:ph idx="1"/>
-          </p:nvPr>
-        </p:nvSpPr>
-        <p:spPr/>
-        <p:txBody>
-          <a:bodyPr/>
-          <a:lstStyle/>
-          <a:p>
-            <a:r>
-              <a:rPr lang="en-US" altLang="zh-CN" b="1"/>
-              <a:t>Java 8</a:t>
-            </a:r>
-            <a:r>
-              <a:rPr lang="zh-CN" altLang="en-US"/>
-              <a:t>新特性简介</a:t>
-            </a:r>
-            <a:br>
-              <a:rPr lang="zh-CN" altLang="en-US"/>
-            </a:br>
-            <a:r>
-              <a:rPr lang="zh-CN" altLang="en-US"/>
-              <a:t> 速度更快</a:t>
-            </a:r>
-            <a:br>
-              <a:rPr lang="zh-CN" altLang="en-US"/>
-            </a:br>
-            <a:r>
-              <a:rPr lang="zh-CN" altLang="en-US"/>
-              <a:t> 代码更少（增加了新的语法 </a:t>
-            </a:r>
-            <a:r>
-              <a:rPr lang="en-US" altLang="zh-CN" b="1"/>
-              <a:t>Lambda </a:t>
-            </a:r>
-            <a:r>
-              <a:rPr lang="zh-CN" altLang="en-US"/>
-              <a:t>表达式）</a:t>
-            </a:r>
-            <a:br>
-              <a:rPr lang="zh-CN" altLang="en-US"/>
-            </a:br>
-            <a:r>
-              <a:rPr lang="zh-CN" altLang="en-US"/>
-              <a:t> 强大的 </a:t>
-            </a:r>
-            <a:r>
-              <a:rPr lang="en-US" altLang="zh-CN" b="1"/>
-              <a:t>Stream API</a:t>
-            </a:r>
-            <a:br>
-              <a:rPr lang="en-US" altLang="zh-CN" b="1"/>
-            </a:br>
-            <a:r>
-              <a:rPr lang="en-US" altLang="zh-CN"/>
-              <a:t> </a:t>
-            </a:r>
-            <a:r>
-              <a:rPr lang="zh-CN" altLang="en-US"/>
-              <a:t>便于并行</a:t>
-            </a:r>
-            <a:br>
-              <a:rPr lang="zh-CN" altLang="en-US"/>
-            </a:br>
-            <a:r>
-              <a:rPr lang="zh-CN" altLang="en-US"/>
-              <a:t> 最大化减少空指针异常 </a:t>
-            </a:r>
-            <a:r>
-              <a:rPr lang="en-US" altLang="zh-CN"/>
-              <a:t>Optional</a:t>
-            </a:r>
-            <a:br>
-              <a:rPr lang="en-US" altLang="zh-CN"/>
-            </a:br>
-            <a:r>
-              <a:rPr lang="zh-CN" altLang="en-US"/>
-              <a:t>其中最为核心的为 </a:t>
-            </a:r>
-            <a:r>
-              <a:rPr lang="en-US" altLang="zh-CN"/>
-              <a:t>Lambda </a:t>
-            </a:r>
-            <a:r>
-              <a:rPr lang="zh-CN" altLang="en-US"/>
-              <a:t>表达式与</a:t>
-            </a:r>
-            <a:r>
-              <a:rPr lang="en-US" altLang="zh-CN"/>
-              <a:t>Stream API</a:t>
-            </a:r>
-            <a:r>
-              <a:rPr lang="en-US" altLang="zh-CN"/>
-              <a:t> </a:t>
-            </a:r>
-            <a:br>
-              <a:rPr lang="en-US" altLang="zh-CN"/>
-            </a:br>
-            <a:endParaRPr lang="zh-CN" altLang="en-US"/>
-          </a:p>
-        </p:txBody>
-      </p:sp>
-    </p:spTree>
-    <p:extLst>
-      <p:ext uri="{BB962C8B-B14F-4D97-AF65-F5344CB8AC3E}">
-        <p14:creationId xmlns:p14="http://schemas.microsoft.com/office/powerpoint/2010/main" val="3025815349"/>
-      </p:ext>
-    </p:extLst>
-  </p:cSld>
-  <p:clrMapOvr>
-    <a:masterClrMapping/>
-  </p:clrMapOvr>
-</p:sld>
-</file>
-
-<file path=ppt/slides/slide6.xml><?xml version="1.0" encoding="utf-8"?>
-<p:sld xmlns:a="http://schemas.openxmlformats.org/drawingml/2006/main" xmlns:r="http://schemas.openxmlformats.org/officeDocument/2006/relationships" xmlns:p="http://schemas.openxmlformats.org/presentationml/2006/main">
-  <p:cSld>
-    <p:spTree>
-      <p:nvGrpSpPr>
-        <p:cNvPr id="1" name=""/>
-        <p:cNvGrpSpPr/>
-        <p:nvPr/>
-      </p:nvGrpSpPr>
-      <p:grpSpPr>
-        <a:xfrm>
-          <a:off x="0" y="0"/>
-          <a:ext cx="0" cy="0"/>
-          <a:chOff x="0" y="0"/>
-          <a:chExt cx="0" cy="0"/>
-        </a:xfrm>
-      </p:grpSpPr>
-      <p:sp>
-        <p:nvSpPr>
-          <p:cNvPr id="2" name="TextBox 1"/>
-          <p:cNvSpPr txBox="1"/>
-          <p:nvPr/>
-        </p:nvSpPr>
-        <p:spPr>
-          <a:xfrm>
-            <a:off x="2339752" y="1628800"/>
-            <a:ext cx="2156360" cy="369332"/>
-          </a:xfrm>
-          <a:prstGeom prst="rect">
-            <a:avLst/>
-          </a:prstGeom>
-          <a:noFill/>
-        </p:spPr>
-        <p:txBody>
-          <a:bodyPr wrap="none" rtlCol="0">
-            <a:spAutoFit/>
-          </a:bodyPr>
-          <a:lstStyle/>
-          <a:p>
-            <a:r>
-              <a:rPr lang="zh-CN" altLang="en-US" smtClean="0"/>
-              <a:t>为什么要存在</a:t>
-            </a:r>
-            <a:r>
-              <a:rPr lang="en-US" altLang="zh-CN" smtClean="0"/>
-              <a:t>java8</a:t>
-            </a:r>
-          </a:p>
-        </p:txBody>
-      </p:sp>
-    </p:spTree>
-    <p:extLst>
-      <p:ext uri="{BB962C8B-B14F-4D97-AF65-F5344CB8AC3E}">
-        <p14:creationId xmlns:p14="http://schemas.microsoft.com/office/powerpoint/2010/main" val="4219819415"/>
-      </p:ext>
-    </p:extLst>
-  </p:cSld>
-  <p:clrMapOvr>
-    <a:masterClrMapping/>
-  </p:clrMapOvr>
-</p:sld>
-</file>
-
-<file path=ppt/slides/slide7.xml><?xml version="1.0" encoding="utf-8"?>
 <p:sld xmlns:a="http://schemas.openxmlformats.org/drawingml/2006/main" xmlns:r="http://schemas.openxmlformats.org/officeDocument/2006/relationships" xmlns:p="http://schemas.openxmlformats.org/presentationml/2006/main">
   <p:cSld>
     <p:spTree>
@@ -20090,7 +19373,15 @@
             </a:r>
             <a:r>
               <a:rPr lang="zh-CN" altLang="en-US" sz="1800"/>
-              <a:t>的要大得多，因为同步迫使代码按照顺序执行，而这与并行处理的宗旨相悖。 </a:t>
+              <a:t>的要大得多，因为同步迫使</a:t>
+            </a:r>
+            <a:r>
+              <a:rPr lang="zh-CN" altLang="en-US" sz="1800" smtClean="0"/>
+              <a:t>代按照</a:t>
+            </a:r>
+            <a:r>
+              <a:rPr lang="zh-CN" altLang="en-US" sz="1800"/>
+              <a:t>顺序执行，而这与并行处理的宗旨相悖。 </a:t>
             </a:r>
             <a:br>
               <a:rPr lang="zh-CN" altLang="en-US" sz="1800"/>
@@ -20112,7 +19403,7 @@
 </p:sld>
 </file>
 
-<file path=ppt/slides/slide8.xml><?xml version="1.0" encoding="utf-8"?>
+<file path=ppt/slides/slide6.xml><?xml version="1.0" encoding="utf-8"?>
 <p:sld xmlns:a="http://schemas.openxmlformats.org/drawingml/2006/main" xmlns:r="http://schemas.openxmlformats.org/officeDocument/2006/relationships" xmlns:p="http://schemas.openxmlformats.org/presentationml/2006/main">
   <p:cSld>
     <p:spTree>
@@ -20152,7 +19443,7 @@
         </p:blipFill>
         <p:spPr bwMode="auto">
           <a:xfrm>
-            <a:off x="295275" y="3717032"/>
+            <a:off x="295275" y="3742159"/>
             <a:ext cx="8553450" cy="1800225"/>
           </a:xfrm>
           <a:prstGeom prst="rect">
@@ -20216,7 +19507,7 @@
         </p:blipFill>
         <p:spPr bwMode="auto">
           <a:xfrm>
-            <a:off x="611560" y="1268760"/>
+            <a:off x="628353" y="1340768"/>
             <a:ext cx="7362825" cy="409575"/>
           </a:xfrm>
           <a:prstGeom prst="rect">
@@ -20270,7 +19561,7 @@
 </p:sld>
 </file>
 
-<file path=ppt/slides/slide9.xml><?xml version="1.0" encoding="utf-8"?>
+<file path=ppt/slides/slide7.xml><?xml version="1.0" encoding="utf-8"?>
 <p:sld xmlns:a="http://schemas.openxmlformats.org/drawingml/2006/main" xmlns:r="http://schemas.openxmlformats.org/officeDocument/2006/relationships" xmlns:p="http://schemas.openxmlformats.org/presentationml/2006/main">
   <p:cSld>
     <p:spTree>
@@ -20334,6 +19625,428 @@
     <p:extLst>
       <p:ext uri="{BB962C8B-B14F-4D97-AF65-F5344CB8AC3E}">
         <p14:creationId xmlns:p14="http://schemas.microsoft.com/office/powerpoint/2010/main" val="2954708730"/>
+      </p:ext>
+    </p:extLst>
+  </p:cSld>
+  <p:clrMapOvr>
+    <a:masterClrMapping/>
+  </p:clrMapOvr>
+</p:sld>
+</file>
+
+<file path=ppt/slides/slide8.xml><?xml version="1.0" encoding="utf-8"?>
+<p:sld xmlns:a="http://schemas.openxmlformats.org/drawingml/2006/main" xmlns:r="http://schemas.openxmlformats.org/officeDocument/2006/relationships" xmlns:p="http://schemas.openxmlformats.org/presentationml/2006/main">
+  <p:cSld>
+    <p:spTree>
+      <p:nvGrpSpPr>
+        <p:cNvPr id="1" name=""/>
+        <p:cNvGrpSpPr/>
+        <p:nvPr/>
+      </p:nvGrpSpPr>
+      <p:grpSpPr>
+        <a:xfrm>
+          <a:off x="0" y="0"/>
+          <a:ext cx="0" cy="0"/>
+          <a:chOff x="0" y="0"/>
+          <a:chExt cx="0" cy="0"/>
+        </a:xfrm>
+      </p:grpSpPr>
+      <p:sp>
+        <p:nvSpPr>
+          <p:cNvPr id="2" name="标题 1"/>
+          <p:cNvSpPr>
+            <a:spLocks noGrp="1"/>
+          </p:cNvSpPr>
+          <p:nvPr>
+            <p:ph type="title"/>
+          </p:nvPr>
+        </p:nvSpPr>
+        <p:spPr/>
+        <p:txBody>
+          <a:bodyPr/>
+          <a:lstStyle/>
+          <a:p>
+            <a:endParaRPr lang="zh-CN" altLang="en-US"/>
+          </a:p>
+        </p:txBody>
+      </p:sp>
+      <p:sp>
+        <p:nvSpPr>
+          <p:cNvPr id="3" name="内容占位符 2"/>
+          <p:cNvSpPr>
+            <a:spLocks noGrp="1"/>
+          </p:cNvSpPr>
+          <p:nvPr>
+            <p:ph idx="1"/>
+          </p:nvPr>
+        </p:nvSpPr>
+        <p:spPr/>
+        <p:txBody>
+          <a:bodyPr/>
+          <a:lstStyle/>
+          <a:p>
+            <a:r>
+              <a:rPr lang="en-US" altLang="zh-CN" sz="1400"/>
+              <a:t>Java 8</a:t>
+            </a:r>
+            <a:r>
+              <a:rPr lang="zh-CN" altLang="en-US" sz="1400"/>
+              <a:t>中新增了函数</a:t>
+            </a:r>
+            <a:r>
+              <a:rPr lang="en-US" altLang="zh-CN" sz="1400"/>
+              <a:t>——</a:t>
+            </a:r>
+            <a:r>
+              <a:rPr lang="zh-CN" altLang="en-US" sz="1400"/>
+              <a:t>值的一种新形式。它有助于使用</a:t>
+            </a:r>
+            <a:r>
+              <a:rPr lang="en-US" altLang="zh-CN" sz="1400"/>
+              <a:t>1.3</a:t>
+            </a:r>
+            <a:r>
+              <a:rPr lang="zh-CN" altLang="en-US" sz="1400"/>
+              <a:t>节中谈到的流，有了它， </a:t>
+            </a:r>
+            <a:r>
+              <a:rPr lang="en-US" altLang="zh-CN" sz="1400"/>
+              <a:t>Java 8</a:t>
+            </a:r>
+            <a:br>
+              <a:rPr lang="en-US" altLang="zh-CN" sz="1400"/>
+            </a:br>
+            <a:r>
+              <a:rPr lang="zh-CN" altLang="en-US" sz="1400"/>
+              <a:t>可以进行多核处理器上的并行编程。我们首先来展示一下作为值的函数本身的有用之处。 </a:t>
+            </a:r>
+            <a:br>
+              <a:rPr lang="zh-CN" altLang="en-US" sz="1400"/>
+            </a:br>
+            <a:r>
+              <a:rPr lang="zh-CN" altLang="en-US" sz="1400"/>
+              <a:t>想想</a:t>
+            </a:r>
+            <a:r>
+              <a:rPr lang="en-US" altLang="zh-CN" sz="1400"/>
+              <a:t>Java</a:t>
+            </a:r>
+            <a:r>
+              <a:rPr lang="zh-CN" altLang="en-US" sz="1400"/>
+              <a:t>程序可能操作的值吧。首先有原始值，比如</a:t>
+            </a:r>
+            <a:r>
+              <a:rPr lang="en-US" altLang="zh-CN" sz="1400"/>
+              <a:t>42</a:t>
+            </a:r>
+            <a:r>
+              <a:rPr lang="zh-CN" altLang="en-US" sz="1400"/>
+              <a:t>（</a:t>
+            </a:r>
+            <a:r>
+              <a:rPr lang="en-US" altLang="zh-CN" sz="1400" err="1"/>
+              <a:t>int</a:t>
+            </a:r>
+            <a:r>
+              <a:rPr lang="zh-CN" altLang="en-US" sz="1400"/>
+              <a:t>类型）和</a:t>
+            </a:r>
+            <a:r>
+              <a:rPr lang="en-US" altLang="zh-CN" sz="1400"/>
+              <a:t>3.14</a:t>
+            </a:r>
+            <a:r>
+              <a:rPr lang="zh-CN" altLang="en-US" sz="1400"/>
+              <a:t>（</a:t>
+            </a:r>
+            <a:r>
+              <a:rPr lang="en-US" altLang="zh-CN" sz="1400"/>
+              <a:t>double</a:t>
+            </a:r>
+            <a:r>
+              <a:rPr lang="zh-CN" altLang="en-US" sz="1400"/>
+              <a:t>类型）。</a:t>
+            </a:r>
+            <a:br>
+              <a:rPr lang="zh-CN" altLang="en-US" sz="1400"/>
+            </a:br>
+            <a:r>
+              <a:rPr lang="zh-CN" altLang="en-US" sz="1400"/>
+              <a:t>其次，值可以是对象（更严格地说是对象的引用）。获得对象的唯一途径是利用</a:t>
+            </a:r>
+            <a:r>
+              <a:rPr lang="en-US" altLang="zh-CN" sz="1400"/>
+              <a:t>new</a:t>
+            </a:r>
+            <a:r>
+              <a:rPr lang="zh-CN" altLang="en-US" sz="1400"/>
+              <a:t>，也许是通</a:t>
+            </a:r>
+            <a:br>
+              <a:rPr lang="zh-CN" altLang="en-US" sz="1400"/>
+            </a:br>
+            <a:r>
+              <a:rPr lang="zh-CN" altLang="en-US" sz="1400"/>
+              <a:t>过工厂方法或库函数实现的；对象引用指向类的一个实例。例子包括</a:t>
+            </a:r>
+            <a:r>
+              <a:rPr lang="en-US" altLang="zh-CN" sz="1400"/>
+              <a:t>"</a:t>
+            </a:r>
+            <a:r>
+              <a:rPr lang="en-US" altLang="zh-CN" sz="1400" err="1"/>
+              <a:t>abc</a:t>
+            </a:r>
+            <a:r>
+              <a:rPr lang="en-US" altLang="zh-CN" sz="1400"/>
+              <a:t>"</a:t>
+            </a:r>
+            <a:r>
+              <a:rPr lang="zh-CN" altLang="en-US" sz="1400"/>
+              <a:t>（</a:t>
+            </a:r>
+            <a:r>
+              <a:rPr lang="en-US" altLang="zh-CN" sz="1400"/>
+              <a:t>String</a:t>
+            </a:r>
+            <a:r>
+              <a:rPr lang="zh-CN" altLang="en-US" sz="1400"/>
+              <a:t>类型）， </a:t>
+            </a:r>
+            <a:r>
+              <a:rPr lang="en-US" altLang="zh-CN" sz="1400"/>
+              <a:t>new</a:t>
+            </a:r>
+            <a:br>
+              <a:rPr lang="en-US" altLang="zh-CN" sz="1400"/>
+            </a:br>
+            <a:r>
+              <a:rPr lang="en-US" altLang="zh-CN" sz="1400"/>
+              <a:t>Integer(1111)</a:t>
+            </a:r>
+            <a:r>
+              <a:rPr lang="zh-CN" altLang="en-US" sz="1400"/>
+              <a:t>（</a:t>
+            </a:r>
+            <a:r>
+              <a:rPr lang="en-US" altLang="zh-CN" sz="1400"/>
+              <a:t>Integer</a:t>
+            </a:r>
+            <a:r>
+              <a:rPr lang="zh-CN" altLang="en-US" sz="1400"/>
+              <a:t>类型），以及</a:t>
+            </a:r>
+            <a:r>
+              <a:rPr lang="en-US" altLang="zh-CN" sz="1400"/>
+              <a:t>new </a:t>
+            </a:r>
+            <a:r>
+              <a:rPr lang="en-US" altLang="zh-CN" sz="1400" err="1"/>
+              <a:t>HashMap</a:t>
+            </a:r>
+            <a:r>
+              <a:rPr lang="en-US" altLang="zh-CN" sz="1400"/>
+              <a:t>&lt;</a:t>
+            </a:r>
+            <a:r>
+              <a:rPr lang="en-US" altLang="zh-CN" sz="1400" err="1"/>
+              <a:t>Integer,String</a:t>
+            </a:r>
+            <a:r>
+              <a:rPr lang="en-US" altLang="zh-CN" sz="1400"/>
+              <a:t>&gt;(100)</a:t>
+            </a:r>
+            <a:r>
+              <a:rPr lang="zh-CN" altLang="en-US" sz="1400"/>
+              <a:t>的结果</a:t>
+            </a:r>
+            <a:r>
+              <a:rPr lang="en-US" altLang="zh-CN" sz="1400"/>
+              <a:t>——</a:t>
+            </a:r>
+            <a:r>
+              <a:rPr lang="zh-CN" altLang="en-US" sz="1400"/>
+              <a:t>它</a:t>
+            </a:r>
+            <a:br>
+              <a:rPr lang="zh-CN" altLang="en-US" sz="1400"/>
+            </a:br>
+            <a:r>
+              <a:rPr lang="zh-CN" altLang="en-US" sz="1400"/>
+              <a:t>显然调用了</a:t>
+            </a:r>
+            <a:r>
+              <a:rPr lang="en-US" altLang="zh-CN" sz="1400" err="1"/>
+              <a:t>HashMap</a:t>
+            </a:r>
+            <a:r>
+              <a:rPr lang="zh-CN" altLang="en-US" sz="1400"/>
+              <a:t>的构造函数。甚至数组也是对象。 </a:t>
+            </a:r>
+            <a:br>
+              <a:rPr lang="zh-CN" altLang="en-US" sz="1400"/>
+            </a:br>
+            <a:r>
+              <a:rPr lang="zh-CN" altLang="en-US" sz="1400"/>
+              <a:t>为了帮助回答这个问题，我们要注意到，编程语言的整个目的就在于操作值，要是按照历史</a:t>
+            </a:r>
+            <a:br>
+              <a:rPr lang="zh-CN" altLang="en-US" sz="1400"/>
+            </a:br>
+            <a:r>
+              <a:rPr lang="zh-CN" altLang="en-US" sz="1400"/>
+              <a:t>上编程语言的传统，这些值因此被称为一等值 </a:t>
+            </a:r>
+            <a:endParaRPr lang="en-US" altLang="zh-CN" sz="1400" smtClean="0"/>
+          </a:p>
+          <a:p>
+            <a:r>
+              <a:rPr lang="zh-CN" altLang="en-US" sz="1400"/>
+              <a:t>编程语言中的其他结构也许有助于我们表示值的结构，但在程序执行期间</a:t>
+            </a:r>
+            <a:br>
+              <a:rPr lang="zh-CN" altLang="en-US" sz="1400"/>
+            </a:br>
+            <a:r>
+              <a:rPr lang="zh-CN" altLang="en-US" sz="1400"/>
+              <a:t>不能传递，因而是二等公民。前面所说的值是</a:t>
+            </a:r>
+            <a:r>
+              <a:rPr lang="en-US" altLang="zh-CN" sz="1400"/>
+              <a:t>Java</a:t>
+            </a:r>
+            <a:r>
+              <a:rPr lang="zh-CN" altLang="en-US" sz="1400"/>
+              <a:t>中的一等公民，但其他很多</a:t>
+            </a:r>
+            <a:r>
+              <a:rPr lang="en-US" altLang="zh-CN" sz="1400"/>
+              <a:t>Java</a:t>
+            </a:r>
+            <a:r>
+              <a:rPr lang="zh-CN" altLang="en-US" sz="1400"/>
+              <a:t>概念（如</a:t>
+            </a:r>
+            <a:r>
+              <a:rPr lang="zh-CN" altLang="en-US" sz="1400" smtClean="0"/>
+              <a:t>方法和类等）则是二等公民</a:t>
+            </a:r>
+            <a:r>
+              <a:rPr lang="zh-CN" altLang="en-US" sz="1400"/>
+              <a:t/>
+            </a:r>
+            <a:br>
+              <a:rPr lang="zh-CN" altLang="en-US" sz="1400"/>
+            </a:br>
+            <a:r>
+              <a:rPr lang="zh-CN" altLang="en-US" sz="1400"/>
+              <a:t/>
+            </a:r>
+            <a:br>
+              <a:rPr lang="zh-CN" altLang="en-US" sz="1400"/>
+            </a:br>
+            <a:endParaRPr lang="zh-CN" altLang="en-US" sz="1400"/>
+          </a:p>
+        </p:txBody>
+      </p:sp>
+    </p:spTree>
+    <p:extLst>
+      <p:ext uri="{BB962C8B-B14F-4D97-AF65-F5344CB8AC3E}">
+        <p14:creationId xmlns:p14="http://schemas.microsoft.com/office/powerpoint/2010/main" val="2061544340"/>
+      </p:ext>
+    </p:extLst>
+  </p:cSld>
+  <p:clrMapOvr>
+    <a:masterClrMapping/>
+  </p:clrMapOvr>
+</p:sld>
+</file>
+
+<file path=ppt/slides/slide9.xml><?xml version="1.0" encoding="utf-8"?>
+<p:sld xmlns:a="http://schemas.openxmlformats.org/drawingml/2006/main" xmlns:r="http://schemas.openxmlformats.org/officeDocument/2006/relationships" xmlns:p="http://schemas.openxmlformats.org/presentationml/2006/main">
+  <p:cSld>
+    <p:spTree>
+      <p:nvGrpSpPr>
+        <p:cNvPr id="1" name=""/>
+        <p:cNvGrpSpPr/>
+        <p:nvPr/>
+      </p:nvGrpSpPr>
+      <p:grpSpPr>
+        <a:xfrm>
+          <a:off x="0" y="0"/>
+          <a:ext cx="0" cy="0"/>
+          <a:chOff x="0" y="0"/>
+          <a:chExt cx="0" cy="0"/>
+        </a:xfrm>
+      </p:grpSpPr>
+      <p:pic>
+        <p:nvPicPr>
+          <p:cNvPr id="1026" name="Picture 2"/>
+          <p:cNvPicPr>
+            <a:picLocks noChangeAspect="1" noChangeArrowheads="1"/>
+          </p:cNvPicPr>
+          <p:nvPr/>
+        </p:nvPicPr>
+        <p:blipFill>
+          <a:blip r:embed="rId2">
+            <a:extLst>
+              <a:ext uri="{28A0092B-C50C-407E-A947-70E740481C1C}">
+                <a14:useLocalDpi xmlns:a14="http://schemas.microsoft.com/office/drawing/2010/main" val="0"/>
+              </a:ext>
+            </a:extLst>
+          </a:blip>
+          <a:srcRect/>
+          <a:stretch>
+            <a:fillRect/>
+          </a:stretch>
+        </p:blipFill>
+        <p:spPr bwMode="auto">
+          <a:xfrm>
+            <a:off x="1259632" y="574416"/>
+            <a:ext cx="6768752" cy="5852741"/>
+          </a:xfrm>
+          <a:prstGeom prst="rect">
+            <a:avLst/>
+          </a:prstGeom>
+          <a:noFill/>
+          <a:ln>
+            <a:noFill/>
+          </a:ln>
+          <a:effectLst/>
+          <a:extLst>
+            <a:ext uri="{909E8E84-426E-40DD-AFC4-6F175D3DCCD1}">
+              <a14:hiddenFill xmlns:a14="http://schemas.microsoft.com/office/drawing/2010/main">
+                <a:solidFill>
+                  <a:schemeClr val="accent1"/>
+                </a:solidFill>
+              </a14:hiddenFill>
+            </a:ext>
+            <a:ext uri="{91240B29-F687-4F45-9708-019B960494DF}">
+              <a14:hiddenLine xmlns:a14="http://schemas.microsoft.com/office/drawing/2010/main" w="9525">
+                <a:solidFill>
+                  <a:schemeClr val="tx1"/>
+                </a:solidFill>
+                <a:miter lim="800000"/>
+                <a:headEnd/>
+                <a:tailEnd/>
+              </a14:hiddenLine>
+            </a:ext>
+            <a:ext uri="{AF507438-7753-43E0-B8FC-AC1667EBCBE1}">
+              <a14:hiddenEffects xmlns:a14="http://schemas.microsoft.com/office/drawing/2010/main">
+                <a:effectLst>
+                  <a:outerShdw dist="35921" dir="2700000" algn="ctr" rotWithShape="0">
+                    <a:schemeClr val="bg2"/>
+                  </a:outerShdw>
+                </a:effectLst>
+              </a14:hiddenEffects>
+            </a:ext>
+          </a:extLst>
+        </p:spPr>
+      </p:pic>
+    </p:spTree>
+    <p:extLst>
+      <p:ext uri="{BB962C8B-B14F-4D97-AF65-F5344CB8AC3E}">
+        <p14:creationId xmlns:p14="http://schemas.microsoft.com/office/powerpoint/2010/main" val="3793619055"/>
       </p:ext>
     </p:extLst>
   </p:cSld>
@@ -21142,7 +20855,7 @@
   </a:extraClrSchemeLst>
   <a:extLst>
     <a:ext uri="{05A4C25C-085E-4340-85A3-A5531E510DB2}">
-      <thm15:themeFamily xmlns:thm15="http://schemas.microsoft.com/office/thememl/2012/main" xmlns="" name="Office Theme" id="{62F939B6-93AF-4DB8-9C6B-D6C7DFDC589F}" vid="{4A3C46E8-61CC-4603-A589-7422A47A8E4A}"/>
+      <thm15:themeFamily xmlns="" xmlns:thm15="http://schemas.microsoft.com/office/thememl/2012/main" name="Office Theme" id="{62F939B6-93AF-4DB8-9C6B-D6C7DFDC589F}" vid="{4A3C46E8-61CC-4603-A589-7422A47A8E4A}"/>
     </a:ext>
   </a:extLst>
 </a:theme>
@@ -21947,7 +21660,7 @@
   </a:extraClrSchemeLst>
   <a:extLst>
     <a:ext uri="{05A4C25C-085E-4340-85A3-A5531E510DB2}">
-      <thm15:themeFamily xmlns:thm15="http://schemas.microsoft.com/office/thememl/2012/main" xmlns="" name="Office Theme" id="{62F939B6-93AF-4DB8-9C6B-D6C7DFDC589F}" vid="{4A3C46E8-61CC-4603-A589-7422A47A8E4A}"/>
+      <thm15:themeFamily xmlns="" xmlns:thm15="http://schemas.microsoft.com/office/thememl/2012/main" name="Office Theme" id="{62F939B6-93AF-4DB8-9C6B-D6C7DFDC589F}" vid="{4A3C46E8-61CC-4603-A589-7422A47A8E4A}"/>
     </a:ext>
   </a:extLst>
 </a:theme>
@@ -22752,7 +22465,7 @@
   </a:extraClrSchemeLst>
   <a:extLst>
     <a:ext uri="{05A4C25C-085E-4340-85A3-A5531E510DB2}">
-      <thm15:themeFamily xmlns:thm15="http://schemas.microsoft.com/office/thememl/2012/main" xmlns="" name="Office Theme" id="{62F939B6-93AF-4DB8-9C6B-D6C7DFDC589F}" vid="{4A3C46E8-61CC-4603-A589-7422A47A8E4A}"/>
+      <thm15:themeFamily xmlns="" xmlns:thm15="http://schemas.microsoft.com/office/thememl/2012/main" name="Office Theme" id="{62F939B6-93AF-4DB8-9C6B-D6C7DFDC589F}" vid="{4A3C46E8-61CC-4603-A589-7422A47A8E4A}"/>
     </a:ext>
   </a:extLst>
 </a:theme>
@@ -23013,7 +22726,7 @@
   <a:extraClrSchemeLst/>
   <a:extLst>
     <a:ext uri="{05A4C25C-085E-4340-85A3-A5531E510DB2}">
-      <thm15:themeFamily xmlns:thm15="http://schemas.microsoft.com/office/thememl/2012/main" xmlns="" name="Office Theme" id="{62F939B6-93AF-4DB8-9C6B-D6C7DFDC589F}" vid="{4A3C46E8-61CC-4603-A589-7422A47A8E4A}"/>
+      <thm15:themeFamily xmlns="" xmlns:thm15="http://schemas.microsoft.com/office/thememl/2012/main" name="Office Theme" id="{62F939B6-93AF-4DB8-9C6B-D6C7DFDC589F}" vid="{4A3C46E8-61CC-4603-A589-7422A47A8E4A}"/>
     </a:ext>
   </a:extLst>
 </a:theme>
